--- a/RoadMap.pptx
+++ b/RoadMap.pptx
@@ -1,42 +1,42 @@
 
 <file path=ppt/presentation.xml><?xml version="1.0" encoding="utf-8"?>
-<p:presentation xmlns:a="http://schemas.openxmlformats.org/drawingml/2006/main" xmlns:r="http://schemas.openxmlformats.org/officeDocument/2006/relationships" xmlns:mc="http://schemas.openxmlformats.org/markup-compatibility/2006" xmlns:mv="urn:schemas-microsoft-com:mac:vml" xmlns:p="http://schemas.openxmlformats.org/presentationml/2006/main" xmlns:c="http://schemas.openxmlformats.org/drawingml/2006/chart" xmlns:dgm="http://schemas.openxmlformats.org/drawingml/2006/diagram" xmlns:o="urn:schemas-microsoft-com:office:office" xmlns:v="urn:schemas-microsoft-com:vml" xmlns:pvml="urn:schemas-microsoft-com:office:powerpoint" xmlns:com="http://schemas.openxmlformats.org/drawingml/2006/compatibility" xmlns:p14="http://schemas.microsoft.com/office/powerpoint/2010/main" xmlns:p15="http://schemas.microsoft.com/office/powerpoint/2012/main" xmlns:ahyp="http://schemas.microsoft.com/office/drawing/2018/hyperlinkcolor" autoCompressPictures="0" embedTrueTypeFonts="1" strictFirstAndLastChars="0" saveSubsetFonts="1">
+<p:presentation xmlns:a="http://schemas.openxmlformats.org/drawingml/2006/main" xmlns:r="http://schemas.openxmlformats.org/officeDocument/2006/relationships" xmlns:p="http://schemas.openxmlformats.org/presentationml/2006/main" strictFirstAndLastChars="0" embedTrueTypeFonts="1" saveSubsetFonts="1" autoCompressPictures="0">
   <p:sldMasterIdLst>
-    <p:sldMasterId id="2147483659" r:id="rId4"/>
+    <p:sldMasterId id="2147483659" r:id="rId1"/>
   </p:sldMasterIdLst>
   <p:notesMasterIdLst>
-    <p:notesMasterId r:id="rId5"/>
+    <p:notesMasterId r:id="rId12"/>
   </p:notesMasterIdLst>
   <p:sldIdLst>
-    <p:sldId id="256" r:id="rId6"/>
-    <p:sldId id="257" r:id="rId7"/>
-    <p:sldId id="258" r:id="rId8"/>
-    <p:sldId id="259" r:id="rId9"/>
-    <p:sldId id="260" r:id="rId10"/>
-    <p:sldId id="261" r:id="rId11"/>
-    <p:sldId id="262" r:id="rId12"/>
-    <p:sldId id="263" r:id="rId13"/>
-    <p:sldId id="264" r:id="rId14"/>
-    <p:sldId id="265" r:id="rId15"/>
+    <p:sldId id="256" r:id="rId2"/>
+    <p:sldId id="257" r:id="rId3"/>
+    <p:sldId id="258" r:id="rId4"/>
+    <p:sldId id="259" r:id="rId5"/>
+    <p:sldId id="260" r:id="rId6"/>
+    <p:sldId id="261" r:id="rId7"/>
+    <p:sldId id="262" r:id="rId8"/>
+    <p:sldId id="263" r:id="rId9"/>
+    <p:sldId id="264" r:id="rId10"/>
+    <p:sldId id="265" r:id="rId11"/>
   </p:sldIdLst>
-  <p:sldSz cy="5143500" cx="9144000"/>
+  <p:sldSz cx="9144000" cy="5143500" type="screen16x9"/>
   <p:notesSz cx="6858000" cy="9144000"/>
   <p:embeddedFontLst>
     <p:embeddedFont>
-      <p:font typeface="Roboto"/>
-      <p:regular r:id="rId16"/>
-      <p:bold r:id="rId17"/>
-      <p:italic r:id="rId18"/>
-      <p:boldItalic r:id="rId19"/>
+      <p:font typeface="Roboto" panose="020B0604020202020204" charset="0"/>
+      <p:regular r:id="rId13"/>
+      <p:bold r:id="rId14"/>
+      <p:italic r:id="rId15"/>
+      <p:boldItalic r:id="rId16"/>
     </p:embeddedFont>
     <p:embeddedFont>
-      <p:font typeface="Comfortaa"/>
-      <p:regular r:id="rId20"/>
-      <p:bold r:id="rId21"/>
+      <p:font typeface="Comfortaa" panose="020B0604020202020204" charset="0"/>
+      <p:regular r:id="rId17"/>
+      <p:bold r:id="rId18"/>
     </p:embeddedFont>
   </p:embeddedFontLst>
   <p:defaultTextStyle>
-    <a:defPPr lvl="0" marR="0" rtl="0" algn="l">
+    <a:defPPr marR="0" lvl="0" algn="l" rtl="0">
       <a:lnSpc>
         <a:spcPct val="100000"/>
       </a:lnSpc>
@@ -47,7 +47,7 @@
         <a:spcPts val="0"/>
       </a:spcAft>
     </a:defPPr>
-    <a:lvl1pPr lvl="0" marR="0" rtl="0" algn="l">
+    <a:lvl1pPr marR="0" lvl="0" algn="l" rtl="0">
       <a:lnSpc>
         <a:spcPct val="100000"/>
       </a:lnSpc>
@@ -61,7 +61,7 @@
         <a:srgbClr val="000000"/>
       </a:buClr>
       <a:buFont typeface="Arial"/>
-      <a:defRPr b="0" i="0" sz="1400" u="none" cap="none" strike="noStrike">
+      <a:defRPr sz="1400" b="0" i="0" u="none" strike="noStrike" cap="none">
         <a:solidFill>
           <a:srgbClr val="000000"/>
         </a:solidFill>
@@ -71,7 +71,7 @@
         <a:sym typeface="Arial"/>
       </a:defRPr>
     </a:lvl1pPr>
-    <a:lvl2pPr lvl="1" marR="0" rtl="0" algn="l">
+    <a:lvl2pPr marR="0" lvl="1" algn="l" rtl="0">
       <a:lnSpc>
         <a:spcPct val="100000"/>
       </a:lnSpc>
@@ -85,7 +85,7 @@
         <a:srgbClr val="000000"/>
       </a:buClr>
       <a:buFont typeface="Arial"/>
-      <a:defRPr b="0" i="0" sz="1400" u="none" cap="none" strike="noStrike">
+      <a:defRPr sz="1400" b="0" i="0" u="none" strike="noStrike" cap="none">
         <a:solidFill>
           <a:srgbClr val="000000"/>
         </a:solidFill>
@@ -95,7 +95,7 @@
         <a:sym typeface="Arial"/>
       </a:defRPr>
     </a:lvl2pPr>
-    <a:lvl3pPr lvl="2" marR="0" rtl="0" algn="l">
+    <a:lvl3pPr marR="0" lvl="2" algn="l" rtl="0">
       <a:lnSpc>
         <a:spcPct val="100000"/>
       </a:lnSpc>
@@ -109,7 +109,7 @@
         <a:srgbClr val="000000"/>
       </a:buClr>
       <a:buFont typeface="Arial"/>
-      <a:defRPr b="0" i="0" sz="1400" u="none" cap="none" strike="noStrike">
+      <a:defRPr sz="1400" b="0" i="0" u="none" strike="noStrike" cap="none">
         <a:solidFill>
           <a:srgbClr val="000000"/>
         </a:solidFill>
@@ -119,7 +119,7 @@
         <a:sym typeface="Arial"/>
       </a:defRPr>
     </a:lvl3pPr>
-    <a:lvl4pPr lvl="3" marR="0" rtl="0" algn="l">
+    <a:lvl4pPr marR="0" lvl="3" algn="l" rtl="0">
       <a:lnSpc>
         <a:spcPct val="100000"/>
       </a:lnSpc>
@@ -133,7 +133,7 @@
         <a:srgbClr val="000000"/>
       </a:buClr>
       <a:buFont typeface="Arial"/>
-      <a:defRPr b="0" i="0" sz="1400" u="none" cap="none" strike="noStrike">
+      <a:defRPr sz="1400" b="0" i="0" u="none" strike="noStrike" cap="none">
         <a:solidFill>
           <a:srgbClr val="000000"/>
         </a:solidFill>
@@ -143,7 +143,7 @@
         <a:sym typeface="Arial"/>
       </a:defRPr>
     </a:lvl4pPr>
-    <a:lvl5pPr lvl="4" marR="0" rtl="0" algn="l">
+    <a:lvl5pPr marR="0" lvl="4" algn="l" rtl="0">
       <a:lnSpc>
         <a:spcPct val="100000"/>
       </a:lnSpc>
@@ -157,7 +157,7 @@
         <a:srgbClr val="000000"/>
       </a:buClr>
       <a:buFont typeface="Arial"/>
-      <a:defRPr b="0" i="0" sz="1400" u="none" cap="none" strike="noStrike">
+      <a:defRPr sz="1400" b="0" i="0" u="none" strike="noStrike" cap="none">
         <a:solidFill>
           <a:srgbClr val="000000"/>
         </a:solidFill>
@@ -167,7 +167,7 @@
         <a:sym typeface="Arial"/>
       </a:defRPr>
     </a:lvl5pPr>
-    <a:lvl6pPr lvl="5" marR="0" rtl="0" algn="l">
+    <a:lvl6pPr marR="0" lvl="5" algn="l" rtl="0">
       <a:lnSpc>
         <a:spcPct val="100000"/>
       </a:lnSpc>
@@ -181,7 +181,7 @@
         <a:srgbClr val="000000"/>
       </a:buClr>
       <a:buFont typeface="Arial"/>
-      <a:defRPr b="0" i="0" sz="1400" u="none" cap="none" strike="noStrike">
+      <a:defRPr sz="1400" b="0" i="0" u="none" strike="noStrike" cap="none">
         <a:solidFill>
           <a:srgbClr val="000000"/>
         </a:solidFill>
@@ -191,7 +191,7 @@
         <a:sym typeface="Arial"/>
       </a:defRPr>
     </a:lvl6pPr>
-    <a:lvl7pPr lvl="6" marR="0" rtl="0" algn="l">
+    <a:lvl7pPr marR="0" lvl="6" algn="l" rtl="0">
       <a:lnSpc>
         <a:spcPct val="100000"/>
       </a:lnSpc>
@@ -205,7 +205,7 @@
         <a:srgbClr val="000000"/>
       </a:buClr>
       <a:buFont typeface="Arial"/>
-      <a:defRPr b="0" i="0" sz="1400" u="none" cap="none" strike="noStrike">
+      <a:defRPr sz="1400" b="0" i="0" u="none" strike="noStrike" cap="none">
         <a:solidFill>
           <a:srgbClr val="000000"/>
         </a:solidFill>
@@ -215,7 +215,7 @@
         <a:sym typeface="Arial"/>
       </a:defRPr>
     </a:lvl7pPr>
-    <a:lvl8pPr lvl="7" marR="0" rtl="0" algn="l">
+    <a:lvl8pPr marR="0" lvl="7" algn="l" rtl="0">
       <a:lnSpc>
         <a:spcPct val="100000"/>
       </a:lnSpc>
@@ -229,7 +229,7 @@
         <a:srgbClr val="000000"/>
       </a:buClr>
       <a:buFont typeface="Arial"/>
-      <a:defRPr b="0" i="0" sz="1400" u="none" cap="none" strike="noStrike">
+      <a:defRPr sz="1400" b="0" i="0" u="none" strike="noStrike" cap="none">
         <a:solidFill>
           <a:srgbClr val="000000"/>
         </a:solidFill>
@@ -239,7 +239,7 @@
         <a:sym typeface="Arial"/>
       </a:defRPr>
     </a:lvl8pPr>
-    <a:lvl9pPr lvl="8" marR="0" rtl="0" algn="l">
+    <a:lvl9pPr marR="0" lvl="8" algn="l" rtl="0">
       <a:lnSpc>
         <a:spcPct val="100000"/>
       </a:lnSpc>
@@ -253,7 +253,7 @@
         <a:srgbClr val="000000"/>
       </a:buClr>
       <a:buFont typeface="Arial"/>
-      <a:defRPr b="0" i="0" sz="1400" u="none" cap="none" strike="noStrike">
+      <a:defRPr sz="1400" b="0" i="0" u="none" strike="noStrike" cap="none">
         <a:solidFill>
           <a:srgbClr val="000000"/>
         </a:solidFill>
@@ -266,7 +266,7 @@
   </p:defaultTextStyle>
   <p:extLst>
     <p:ext uri="{EFAFB233-063F-42B5-8137-9DF3F51BA10A}">
-      <p15:sldGuideLst>
+      <p15:sldGuideLst xmlns:p15="http://schemas.microsoft.com/office/powerpoint/2012/main">
         <p15:guide id="1" orient="horz" pos="1620">
           <p15:clr>
             <a:srgbClr val="A4A3A4"/>
@@ -284,11 +284,16 @@
 </file>
 
 <file path=ppt/notesMasters/notesMaster1.xml><?xml version="1.0" encoding="utf-8"?>
-<p:notesMaster xmlns:a="http://schemas.openxmlformats.org/drawingml/2006/main" xmlns:r="http://schemas.openxmlformats.org/officeDocument/2006/relationships" xmlns:mc="http://schemas.openxmlformats.org/markup-compatibility/2006" xmlns:mv="urn:schemas-microsoft-com:mac:vml" xmlns:p="http://schemas.openxmlformats.org/presentationml/2006/main" xmlns:c="http://schemas.openxmlformats.org/drawingml/2006/chart" xmlns:dgm="http://schemas.openxmlformats.org/drawingml/2006/diagram" xmlns:o="urn:schemas-microsoft-com:office:office" xmlns:v="urn:schemas-microsoft-com:vml" xmlns:pvml="urn:schemas-microsoft-com:office:powerpoint" xmlns:com="http://schemas.openxmlformats.org/drawingml/2006/compatibility" xmlns:p14="http://schemas.microsoft.com/office/powerpoint/2010/main" xmlns:p15="http://schemas.microsoft.com/office/powerpoint/2012/main" xmlns:ahyp="http://schemas.microsoft.com/office/drawing/2018/hyperlinkcolor">
+<p:notesMaster xmlns:a="http://schemas.openxmlformats.org/drawingml/2006/main" xmlns:r="http://schemas.openxmlformats.org/officeDocument/2006/relationships" xmlns:p="http://schemas.openxmlformats.org/presentationml/2006/main">
   <p:cSld>
+    <p:bg>
+      <p:bgRef idx="1001">
+        <a:schemeClr val="bg1"/>
+      </p:bgRef>
+    </p:bg>
     <p:spTree>
       <p:nvGrpSpPr>
-        <p:cNvPr id="2" name="Shape 2"/>
+        <p:cNvPr id="1" name="Shape 2"/>
         <p:cNvGrpSpPr/>
         <p:nvPr/>
       </p:nvGrpSpPr>
@@ -303,9 +308,11 @@
       <p:sp>
         <p:nvSpPr>
           <p:cNvPr id="3" name="Google Shape;3;n"/>
-          <p:cNvSpPr/>
+          <p:cNvSpPr>
+            <a:spLocks noGrp="1" noRot="1" noChangeAspect="1"/>
+          </p:cNvSpPr>
           <p:nvPr>
-            <p:ph idx="2" type="sldImg"/>
+            <p:ph type="sldImg" idx="2"/>
           </p:nvPr>
         </p:nvSpPr>
         <p:spPr>
@@ -314,9 +321,13 @@
             <a:ext cx="6096075" cy="3429000"/>
           </a:xfrm>
           <a:custGeom>
-            <a:rect b="b" l="l" r="r" t="t"/>
+            <a:avLst/>
+            <a:gdLst/>
+            <a:ahLst/>
+            <a:cxnLst/>
+            <a:rect l="l" t="t" r="r" b="b"/>
             <a:pathLst>
-              <a:path extrusionOk="0" h="120000" w="120000">
+              <a:path w="120000" h="120000" extrusionOk="0">
                 <a:moveTo>
                   <a:pt x="0" y="0"/>
                 </a:moveTo>
@@ -334,23 +345,25 @@
             </a:pathLst>
           </a:custGeom>
           <a:noFill/>
-          <a:ln cap="flat" cmpd="sng" w="9525">
+          <a:ln w="9525" cap="flat" cmpd="sng">
             <a:solidFill>
               <a:srgbClr val="000000"/>
             </a:solidFill>
             <a:prstDash val="solid"/>
             <a:round/>
-            <a:headEnd len="sm" w="sm" type="none"/>
-            <a:tailEnd len="sm" w="sm" type="none"/>
+            <a:headEnd type="none" w="sm" len="sm"/>
+            <a:tailEnd type="none" w="sm" len="sm"/>
           </a:ln>
         </p:spPr>
       </p:sp>
       <p:sp>
         <p:nvSpPr>
           <p:cNvPr id="4" name="Google Shape;4;n"/>
-          <p:cNvSpPr txBox="1"/>
+          <p:cNvSpPr txBox="1">
+            <a:spLocks noGrp="1"/>
+          </p:cNvSpPr>
           <p:nvPr>
-            <p:ph idx="1" type="body"/>
+            <p:ph type="body" idx="1"/>
           </p:nvPr>
         </p:nvSpPr>
         <p:spPr>
@@ -367,11 +380,11 @@
           </a:ln>
         </p:spPr>
         <p:txBody>
-          <a:bodyPr anchorCtr="0" anchor="t" bIns="91425" lIns="91425" spcFirstLastPara="1" rIns="91425" wrap="square" tIns="91425">
+          <a:bodyPr spcFirstLastPara="1" wrap="square" lIns="91425" tIns="91425" rIns="91425" bIns="91425" anchor="t" anchorCtr="0">
             <a:noAutofit/>
           </a:bodyPr>
           <a:lstStyle>
-            <a:lvl1pPr indent="-298450" lvl="0" marL="457200">
+            <a:lvl1pPr marL="457200" lvl="0" indent="-298450">
               <a:spcBef>
                 <a:spcPts val="0"/>
               </a:spcBef>
@@ -382,7 +395,7 @@
               <a:buChar char="●"/>
               <a:defRPr sz="1100"/>
             </a:lvl1pPr>
-            <a:lvl2pPr indent="-298450" lvl="1" marL="914400">
+            <a:lvl2pPr marL="914400" lvl="1" indent="-298450">
               <a:spcBef>
                 <a:spcPts val="0"/>
               </a:spcBef>
@@ -393,7 +406,7 @@
               <a:buChar char="○"/>
               <a:defRPr sz="1100"/>
             </a:lvl2pPr>
-            <a:lvl3pPr indent="-298450" lvl="2" marL="1371600">
+            <a:lvl3pPr marL="1371600" lvl="2" indent="-298450">
               <a:spcBef>
                 <a:spcPts val="0"/>
               </a:spcBef>
@@ -404,7 +417,7 @@
               <a:buChar char="■"/>
               <a:defRPr sz="1100"/>
             </a:lvl3pPr>
-            <a:lvl4pPr indent="-298450" lvl="3" marL="1828800">
+            <a:lvl4pPr marL="1828800" lvl="3" indent="-298450">
               <a:spcBef>
                 <a:spcPts val="0"/>
               </a:spcBef>
@@ -415,7 +428,7 @@
               <a:buChar char="●"/>
               <a:defRPr sz="1100"/>
             </a:lvl4pPr>
-            <a:lvl5pPr indent="-298450" lvl="4" marL="2286000">
+            <a:lvl5pPr marL="2286000" lvl="4" indent="-298450">
               <a:spcBef>
                 <a:spcPts val="0"/>
               </a:spcBef>
@@ -426,7 +439,7 @@
               <a:buChar char="○"/>
               <a:defRPr sz="1100"/>
             </a:lvl5pPr>
-            <a:lvl6pPr indent="-298450" lvl="5" marL="2743200">
+            <a:lvl6pPr marL="2743200" lvl="5" indent="-298450">
               <a:spcBef>
                 <a:spcPts val="0"/>
               </a:spcBef>
@@ -437,7 +450,7 @@
               <a:buChar char="■"/>
               <a:defRPr sz="1100"/>
             </a:lvl6pPr>
-            <a:lvl7pPr indent="-298450" lvl="6" marL="3200400">
+            <a:lvl7pPr marL="3200400" lvl="6" indent="-298450">
               <a:spcBef>
                 <a:spcPts val="0"/>
               </a:spcBef>
@@ -448,7 +461,7 @@
               <a:buChar char="●"/>
               <a:defRPr sz="1100"/>
             </a:lvl7pPr>
-            <a:lvl8pPr indent="-298450" lvl="7" marL="3657600">
+            <a:lvl8pPr marL="3657600" lvl="7" indent="-298450">
               <a:spcBef>
                 <a:spcPts val="0"/>
               </a:spcBef>
@@ -459,7 +472,7 @@
               <a:buChar char="○"/>
               <a:defRPr sz="1100"/>
             </a:lvl8pPr>
-            <a:lvl9pPr indent="-298450" lvl="8" marL="4114800">
+            <a:lvl9pPr marL="4114800" lvl="8" indent="-298450">
               <a:spcBef>
                 <a:spcPts val="0"/>
               </a:spcBef>
@@ -471,14 +484,16 @@
               <a:defRPr sz="1100"/>
             </a:lvl9pPr>
           </a:lstStyle>
-          <a:p/>
+          <a:p>
+            <a:endParaRPr/>
+          </a:p>
         </p:txBody>
       </p:sp>
     </p:spTree>
   </p:cSld>
-  <p:clrMap accent1="accent1" accent2="accent2" accent3="accent3" accent4="accent4" accent5="accent5" accent6="accent6" bg1="lt1" bg2="dk2" tx1="dk1" tx2="lt2" folHlink="folHlink" hlink="hlink"/>
+  <p:clrMap bg1="lt1" tx1="dk1" bg2="dk2" tx2="lt2" accent1="accent1" accent2="accent2" accent3="accent3" accent4="accent4" accent5="accent5" accent6="accent6" hlink="hlink" folHlink="folHlink"/>
   <p:notesStyle>
-    <a:defPPr lvl="0" marR="0" rtl="0" algn="l">
+    <a:defPPr marR="0" lvl="0" algn="l" rtl="0">
       <a:lnSpc>
         <a:spcPct val="100000"/>
       </a:lnSpc>
@@ -489,7 +504,7 @@
         <a:spcPts val="0"/>
       </a:spcAft>
     </a:defPPr>
-    <a:lvl1pPr lvl="0" marR="0" rtl="0" algn="l">
+    <a:lvl1pPr marR="0" lvl="0" algn="l" rtl="0">
       <a:lnSpc>
         <a:spcPct val="100000"/>
       </a:lnSpc>
@@ -503,7 +518,7 @@
         <a:srgbClr val="000000"/>
       </a:buClr>
       <a:buFont typeface="Arial"/>
-      <a:defRPr b="0" i="0" sz="1400" u="none" cap="none" strike="noStrike">
+      <a:defRPr sz="1400" b="0" i="0" u="none" strike="noStrike" cap="none">
         <a:solidFill>
           <a:srgbClr val="000000"/>
         </a:solidFill>
@@ -513,7 +528,7 @@
         <a:sym typeface="Arial"/>
       </a:defRPr>
     </a:lvl1pPr>
-    <a:lvl2pPr lvl="1" marR="0" rtl="0" algn="l">
+    <a:lvl2pPr marR="0" lvl="1" algn="l" rtl="0">
       <a:lnSpc>
         <a:spcPct val="100000"/>
       </a:lnSpc>
@@ -527,7 +542,7 @@
         <a:srgbClr val="000000"/>
       </a:buClr>
       <a:buFont typeface="Arial"/>
-      <a:defRPr b="0" i="0" sz="1400" u="none" cap="none" strike="noStrike">
+      <a:defRPr sz="1400" b="0" i="0" u="none" strike="noStrike" cap="none">
         <a:solidFill>
           <a:srgbClr val="000000"/>
         </a:solidFill>
@@ -537,7 +552,7 @@
         <a:sym typeface="Arial"/>
       </a:defRPr>
     </a:lvl2pPr>
-    <a:lvl3pPr lvl="2" marR="0" rtl="0" algn="l">
+    <a:lvl3pPr marR="0" lvl="2" algn="l" rtl="0">
       <a:lnSpc>
         <a:spcPct val="100000"/>
       </a:lnSpc>
@@ -551,7 +566,7 @@
         <a:srgbClr val="000000"/>
       </a:buClr>
       <a:buFont typeface="Arial"/>
-      <a:defRPr b="0" i="0" sz="1400" u="none" cap="none" strike="noStrike">
+      <a:defRPr sz="1400" b="0" i="0" u="none" strike="noStrike" cap="none">
         <a:solidFill>
           <a:srgbClr val="000000"/>
         </a:solidFill>
@@ -561,7 +576,7 @@
         <a:sym typeface="Arial"/>
       </a:defRPr>
     </a:lvl3pPr>
-    <a:lvl4pPr lvl="3" marR="0" rtl="0" algn="l">
+    <a:lvl4pPr marR="0" lvl="3" algn="l" rtl="0">
       <a:lnSpc>
         <a:spcPct val="100000"/>
       </a:lnSpc>
@@ -575,7 +590,7 @@
         <a:srgbClr val="000000"/>
       </a:buClr>
       <a:buFont typeface="Arial"/>
-      <a:defRPr b="0" i="0" sz="1400" u="none" cap="none" strike="noStrike">
+      <a:defRPr sz="1400" b="0" i="0" u="none" strike="noStrike" cap="none">
         <a:solidFill>
           <a:srgbClr val="000000"/>
         </a:solidFill>
@@ -585,7 +600,7 @@
         <a:sym typeface="Arial"/>
       </a:defRPr>
     </a:lvl4pPr>
-    <a:lvl5pPr lvl="4" marR="0" rtl="0" algn="l">
+    <a:lvl5pPr marR="0" lvl="4" algn="l" rtl="0">
       <a:lnSpc>
         <a:spcPct val="100000"/>
       </a:lnSpc>
@@ -599,7 +614,7 @@
         <a:srgbClr val="000000"/>
       </a:buClr>
       <a:buFont typeface="Arial"/>
-      <a:defRPr b="0" i="0" sz="1400" u="none" cap="none" strike="noStrike">
+      <a:defRPr sz="1400" b="0" i="0" u="none" strike="noStrike" cap="none">
         <a:solidFill>
           <a:srgbClr val="000000"/>
         </a:solidFill>
@@ -609,7 +624,7 @@
         <a:sym typeface="Arial"/>
       </a:defRPr>
     </a:lvl5pPr>
-    <a:lvl6pPr lvl="5" marR="0" rtl="0" algn="l">
+    <a:lvl6pPr marR="0" lvl="5" algn="l" rtl="0">
       <a:lnSpc>
         <a:spcPct val="100000"/>
       </a:lnSpc>
@@ -623,7 +638,7 @@
         <a:srgbClr val="000000"/>
       </a:buClr>
       <a:buFont typeface="Arial"/>
-      <a:defRPr b="0" i="0" sz="1400" u="none" cap="none" strike="noStrike">
+      <a:defRPr sz="1400" b="0" i="0" u="none" strike="noStrike" cap="none">
         <a:solidFill>
           <a:srgbClr val="000000"/>
         </a:solidFill>
@@ -633,7 +648,7 @@
         <a:sym typeface="Arial"/>
       </a:defRPr>
     </a:lvl6pPr>
-    <a:lvl7pPr lvl="6" marR="0" rtl="0" algn="l">
+    <a:lvl7pPr marR="0" lvl="6" algn="l" rtl="0">
       <a:lnSpc>
         <a:spcPct val="100000"/>
       </a:lnSpc>
@@ -647,7 +662,7 @@
         <a:srgbClr val="000000"/>
       </a:buClr>
       <a:buFont typeface="Arial"/>
-      <a:defRPr b="0" i="0" sz="1400" u="none" cap="none" strike="noStrike">
+      <a:defRPr sz="1400" b="0" i="0" u="none" strike="noStrike" cap="none">
         <a:solidFill>
           <a:srgbClr val="000000"/>
         </a:solidFill>
@@ -657,7 +672,7 @@
         <a:sym typeface="Arial"/>
       </a:defRPr>
     </a:lvl7pPr>
-    <a:lvl8pPr lvl="7" marR="0" rtl="0" algn="l">
+    <a:lvl8pPr marR="0" lvl="7" algn="l" rtl="0">
       <a:lnSpc>
         <a:spcPct val="100000"/>
       </a:lnSpc>
@@ -671,7 +686,7 @@
         <a:srgbClr val="000000"/>
       </a:buClr>
       <a:buFont typeface="Arial"/>
-      <a:defRPr b="0" i="0" sz="1400" u="none" cap="none" strike="noStrike">
+      <a:defRPr sz="1400" b="0" i="0" u="none" strike="noStrike" cap="none">
         <a:solidFill>
           <a:srgbClr val="000000"/>
         </a:solidFill>
@@ -681,7 +696,7 @@
         <a:sym typeface="Arial"/>
       </a:defRPr>
     </a:lvl8pPr>
-    <a:lvl9pPr lvl="8" marR="0" rtl="0" algn="l">
+    <a:lvl9pPr marR="0" lvl="8" algn="l" rtl="0">
       <a:lnSpc>
         <a:spcPct val="100000"/>
       </a:lnSpc>
@@ -695,7 +710,7 @@
         <a:srgbClr val="000000"/>
       </a:buClr>
       <a:buFont typeface="Arial"/>
-      <a:defRPr b="0" i="0" sz="1400" u="none" cap="none" strike="noStrike">
+      <a:defRPr sz="1400" b="0" i="0" u="none" strike="noStrike" cap="none">
         <a:solidFill>
           <a:srgbClr val="000000"/>
         </a:solidFill>
@@ -710,11 +725,11 @@
 </file>
 
 <file path=ppt/notesSlides/notesSlide1.xml><?xml version="1.0" encoding="utf-8"?>
-<p:notes xmlns:a="http://schemas.openxmlformats.org/drawingml/2006/main" xmlns:r="http://schemas.openxmlformats.org/officeDocument/2006/relationships" xmlns:mc="http://schemas.openxmlformats.org/markup-compatibility/2006" xmlns:mv="urn:schemas-microsoft-com:mac:vml" xmlns:p="http://schemas.openxmlformats.org/presentationml/2006/main" xmlns:c="http://schemas.openxmlformats.org/drawingml/2006/chart" xmlns:dgm="http://schemas.openxmlformats.org/drawingml/2006/diagram" xmlns:o="urn:schemas-microsoft-com:office:office" xmlns:v="urn:schemas-microsoft-com:vml" xmlns:pvml="urn:schemas-microsoft-com:office:powerpoint" xmlns:com="http://schemas.openxmlformats.org/drawingml/2006/compatibility" xmlns:p14="http://schemas.microsoft.com/office/powerpoint/2010/main" xmlns:p15="http://schemas.microsoft.com/office/powerpoint/2012/main" xmlns:ahyp="http://schemas.microsoft.com/office/drawing/2018/hyperlinkcolor" showMasterPhAnim="0" showMasterSp="0">
+<p:notes xmlns:a="http://schemas.openxmlformats.org/drawingml/2006/main" xmlns:r="http://schemas.openxmlformats.org/officeDocument/2006/relationships" xmlns:p="http://schemas.openxmlformats.org/presentationml/2006/main" showMasterSp="0" showMasterPhAnim="0">
   <p:cSld>
     <p:spTree>
       <p:nvGrpSpPr>
-        <p:cNvPr id="50" name="Shape 50"/>
+        <p:cNvPr id="1" name="Shape 50"/>
         <p:cNvGrpSpPr/>
         <p:nvPr/>
       </p:nvGrpSpPr>
@@ -729,20 +744,26 @@
       <p:sp>
         <p:nvSpPr>
           <p:cNvPr id="51" name="Google Shape;51;p:notes"/>
-          <p:cNvSpPr/>
+          <p:cNvSpPr>
+            <a:spLocks noGrp="1" noRot="1" noChangeAspect="1"/>
+          </p:cNvSpPr>
           <p:nvPr>
-            <p:ph idx="2" type="sldImg"/>
+            <p:ph type="sldImg" idx="2"/>
           </p:nvPr>
         </p:nvSpPr>
         <p:spPr>
           <a:xfrm>
-            <a:off x="381300" y="685800"/>
-            <a:ext cx="6096075" cy="3429000"/>
+            <a:off x="381000" y="685800"/>
+            <a:ext cx="6096000" cy="3429000"/>
           </a:xfrm>
           <a:custGeom>
-            <a:rect b="b" l="l" r="r" t="t"/>
+            <a:avLst/>
+            <a:gdLst/>
+            <a:ahLst/>
+            <a:cxnLst/>
+            <a:rect l="l" t="t" r="r" b="b"/>
             <a:pathLst>
-              <a:path extrusionOk="0" h="120000" w="120000">
+              <a:path w="120000" h="120000" extrusionOk="0">
                 <a:moveTo>
                   <a:pt x="0" y="0"/>
                 </a:moveTo>
@@ -764,9 +785,11 @@
       <p:sp>
         <p:nvSpPr>
           <p:cNvPr id="52" name="Google Shape;52;p:notes"/>
-          <p:cNvSpPr txBox="1"/>
+          <p:cNvSpPr txBox="1">
+            <a:spLocks noGrp="1"/>
+          </p:cNvSpPr>
           <p:nvPr>
-            <p:ph idx="1" type="body"/>
+            <p:ph type="body" idx="1"/>
           </p:nvPr>
         </p:nvSpPr>
         <p:spPr>
@@ -779,23 +802,20 @@
           </a:prstGeom>
         </p:spPr>
         <p:txBody>
-          <a:bodyPr anchorCtr="0" anchor="t" bIns="91425" lIns="91425" spcFirstLastPara="1" rIns="91425" wrap="square" tIns="91425">
+          <a:bodyPr spcFirstLastPara="1" wrap="square" lIns="91425" tIns="91425" rIns="91425" bIns="91425" anchor="t" anchorCtr="0">
             <a:noAutofit/>
           </a:bodyPr>
           <a:lstStyle/>
           <a:p>
-            <a:pPr indent="0" lvl="0" marL="0" rtl="0" algn="l">
-              <a:spcBef>
-                <a:spcPts val="0"/>
-              </a:spcBef>
-              <a:spcAft>
-                <a:spcPts val="0"/>
-              </a:spcAft>
-              <a:buNone/>
-            </a:pPr>
-            <a:r>
-              <a:t/>
-            </a:r>
+            <a:pPr marL="0" lvl="0" indent="0" algn="l" rtl="0">
+              <a:spcBef>
+                <a:spcPts val="0"/>
+              </a:spcBef>
+              <a:spcAft>
+                <a:spcPts val="0"/>
+              </a:spcAft>
+              <a:buNone/>
+            </a:pPr>
             <a:endParaRPr/>
           </a:p>
         </p:txBody>
@@ -809,11 +829,11 @@
 </file>
 
 <file path=ppt/notesSlides/notesSlide10.xml><?xml version="1.0" encoding="utf-8"?>
-<p:notes xmlns:a="http://schemas.openxmlformats.org/drawingml/2006/main" xmlns:r="http://schemas.openxmlformats.org/officeDocument/2006/relationships" xmlns:mc="http://schemas.openxmlformats.org/markup-compatibility/2006" xmlns:mv="urn:schemas-microsoft-com:mac:vml" xmlns:p="http://schemas.openxmlformats.org/presentationml/2006/main" xmlns:c="http://schemas.openxmlformats.org/drawingml/2006/chart" xmlns:dgm="http://schemas.openxmlformats.org/drawingml/2006/diagram" xmlns:o="urn:schemas-microsoft-com:office:office" xmlns:v="urn:schemas-microsoft-com:vml" xmlns:pvml="urn:schemas-microsoft-com:office:powerpoint" xmlns:com="http://schemas.openxmlformats.org/drawingml/2006/compatibility" xmlns:p14="http://schemas.microsoft.com/office/powerpoint/2010/main" xmlns:p15="http://schemas.microsoft.com/office/powerpoint/2012/main" xmlns:ahyp="http://schemas.microsoft.com/office/drawing/2018/hyperlinkcolor" showMasterPhAnim="0" showMasterSp="0">
+<p:notes xmlns:a="http://schemas.openxmlformats.org/drawingml/2006/main" xmlns:r="http://schemas.openxmlformats.org/officeDocument/2006/relationships" xmlns:p="http://schemas.openxmlformats.org/presentationml/2006/main" showMasterSp="0" showMasterPhAnim="0">
   <p:cSld>
     <p:spTree>
       <p:nvGrpSpPr>
-        <p:cNvPr id="118" name="Shape 118"/>
+        <p:cNvPr id="1" name="Shape 118"/>
         <p:cNvGrpSpPr/>
         <p:nvPr/>
       </p:nvGrpSpPr>
@@ -828,20 +848,26 @@
       <p:sp>
         <p:nvSpPr>
           <p:cNvPr id="119" name="Google Shape;119;ge572411659_0_1192:notes"/>
-          <p:cNvSpPr/>
+          <p:cNvSpPr>
+            <a:spLocks noGrp="1" noRot="1" noChangeAspect="1"/>
+          </p:cNvSpPr>
           <p:nvPr>
-            <p:ph idx="2" type="sldImg"/>
+            <p:ph type="sldImg" idx="2"/>
           </p:nvPr>
         </p:nvSpPr>
         <p:spPr>
           <a:xfrm>
-            <a:off x="381300" y="685800"/>
+            <a:off x="381000" y="685800"/>
             <a:ext cx="6096000" cy="3429000"/>
           </a:xfrm>
           <a:custGeom>
-            <a:rect b="b" l="l" r="r" t="t"/>
+            <a:avLst/>
+            <a:gdLst/>
+            <a:ahLst/>
+            <a:cxnLst/>
+            <a:rect l="l" t="t" r="r" b="b"/>
             <a:pathLst>
-              <a:path extrusionOk="0" h="120000" w="120000">
+              <a:path w="120000" h="120000" extrusionOk="0">
                 <a:moveTo>
                   <a:pt x="0" y="0"/>
                 </a:moveTo>
@@ -863,9 +889,11 @@
       <p:sp>
         <p:nvSpPr>
           <p:cNvPr id="120" name="Google Shape;120;ge572411659_0_1192:notes"/>
-          <p:cNvSpPr txBox="1"/>
+          <p:cNvSpPr txBox="1">
+            <a:spLocks noGrp="1"/>
+          </p:cNvSpPr>
           <p:nvPr>
-            <p:ph idx="1" type="body"/>
+            <p:ph type="body" idx="1"/>
           </p:nvPr>
         </p:nvSpPr>
         <p:spPr>
@@ -878,23 +906,20 @@
           </a:prstGeom>
         </p:spPr>
         <p:txBody>
-          <a:bodyPr anchorCtr="0" anchor="t" bIns="91425" lIns="91425" spcFirstLastPara="1" rIns="91425" wrap="square" tIns="91425">
+          <a:bodyPr spcFirstLastPara="1" wrap="square" lIns="91425" tIns="91425" rIns="91425" bIns="91425" anchor="t" anchorCtr="0">
             <a:noAutofit/>
           </a:bodyPr>
           <a:lstStyle/>
           <a:p>
-            <a:pPr indent="0" lvl="0" marL="0" rtl="0" algn="l">
-              <a:spcBef>
-                <a:spcPts val="0"/>
-              </a:spcBef>
-              <a:spcAft>
-                <a:spcPts val="0"/>
-              </a:spcAft>
-              <a:buNone/>
-            </a:pPr>
-            <a:r>
-              <a:t/>
-            </a:r>
+            <a:pPr marL="0" lvl="0" indent="0" algn="l" rtl="0">
+              <a:spcBef>
+                <a:spcPts val="0"/>
+              </a:spcBef>
+              <a:spcAft>
+                <a:spcPts val="0"/>
+              </a:spcAft>
+              <a:buNone/>
+            </a:pPr>
             <a:endParaRPr/>
           </a:p>
         </p:txBody>
@@ -908,11 +933,11 @@
 </file>
 
 <file path=ppt/notesSlides/notesSlide2.xml><?xml version="1.0" encoding="utf-8"?>
-<p:notes xmlns:a="http://schemas.openxmlformats.org/drawingml/2006/main" xmlns:r="http://schemas.openxmlformats.org/officeDocument/2006/relationships" xmlns:mc="http://schemas.openxmlformats.org/markup-compatibility/2006" xmlns:mv="urn:schemas-microsoft-com:mac:vml" xmlns:p="http://schemas.openxmlformats.org/presentationml/2006/main" xmlns:c="http://schemas.openxmlformats.org/drawingml/2006/chart" xmlns:dgm="http://schemas.openxmlformats.org/drawingml/2006/diagram" xmlns:o="urn:schemas-microsoft-com:office:office" xmlns:v="urn:schemas-microsoft-com:vml" xmlns:pvml="urn:schemas-microsoft-com:office:powerpoint" xmlns:com="http://schemas.openxmlformats.org/drawingml/2006/compatibility" xmlns:p14="http://schemas.microsoft.com/office/powerpoint/2010/main" xmlns:p15="http://schemas.microsoft.com/office/powerpoint/2012/main" xmlns:ahyp="http://schemas.microsoft.com/office/drawing/2018/hyperlinkcolor" showMasterPhAnim="0" showMasterSp="0">
+<p:notes xmlns:a="http://schemas.openxmlformats.org/drawingml/2006/main" xmlns:r="http://schemas.openxmlformats.org/officeDocument/2006/relationships" xmlns:p="http://schemas.openxmlformats.org/presentationml/2006/main" showMasterSp="0" showMasterPhAnim="0">
   <p:cSld>
     <p:spTree>
       <p:nvGrpSpPr>
-        <p:cNvPr id="56" name="Shape 56"/>
+        <p:cNvPr id="1" name="Shape 56"/>
         <p:cNvGrpSpPr/>
         <p:nvPr/>
       </p:nvGrpSpPr>
@@ -927,20 +952,26 @@
       <p:sp>
         <p:nvSpPr>
           <p:cNvPr id="57" name="Google Shape;57;ge572411659_0_1199:notes"/>
-          <p:cNvSpPr/>
+          <p:cNvSpPr>
+            <a:spLocks noGrp="1" noRot="1" noChangeAspect="1"/>
+          </p:cNvSpPr>
           <p:nvPr>
-            <p:ph idx="2" type="sldImg"/>
+            <p:ph type="sldImg" idx="2"/>
           </p:nvPr>
         </p:nvSpPr>
         <p:spPr>
           <a:xfrm>
-            <a:off x="381300" y="685800"/>
+            <a:off x="381000" y="685800"/>
             <a:ext cx="6096000" cy="3429000"/>
           </a:xfrm>
           <a:custGeom>
-            <a:rect b="b" l="l" r="r" t="t"/>
+            <a:avLst/>
+            <a:gdLst/>
+            <a:ahLst/>
+            <a:cxnLst/>
+            <a:rect l="l" t="t" r="r" b="b"/>
             <a:pathLst>
-              <a:path extrusionOk="0" h="120000" w="120000">
+              <a:path w="120000" h="120000" extrusionOk="0">
                 <a:moveTo>
                   <a:pt x="0" y="0"/>
                 </a:moveTo>
@@ -962,9 +993,11 @@
       <p:sp>
         <p:nvSpPr>
           <p:cNvPr id="58" name="Google Shape;58;ge572411659_0_1199:notes"/>
-          <p:cNvSpPr txBox="1"/>
+          <p:cNvSpPr txBox="1">
+            <a:spLocks noGrp="1"/>
+          </p:cNvSpPr>
           <p:nvPr>
-            <p:ph idx="1" type="body"/>
+            <p:ph type="body" idx="1"/>
           </p:nvPr>
         </p:nvSpPr>
         <p:spPr>
@@ -977,23 +1010,20 @@
           </a:prstGeom>
         </p:spPr>
         <p:txBody>
-          <a:bodyPr anchorCtr="0" anchor="t" bIns="91425" lIns="91425" spcFirstLastPara="1" rIns="91425" wrap="square" tIns="91425">
+          <a:bodyPr spcFirstLastPara="1" wrap="square" lIns="91425" tIns="91425" rIns="91425" bIns="91425" anchor="t" anchorCtr="0">
             <a:noAutofit/>
           </a:bodyPr>
           <a:lstStyle/>
           <a:p>
-            <a:pPr indent="0" lvl="0" marL="0" rtl="0" algn="l">
-              <a:spcBef>
-                <a:spcPts val="0"/>
-              </a:spcBef>
-              <a:spcAft>
-                <a:spcPts val="0"/>
-              </a:spcAft>
-              <a:buNone/>
-            </a:pPr>
-            <a:r>
-              <a:t/>
-            </a:r>
+            <a:pPr marL="0" lvl="0" indent="0" algn="l" rtl="0">
+              <a:spcBef>
+                <a:spcPts val="0"/>
+              </a:spcBef>
+              <a:spcAft>
+                <a:spcPts val="0"/>
+              </a:spcAft>
+              <a:buNone/>
+            </a:pPr>
             <a:endParaRPr/>
           </a:p>
         </p:txBody>
@@ -1007,11 +1037,11 @@
 </file>
 
 <file path=ppt/notesSlides/notesSlide3.xml><?xml version="1.0" encoding="utf-8"?>
-<p:notes xmlns:a="http://schemas.openxmlformats.org/drawingml/2006/main" xmlns:r="http://schemas.openxmlformats.org/officeDocument/2006/relationships" xmlns:mc="http://schemas.openxmlformats.org/markup-compatibility/2006" xmlns:mv="urn:schemas-microsoft-com:mac:vml" xmlns:p="http://schemas.openxmlformats.org/presentationml/2006/main" xmlns:c="http://schemas.openxmlformats.org/drawingml/2006/chart" xmlns:dgm="http://schemas.openxmlformats.org/drawingml/2006/diagram" xmlns:o="urn:schemas-microsoft-com:office:office" xmlns:v="urn:schemas-microsoft-com:vml" xmlns:pvml="urn:schemas-microsoft-com:office:powerpoint" xmlns:com="http://schemas.openxmlformats.org/drawingml/2006/compatibility" xmlns:p14="http://schemas.microsoft.com/office/powerpoint/2010/main" xmlns:p15="http://schemas.microsoft.com/office/powerpoint/2012/main" xmlns:ahyp="http://schemas.microsoft.com/office/drawing/2018/hyperlinkcolor" showMasterPhAnim="0" showMasterSp="0">
+<p:notes xmlns:a="http://schemas.openxmlformats.org/drawingml/2006/main" xmlns:r="http://schemas.openxmlformats.org/officeDocument/2006/relationships" xmlns:p="http://schemas.openxmlformats.org/presentationml/2006/main" showMasterSp="0" showMasterPhAnim="0">
   <p:cSld>
     <p:spTree>
       <p:nvGrpSpPr>
-        <p:cNvPr id="62" name="Shape 62"/>
+        <p:cNvPr id="1" name="Shape 62"/>
         <p:cNvGrpSpPr/>
         <p:nvPr/>
       </p:nvGrpSpPr>
@@ -1026,20 +1056,26 @@
       <p:sp>
         <p:nvSpPr>
           <p:cNvPr id="63" name="Google Shape;63;ge572411659_0_0:notes"/>
-          <p:cNvSpPr/>
+          <p:cNvSpPr>
+            <a:spLocks noGrp="1" noRot="1" noChangeAspect="1"/>
+          </p:cNvSpPr>
           <p:nvPr>
-            <p:ph idx="2" type="sldImg"/>
+            <p:ph type="sldImg" idx="2"/>
           </p:nvPr>
         </p:nvSpPr>
         <p:spPr>
           <a:xfrm>
-            <a:off x="381300" y="685800"/>
+            <a:off x="381000" y="685800"/>
             <a:ext cx="6096000" cy="3429000"/>
           </a:xfrm>
           <a:custGeom>
-            <a:rect b="b" l="l" r="r" t="t"/>
+            <a:avLst/>
+            <a:gdLst/>
+            <a:ahLst/>
+            <a:cxnLst/>
+            <a:rect l="l" t="t" r="r" b="b"/>
             <a:pathLst>
-              <a:path extrusionOk="0" h="120000" w="120000">
+              <a:path w="120000" h="120000" extrusionOk="0">
                 <a:moveTo>
                   <a:pt x="0" y="0"/>
                 </a:moveTo>
@@ -1061,9 +1097,11 @@
       <p:sp>
         <p:nvSpPr>
           <p:cNvPr id="64" name="Google Shape;64;ge572411659_0_0:notes"/>
-          <p:cNvSpPr txBox="1"/>
+          <p:cNvSpPr txBox="1">
+            <a:spLocks noGrp="1"/>
+          </p:cNvSpPr>
           <p:nvPr>
-            <p:ph idx="1" type="body"/>
+            <p:ph type="body" idx="1"/>
           </p:nvPr>
         </p:nvSpPr>
         <p:spPr>
@@ -1076,23 +1114,20 @@
           </a:prstGeom>
         </p:spPr>
         <p:txBody>
-          <a:bodyPr anchorCtr="0" anchor="t" bIns="91425" lIns="91425" spcFirstLastPara="1" rIns="91425" wrap="square" tIns="91425">
+          <a:bodyPr spcFirstLastPara="1" wrap="square" lIns="91425" tIns="91425" rIns="91425" bIns="91425" anchor="t" anchorCtr="0">
             <a:noAutofit/>
           </a:bodyPr>
           <a:lstStyle/>
           <a:p>
-            <a:pPr indent="0" lvl="0" marL="0" rtl="0" algn="l">
-              <a:spcBef>
-                <a:spcPts val="0"/>
-              </a:spcBef>
-              <a:spcAft>
-                <a:spcPts val="0"/>
-              </a:spcAft>
-              <a:buNone/>
-            </a:pPr>
-            <a:r>
-              <a:t/>
-            </a:r>
+            <a:pPr marL="0" lvl="0" indent="0" algn="l" rtl="0">
+              <a:spcBef>
+                <a:spcPts val="0"/>
+              </a:spcBef>
+              <a:spcAft>
+                <a:spcPts val="0"/>
+              </a:spcAft>
+              <a:buNone/>
+            </a:pPr>
             <a:endParaRPr/>
           </a:p>
         </p:txBody>
@@ -1106,11 +1141,11 @@
 </file>
 
 <file path=ppt/notesSlides/notesSlide4.xml><?xml version="1.0" encoding="utf-8"?>
-<p:notes xmlns:a="http://schemas.openxmlformats.org/drawingml/2006/main" xmlns:r="http://schemas.openxmlformats.org/officeDocument/2006/relationships" xmlns:mc="http://schemas.openxmlformats.org/markup-compatibility/2006" xmlns:mv="urn:schemas-microsoft-com:mac:vml" xmlns:p="http://schemas.openxmlformats.org/presentationml/2006/main" xmlns:c="http://schemas.openxmlformats.org/drawingml/2006/chart" xmlns:dgm="http://schemas.openxmlformats.org/drawingml/2006/diagram" xmlns:o="urn:schemas-microsoft-com:office:office" xmlns:v="urn:schemas-microsoft-com:vml" xmlns:pvml="urn:schemas-microsoft-com:office:powerpoint" xmlns:com="http://schemas.openxmlformats.org/drawingml/2006/compatibility" xmlns:p14="http://schemas.microsoft.com/office/powerpoint/2010/main" xmlns:p15="http://schemas.microsoft.com/office/powerpoint/2012/main" xmlns:ahyp="http://schemas.microsoft.com/office/drawing/2018/hyperlinkcolor" showMasterPhAnim="0" showMasterSp="0">
+<p:notes xmlns:a="http://schemas.openxmlformats.org/drawingml/2006/main" xmlns:r="http://schemas.openxmlformats.org/officeDocument/2006/relationships" xmlns:p="http://schemas.openxmlformats.org/presentationml/2006/main" showMasterSp="0" showMasterPhAnim="0">
   <p:cSld>
     <p:spTree>
       <p:nvGrpSpPr>
-        <p:cNvPr id="70" name="Shape 70"/>
+        <p:cNvPr id="1" name="Shape 70"/>
         <p:cNvGrpSpPr/>
         <p:nvPr/>
       </p:nvGrpSpPr>
@@ -1125,20 +1160,26 @@
       <p:sp>
         <p:nvSpPr>
           <p:cNvPr id="71" name="Google Shape;71;ge572411659_0_1098:notes"/>
-          <p:cNvSpPr/>
+          <p:cNvSpPr>
+            <a:spLocks noGrp="1" noRot="1" noChangeAspect="1"/>
+          </p:cNvSpPr>
           <p:nvPr>
-            <p:ph idx="2" type="sldImg"/>
+            <p:ph type="sldImg" idx="2"/>
           </p:nvPr>
         </p:nvSpPr>
         <p:spPr>
           <a:xfrm>
-            <a:off x="381300" y="685800"/>
+            <a:off x="381000" y="685800"/>
             <a:ext cx="6096000" cy="3429000"/>
           </a:xfrm>
           <a:custGeom>
-            <a:rect b="b" l="l" r="r" t="t"/>
+            <a:avLst/>
+            <a:gdLst/>
+            <a:ahLst/>
+            <a:cxnLst/>
+            <a:rect l="l" t="t" r="r" b="b"/>
             <a:pathLst>
-              <a:path extrusionOk="0" h="120000" w="120000">
+              <a:path w="120000" h="120000" extrusionOk="0">
                 <a:moveTo>
                   <a:pt x="0" y="0"/>
                 </a:moveTo>
@@ -1160,9 +1201,11 @@
       <p:sp>
         <p:nvSpPr>
           <p:cNvPr id="72" name="Google Shape;72;ge572411659_0_1098:notes"/>
-          <p:cNvSpPr txBox="1"/>
+          <p:cNvSpPr txBox="1">
+            <a:spLocks noGrp="1"/>
+          </p:cNvSpPr>
           <p:nvPr>
-            <p:ph idx="1" type="body"/>
+            <p:ph type="body" idx="1"/>
           </p:nvPr>
         </p:nvSpPr>
         <p:spPr>
@@ -1175,23 +1218,20 @@
           </a:prstGeom>
         </p:spPr>
         <p:txBody>
-          <a:bodyPr anchorCtr="0" anchor="t" bIns="91425" lIns="91425" spcFirstLastPara="1" rIns="91425" wrap="square" tIns="91425">
+          <a:bodyPr spcFirstLastPara="1" wrap="square" lIns="91425" tIns="91425" rIns="91425" bIns="91425" anchor="t" anchorCtr="0">
             <a:noAutofit/>
           </a:bodyPr>
           <a:lstStyle/>
           <a:p>
-            <a:pPr indent="0" lvl="0" marL="0" rtl="0" algn="l">
-              <a:spcBef>
-                <a:spcPts val="0"/>
-              </a:spcBef>
-              <a:spcAft>
-                <a:spcPts val="0"/>
-              </a:spcAft>
-              <a:buNone/>
-            </a:pPr>
-            <a:r>
-              <a:t/>
-            </a:r>
+            <a:pPr marL="0" lvl="0" indent="0" algn="l" rtl="0">
+              <a:spcBef>
+                <a:spcPts val="0"/>
+              </a:spcBef>
+              <a:spcAft>
+                <a:spcPts val="0"/>
+              </a:spcAft>
+              <a:buNone/>
+            </a:pPr>
             <a:endParaRPr/>
           </a:p>
         </p:txBody>
@@ -1205,11 +1245,11 @@
 </file>
 
 <file path=ppt/notesSlides/notesSlide5.xml><?xml version="1.0" encoding="utf-8"?>
-<p:notes xmlns:a="http://schemas.openxmlformats.org/drawingml/2006/main" xmlns:r="http://schemas.openxmlformats.org/officeDocument/2006/relationships" xmlns:mc="http://schemas.openxmlformats.org/markup-compatibility/2006" xmlns:mv="urn:schemas-microsoft-com:mac:vml" xmlns:p="http://schemas.openxmlformats.org/presentationml/2006/main" xmlns:c="http://schemas.openxmlformats.org/drawingml/2006/chart" xmlns:dgm="http://schemas.openxmlformats.org/drawingml/2006/diagram" xmlns:o="urn:schemas-microsoft-com:office:office" xmlns:v="urn:schemas-microsoft-com:vml" xmlns:pvml="urn:schemas-microsoft-com:office:powerpoint" xmlns:com="http://schemas.openxmlformats.org/drawingml/2006/compatibility" xmlns:p14="http://schemas.microsoft.com/office/powerpoint/2010/main" xmlns:p15="http://schemas.microsoft.com/office/powerpoint/2012/main" xmlns:ahyp="http://schemas.microsoft.com/office/drawing/2018/hyperlinkcolor" showMasterPhAnim="0" showMasterSp="0">
+<p:notes xmlns:a="http://schemas.openxmlformats.org/drawingml/2006/main" xmlns:r="http://schemas.openxmlformats.org/officeDocument/2006/relationships" xmlns:p="http://schemas.openxmlformats.org/presentationml/2006/main" showMasterSp="0" showMasterPhAnim="0">
   <p:cSld>
     <p:spTree>
       <p:nvGrpSpPr>
-        <p:cNvPr id="78" name="Shape 78"/>
+        <p:cNvPr id="1" name="Shape 78"/>
         <p:cNvGrpSpPr/>
         <p:nvPr/>
       </p:nvGrpSpPr>
@@ -1224,20 +1264,26 @@
       <p:sp>
         <p:nvSpPr>
           <p:cNvPr id="79" name="Google Shape;79;ge572411659_0_1105:notes"/>
-          <p:cNvSpPr/>
+          <p:cNvSpPr>
+            <a:spLocks noGrp="1" noRot="1" noChangeAspect="1"/>
+          </p:cNvSpPr>
           <p:nvPr>
-            <p:ph idx="2" type="sldImg"/>
+            <p:ph type="sldImg" idx="2"/>
           </p:nvPr>
         </p:nvSpPr>
         <p:spPr>
           <a:xfrm>
-            <a:off x="381300" y="685800"/>
+            <a:off x="381000" y="685800"/>
             <a:ext cx="6096000" cy="3429000"/>
           </a:xfrm>
           <a:custGeom>
-            <a:rect b="b" l="l" r="r" t="t"/>
+            <a:avLst/>
+            <a:gdLst/>
+            <a:ahLst/>
+            <a:cxnLst/>
+            <a:rect l="l" t="t" r="r" b="b"/>
             <a:pathLst>
-              <a:path extrusionOk="0" h="120000" w="120000">
+              <a:path w="120000" h="120000" extrusionOk="0">
                 <a:moveTo>
                   <a:pt x="0" y="0"/>
                 </a:moveTo>
@@ -1259,9 +1305,11 @@
       <p:sp>
         <p:nvSpPr>
           <p:cNvPr id="80" name="Google Shape;80;ge572411659_0_1105:notes"/>
-          <p:cNvSpPr txBox="1"/>
+          <p:cNvSpPr txBox="1">
+            <a:spLocks noGrp="1"/>
+          </p:cNvSpPr>
           <p:nvPr>
-            <p:ph idx="1" type="body"/>
+            <p:ph type="body" idx="1"/>
           </p:nvPr>
         </p:nvSpPr>
         <p:spPr>
@@ -1274,23 +1322,20 @@
           </a:prstGeom>
         </p:spPr>
         <p:txBody>
-          <a:bodyPr anchorCtr="0" anchor="t" bIns="91425" lIns="91425" spcFirstLastPara="1" rIns="91425" wrap="square" tIns="91425">
+          <a:bodyPr spcFirstLastPara="1" wrap="square" lIns="91425" tIns="91425" rIns="91425" bIns="91425" anchor="t" anchorCtr="0">
             <a:noAutofit/>
           </a:bodyPr>
           <a:lstStyle/>
           <a:p>
-            <a:pPr indent="0" lvl="0" marL="0" rtl="0" algn="l">
-              <a:spcBef>
-                <a:spcPts val="0"/>
-              </a:spcBef>
-              <a:spcAft>
-                <a:spcPts val="0"/>
-              </a:spcAft>
-              <a:buNone/>
-            </a:pPr>
-            <a:r>
-              <a:t/>
-            </a:r>
+            <a:pPr marL="0" lvl="0" indent="0" algn="l" rtl="0">
+              <a:spcBef>
+                <a:spcPts val="0"/>
+              </a:spcBef>
+              <a:spcAft>
+                <a:spcPts val="0"/>
+              </a:spcAft>
+              <a:buNone/>
+            </a:pPr>
             <a:endParaRPr/>
           </a:p>
         </p:txBody>
@@ -1304,11 +1349,11 @@
 </file>
 
 <file path=ppt/notesSlides/notesSlide6.xml><?xml version="1.0" encoding="utf-8"?>
-<p:notes xmlns:a="http://schemas.openxmlformats.org/drawingml/2006/main" xmlns:r="http://schemas.openxmlformats.org/officeDocument/2006/relationships" xmlns:mc="http://schemas.openxmlformats.org/markup-compatibility/2006" xmlns:mv="urn:schemas-microsoft-com:mac:vml" xmlns:p="http://schemas.openxmlformats.org/presentationml/2006/main" xmlns:c="http://schemas.openxmlformats.org/drawingml/2006/chart" xmlns:dgm="http://schemas.openxmlformats.org/drawingml/2006/diagram" xmlns:o="urn:schemas-microsoft-com:office:office" xmlns:v="urn:schemas-microsoft-com:vml" xmlns:pvml="urn:schemas-microsoft-com:office:powerpoint" xmlns:com="http://schemas.openxmlformats.org/drawingml/2006/compatibility" xmlns:p14="http://schemas.microsoft.com/office/powerpoint/2010/main" xmlns:p15="http://schemas.microsoft.com/office/powerpoint/2012/main" xmlns:ahyp="http://schemas.microsoft.com/office/drawing/2018/hyperlinkcolor" showMasterPhAnim="0" showMasterSp="0">
+<p:notes xmlns:a="http://schemas.openxmlformats.org/drawingml/2006/main" xmlns:r="http://schemas.openxmlformats.org/officeDocument/2006/relationships" xmlns:p="http://schemas.openxmlformats.org/presentationml/2006/main" showMasterSp="0" showMasterPhAnim="0">
   <p:cSld>
     <p:spTree>
       <p:nvGrpSpPr>
-        <p:cNvPr id="86" name="Shape 86"/>
+        <p:cNvPr id="1" name="Shape 86"/>
         <p:cNvGrpSpPr/>
         <p:nvPr/>
       </p:nvGrpSpPr>
@@ -1323,20 +1368,26 @@
       <p:sp>
         <p:nvSpPr>
           <p:cNvPr id="87" name="Google Shape;87;ge572411659_0_1164:notes"/>
-          <p:cNvSpPr/>
+          <p:cNvSpPr>
+            <a:spLocks noGrp="1" noRot="1" noChangeAspect="1"/>
+          </p:cNvSpPr>
           <p:nvPr>
-            <p:ph idx="2" type="sldImg"/>
+            <p:ph type="sldImg" idx="2"/>
           </p:nvPr>
         </p:nvSpPr>
         <p:spPr>
           <a:xfrm>
-            <a:off x="381300" y="685800"/>
+            <a:off x="381000" y="685800"/>
             <a:ext cx="6096000" cy="3429000"/>
           </a:xfrm>
           <a:custGeom>
-            <a:rect b="b" l="l" r="r" t="t"/>
+            <a:avLst/>
+            <a:gdLst/>
+            <a:ahLst/>
+            <a:cxnLst/>
+            <a:rect l="l" t="t" r="r" b="b"/>
             <a:pathLst>
-              <a:path extrusionOk="0" h="120000" w="120000">
+              <a:path w="120000" h="120000" extrusionOk="0">
                 <a:moveTo>
                   <a:pt x="0" y="0"/>
                 </a:moveTo>
@@ -1358,9 +1409,11 @@
       <p:sp>
         <p:nvSpPr>
           <p:cNvPr id="88" name="Google Shape;88;ge572411659_0_1164:notes"/>
-          <p:cNvSpPr txBox="1"/>
+          <p:cNvSpPr txBox="1">
+            <a:spLocks noGrp="1"/>
+          </p:cNvSpPr>
           <p:nvPr>
-            <p:ph idx="1" type="body"/>
+            <p:ph type="body" idx="1"/>
           </p:nvPr>
         </p:nvSpPr>
         <p:spPr>
@@ -1373,23 +1426,20 @@
           </a:prstGeom>
         </p:spPr>
         <p:txBody>
-          <a:bodyPr anchorCtr="0" anchor="t" bIns="91425" lIns="91425" spcFirstLastPara="1" rIns="91425" wrap="square" tIns="91425">
+          <a:bodyPr spcFirstLastPara="1" wrap="square" lIns="91425" tIns="91425" rIns="91425" bIns="91425" anchor="t" anchorCtr="0">
             <a:noAutofit/>
           </a:bodyPr>
           <a:lstStyle/>
           <a:p>
-            <a:pPr indent="0" lvl="0" marL="0" rtl="0" algn="l">
-              <a:spcBef>
-                <a:spcPts val="0"/>
-              </a:spcBef>
-              <a:spcAft>
-                <a:spcPts val="0"/>
-              </a:spcAft>
-              <a:buNone/>
-            </a:pPr>
-            <a:r>
-              <a:t/>
-            </a:r>
+            <a:pPr marL="0" lvl="0" indent="0" algn="l" rtl="0">
+              <a:spcBef>
+                <a:spcPts val="0"/>
+              </a:spcBef>
+              <a:spcAft>
+                <a:spcPts val="0"/>
+              </a:spcAft>
+              <a:buNone/>
+            </a:pPr>
             <a:endParaRPr/>
           </a:p>
         </p:txBody>
@@ -1403,11 +1453,11 @@
 </file>
 
 <file path=ppt/notesSlides/notesSlide7.xml><?xml version="1.0" encoding="utf-8"?>
-<p:notes xmlns:a="http://schemas.openxmlformats.org/drawingml/2006/main" xmlns:r="http://schemas.openxmlformats.org/officeDocument/2006/relationships" xmlns:mc="http://schemas.openxmlformats.org/markup-compatibility/2006" xmlns:mv="urn:schemas-microsoft-com:mac:vml" xmlns:p="http://schemas.openxmlformats.org/presentationml/2006/main" xmlns:c="http://schemas.openxmlformats.org/drawingml/2006/chart" xmlns:dgm="http://schemas.openxmlformats.org/drawingml/2006/diagram" xmlns:o="urn:schemas-microsoft-com:office:office" xmlns:v="urn:schemas-microsoft-com:vml" xmlns:pvml="urn:schemas-microsoft-com:office:powerpoint" xmlns:com="http://schemas.openxmlformats.org/drawingml/2006/compatibility" xmlns:p14="http://schemas.microsoft.com/office/powerpoint/2010/main" xmlns:p15="http://schemas.microsoft.com/office/powerpoint/2012/main" xmlns:ahyp="http://schemas.microsoft.com/office/drawing/2018/hyperlinkcolor" showMasterPhAnim="0" showMasterSp="0">
+<p:notes xmlns:a="http://schemas.openxmlformats.org/drawingml/2006/main" xmlns:r="http://schemas.openxmlformats.org/officeDocument/2006/relationships" xmlns:p="http://schemas.openxmlformats.org/presentationml/2006/main" showMasterSp="0" showMasterPhAnim="0">
   <p:cSld>
     <p:spTree>
       <p:nvGrpSpPr>
-        <p:cNvPr id="94" name="Shape 94"/>
+        <p:cNvPr id="1" name="Shape 94"/>
         <p:cNvGrpSpPr/>
         <p:nvPr/>
       </p:nvGrpSpPr>
@@ -1422,20 +1472,26 @@
       <p:sp>
         <p:nvSpPr>
           <p:cNvPr id="95" name="Google Shape;95;ge572411659_0_1171:notes"/>
-          <p:cNvSpPr/>
+          <p:cNvSpPr>
+            <a:spLocks noGrp="1" noRot="1" noChangeAspect="1"/>
+          </p:cNvSpPr>
           <p:nvPr>
-            <p:ph idx="2" type="sldImg"/>
+            <p:ph type="sldImg" idx="2"/>
           </p:nvPr>
         </p:nvSpPr>
         <p:spPr>
           <a:xfrm>
-            <a:off x="381300" y="685800"/>
+            <a:off x="381000" y="685800"/>
             <a:ext cx="6096000" cy="3429000"/>
           </a:xfrm>
           <a:custGeom>
-            <a:rect b="b" l="l" r="r" t="t"/>
+            <a:avLst/>
+            <a:gdLst/>
+            <a:ahLst/>
+            <a:cxnLst/>
+            <a:rect l="l" t="t" r="r" b="b"/>
             <a:pathLst>
-              <a:path extrusionOk="0" h="120000" w="120000">
+              <a:path w="120000" h="120000" extrusionOk="0">
                 <a:moveTo>
                   <a:pt x="0" y="0"/>
                 </a:moveTo>
@@ -1457,9 +1513,11 @@
       <p:sp>
         <p:nvSpPr>
           <p:cNvPr id="96" name="Google Shape;96;ge572411659_0_1171:notes"/>
-          <p:cNvSpPr txBox="1"/>
+          <p:cNvSpPr txBox="1">
+            <a:spLocks noGrp="1"/>
+          </p:cNvSpPr>
           <p:nvPr>
-            <p:ph idx="1" type="body"/>
+            <p:ph type="body" idx="1"/>
           </p:nvPr>
         </p:nvSpPr>
         <p:spPr>
@@ -1472,23 +1530,20 @@
           </a:prstGeom>
         </p:spPr>
         <p:txBody>
-          <a:bodyPr anchorCtr="0" anchor="t" bIns="91425" lIns="91425" spcFirstLastPara="1" rIns="91425" wrap="square" tIns="91425">
+          <a:bodyPr spcFirstLastPara="1" wrap="square" lIns="91425" tIns="91425" rIns="91425" bIns="91425" anchor="t" anchorCtr="0">
             <a:noAutofit/>
           </a:bodyPr>
           <a:lstStyle/>
           <a:p>
-            <a:pPr indent="0" lvl="0" marL="0" rtl="0" algn="l">
-              <a:spcBef>
-                <a:spcPts val="0"/>
-              </a:spcBef>
-              <a:spcAft>
-                <a:spcPts val="0"/>
-              </a:spcAft>
-              <a:buNone/>
-            </a:pPr>
-            <a:r>
-              <a:t/>
-            </a:r>
+            <a:pPr marL="0" lvl="0" indent="0" algn="l" rtl="0">
+              <a:spcBef>
+                <a:spcPts val="0"/>
+              </a:spcBef>
+              <a:spcAft>
+                <a:spcPts val="0"/>
+              </a:spcAft>
+              <a:buNone/>
+            </a:pPr>
             <a:endParaRPr/>
           </a:p>
         </p:txBody>
@@ -1502,11 +1557,11 @@
 </file>
 
 <file path=ppt/notesSlides/notesSlide8.xml><?xml version="1.0" encoding="utf-8"?>
-<p:notes xmlns:a="http://schemas.openxmlformats.org/drawingml/2006/main" xmlns:r="http://schemas.openxmlformats.org/officeDocument/2006/relationships" xmlns:mc="http://schemas.openxmlformats.org/markup-compatibility/2006" xmlns:mv="urn:schemas-microsoft-com:mac:vml" xmlns:p="http://schemas.openxmlformats.org/presentationml/2006/main" xmlns:c="http://schemas.openxmlformats.org/drawingml/2006/chart" xmlns:dgm="http://schemas.openxmlformats.org/drawingml/2006/diagram" xmlns:o="urn:schemas-microsoft-com:office:office" xmlns:v="urn:schemas-microsoft-com:vml" xmlns:pvml="urn:schemas-microsoft-com:office:powerpoint" xmlns:com="http://schemas.openxmlformats.org/drawingml/2006/compatibility" xmlns:p14="http://schemas.microsoft.com/office/powerpoint/2010/main" xmlns:p15="http://schemas.microsoft.com/office/powerpoint/2012/main" xmlns:ahyp="http://schemas.microsoft.com/office/drawing/2018/hyperlinkcolor" showMasterPhAnim="0" showMasterSp="0">
+<p:notes xmlns:a="http://schemas.openxmlformats.org/drawingml/2006/main" xmlns:r="http://schemas.openxmlformats.org/officeDocument/2006/relationships" xmlns:p="http://schemas.openxmlformats.org/presentationml/2006/main" showMasterSp="0" showMasterPhAnim="0">
   <p:cSld>
     <p:spTree>
       <p:nvGrpSpPr>
-        <p:cNvPr id="102" name="Shape 102"/>
+        <p:cNvPr id="1" name="Shape 102"/>
         <p:cNvGrpSpPr/>
         <p:nvPr/>
       </p:nvGrpSpPr>
@@ -1521,20 +1576,26 @@
       <p:sp>
         <p:nvSpPr>
           <p:cNvPr id="103" name="Google Shape;103;ge572411659_0_1178:notes"/>
-          <p:cNvSpPr/>
+          <p:cNvSpPr>
+            <a:spLocks noGrp="1" noRot="1" noChangeAspect="1"/>
+          </p:cNvSpPr>
           <p:nvPr>
-            <p:ph idx="2" type="sldImg"/>
+            <p:ph type="sldImg" idx="2"/>
           </p:nvPr>
         </p:nvSpPr>
         <p:spPr>
           <a:xfrm>
-            <a:off x="381300" y="685800"/>
+            <a:off x="381000" y="685800"/>
             <a:ext cx="6096000" cy="3429000"/>
           </a:xfrm>
           <a:custGeom>
-            <a:rect b="b" l="l" r="r" t="t"/>
+            <a:avLst/>
+            <a:gdLst/>
+            <a:ahLst/>
+            <a:cxnLst/>
+            <a:rect l="l" t="t" r="r" b="b"/>
             <a:pathLst>
-              <a:path extrusionOk="0" h="120000" w="120000">
+              <a:path w="120000" h="120000" extrusionOk="0">
                 <a:moveTo>
                   <a:pt x="0" y="0"/>
                 </a:moveTo>
@@ -1556,9 +1617,11 @@
       <p:sp>
         <p:nvSpPr>
           <p:cNvPr id="104" name="Google Shape;104;ge572411659_0_1178:notes"/>
-          <p:cNvSpPr txBox="1"/>
+          <p:cNvSpPr txBox="1">
+            <a:spLocks noGrp="1"/>
+          </p:cNvSpPr>
           <p:nvPr>
-            <p:ph idx="1" type="body"/>
+            <p:ph type="body" idx="1"/>
           </p:nvPr>
         </p:nvSpPr>
         <p:spPr>
@@ -1571,23 +1634,20 @@
           </a:prstGeom>
         </p:spPr>
         <p:txBody>
-          <a:bodyPr anchorCtr="0" anchor="t" bIns="91425" lIns="91425" spcFirstLastPara="1" rIns="91425" wrap="square" tIns="91425">
+          <a:bodyPr spcFirstLastPara="1" wrap="square" lIns="91425" tIns="91425" rIns="91425" bIns="91425" anchor="t" anchorCtr="0">
             <a:noAutofit/>
           </a:bodyPr>
           <a:lstStyle/>
           <a:p>
-            <a:pPr indent="0" lvl="0" marL="0" rtl="0" algn="l">
-              <a:spcBef>
-                <a:spcPts val="0"/>
-              </a:spcBef>
-              <a:spcAft>
-                <a:spcPts val="0"/>
-              </a:spcAft>
-              <a:buNone/>
-            </a:pPr>
-            <a:r>
-              <a:t/>
-            </a:r>
+            <a:pPr marL="0" lvl="0" indent="0" algn="l" rtl="0">
+              <a:spcBef>
+                <a:spcPts val="0"/>
+              </a:spcBef>
+              <a:spcAft>
+                <a:spcPts val="0"/>
+              </a:spcAft>
+              <a:buNone/>
+            </a:pPr>
             <a:endParaRPr/>
           </a:p>
         </p:txBody>
@@ -1601,11 +1661,11 @@
 </file>
 
 <file path=ppt/notesSlides/notesSlide9.xml><?xml version="1.0" encoding="utf-8"?>
-<p:notes xmlns:a="http://schemas.openxmlformats.org/drawingml/2006/main" xmlns:r="http://schemas.openxmlformats.org/officeDocument/2006/relationships" xmlns:mc="http://schemas.openxmlformats.org/markup-compatibility/2006" xmlns:mv="urn:schemas-microsoft-com:mac:vml" xmlns:p="http://schemas.openxmlformats.org/presentationml/2006/main" xmlns:c="http://schemas.openxmlformats.org/drawingml/2006/chart" xmlns:dgm="http://schemas.openxmlformats.org/drawingml/2006/diagram" xmlns:o="urn:schemas-microsoft-com:office:office" xmlns:v="urn:schemas-microsoft-com:vml" xmlns:pvml="urn:schemas-microsoft-com:office:powerpoint" xmlns:com="http://schemas.openxmlformats.org/drawingml/2006/compatibility" xmlns:p14="http://schemas.microsoft.com/office/powerpoint/2010/main" xmlns:p15="http://schemas.microsoft.com/office/powerpoint/2012/main" xmlns:ahyp="http://schemas.microsoft.com/office/drawing/2018/hyperlinkcolor" showMasterPhAnim="0" showMasterSp="0">
+<p:notes xmlns:a="http://schemas.openxmlformats.org/drawingml/2006/main" xmlns:r="http://schemas.openxmlformats.org/officeDocument/2006/relationships" xmlns:p="http://schemas.openxmlformats.org/presentationml/2006/main" showMasterSp="0" showMasterPhAnim="0">
   <p:cSld>
     <p:spTree>
       <p:nvGrpSpPr>
-        <p:cNvPr id="110" name="Shape 110"/>
+        <p:cNvPr id="1" name="Shape 110"/>
         <p:cNvGrpSpPr/>
         <p:nvPr/>
       </p:nvGrpSpPr>
@@ -1620,20 +1680,26 @@
       <p:sp>
         <p:nvSpPr>
           <p:cNvPr id="111" name="Google Shape;111;ge572411659_0_1185:notes"/>
-          <p:cNvSpPr/>
+          <p:cNvSpPr>
+            <a:spLocks noGrp="1" noRot="1" noChangeAspect="1"/>
+          </p:cNvSpPr>
           <p:nvPr>
-            <p:ph idx="2" type="sldImg"/>
+            <p:ph type="sldImg" idx="2"/>
           </p:nvPr>
         </p:nvSpPr>
         <p:spPr>
           <a:xfrm>
-            <a:off x="381300" y="685800"/>
+            <a:off x="381000" y="685800"/>
             <a:ext cx="6096000" cy="3429000"/>
           </a:xfrm>
           <a:custGeom>
-            <a:rect b="b" l="l" r="r" t="t"/>
+            <a:avLst/>
+            <a:gdLst/>
+            <a:ahLst/>
+            <a:cxnLst/>
+            <a:rect l="l" t="t" r="r" b="b"/>
             <a:pathLst>
-              <a:path extrusionOk="0" h="120000" w="120000">
+              <a:path w="120000" h="120000" extrusionOk="0">
                 <a:moveTo>
                   <a:pt x="0" y="0"/>
                 </a:moveTo>
@@ -1655,9 +1721,11 @@
       <p:sp>
         <p:nvSpPr>
           <p:cNvPr id="112" name="Google Shape;112;ge572411659_0_1185:notes"/>
-          <p:cNvSpPr txBox="1"/>
+          <p:cNvSpPr txBox="1">
+            <a:spLocks noGrp="1"/>
+          </p:cNvSpPr>
           <p:nvPr>
-            <p:ph idx="1" type="body"/>
+            <p:ph type="body" idx="1"/>
           </p:nvPr>
         </p:nvSpPr>
         <p:spPr>
@@ -1670,23 +1738,20 @@
           </a:prstGeom>
         </p:spPr>
         <p:txBody>
-          <a:bodyPr anchorCtr="0" anchor="t" bIns="91425" lIns="91425" spcFirstLastPara="1" rIns="91425" wrap="square" tIns="91425">
+          <a:bodyPr spcFirstLastPara="1" wrap="square" lIns="91425" tIns="91425" rIns="91425" bIns="91425" anchor="t" anchorCtr="0">
             <a:noAutofit/>
           </a:bodyPr>
           <a:lstStyle/>
           <a:p>
-            <a:pPr indent="0" lvl="0" marL="0" rtl="0" algn="l">
-              <a:spcBef>
-                <a:spcPts val="0"/>
-              </a:spcBef>
-              <a:spcAft>
-                <a:spcPts val="0"/>
-              </a:spcAft>
-              <a:buNone/>
-            </a:pPr>
-            <a:r>
-              <a:t/>
-            </a:r>
+            <a:pPr marL="0" lvl="0" indent="0" algn="l" rtl="0">
+              <a:spcBef>
+                <a:spcPts val="0"/>
+              </a:spcBef>
+              <a:spcAft>
+                <a:spcPts val="0"/>
+              </a:spcAft>
+              <a:buNone/>
+            </a:pPr>
             <a:endParaRPr/>
           </a:p>
         </p:txBody>
@@ -1700,11 +1765,11 @@
 </file>
 
 <file path=ppt/slideLayouts/slideLayout1.xml><?xml version="1.0" encoding="utf-8"?>
-<p:sldLayout xmlns:a="http://schemas.openxmlformats.org/drawingml/2006/main" xmlns:r="http://schemas.openxmlformats.org/officeDocument/2006/relationships" xmlns:mc="http://schemas.openxmlformats.org/markup-compatibility/2006" xmlns:mv="urn:schemas-microsoft-com:mac:vml" xmlns:p="http://schemas.openxmlformats.org/presentationml/2006/main" xmlns:c="http://schemas.openxmlformats.org/drawingml/2006/chart" xmlns:dgm="http://schemas.openxmlformats.org/drawingml/2006/diagram" xmlns:o="urn:schemas-microsoft-com:office:office" xmlns:v="urn:schemas-microsoft-com:vml" xmlns:pvml="urn:schemas-microsoft-com:office:powerpoint" xmlns:com="http://schemas.openxmlformats.org/drawingml/2006/compatibility" xmlns:p14="http://schemas.microsoft.com/office/powerpoint/2010/main" xmlns:p15="http://schemas.microsoft.com/office/powerpoint/2012/main" xmlns:ahyp="http://schemas.microsoft.com/office/drawing/2018/hyperlinkcolor" matchingName="Title slide" type="title">
+<p:sldLayout xmlns:a="http://schemas.openxmlformats.org/drawingml/2006/main" xmlns:r="http://schemas.openxmlformats.org/officeDocument/2006/relationships" xmlns:p="http://schemas.openxmlformats.org/presentationml/2006/main" matchingName="Title slide" type="title">
   <p:cSld name="TITLE">
     <p:spTree>
       <p:nvGrpSpPr>
-        <p:cNvPr id="9" name="Shape 9"/>
+        <p:cNvPr id="1" name="Shape 9"/>
         <p:cNvGrpSpPr/>
         <p:nvPr/>
       </p:nvGrpSpPr>
@@ -1719,7 +1784,9 @@
       <p:sp>
         <p:nvSpPr>
           <p:cNvPr id="10" name="Google Shape;10;p2"/>
-          <p:cNvSpPr txBox="1"/>
+          <p:cNvSpPr txBox="1">
+            <a:spLocks noGrp="1"/>
+          </p:cNvSpPr>
           <p:nvPr>
             <p:ph type="ctrTitle"/>
           </p:nvPr>
@@ -1734,7 +1801,7 @@
           </a:prstGeom>
         </p:spPr>
         <p:txBody>
-          <a:bodyPr anchorCtr="0" anchor="b" bIns="91425" lIns="91425" spcFirstLastPara="1" rIns="91425" wrap="square" tIns="91425">
+          <a:bodyPr spcFirstLastPara="1" wrap="square" lIns="91425" tIns="91425" rIns="91425" bIns="91425" anchor="b" anchorCtr="0">
             <a:normAutofit/>
           </a:bodyPr>
           <a:lstStyle>
@@ -1838,15 +1905,19 @@
               <a:defRPr sz="5200"/>
             </a:lvl9pPr>
           </a:lstStyle>
-          <a:p/>
+          <a:p>
+            <a:endParaRPr/>
+          </a:p>
         </p:txBody>
       </p:sp>
       <p:sp>
         <p:nvSpPr>
           <p:cNvPr id="11" name="Google Shape;11;p2"/>
-          <p:cNvSpPr txBox="1"/>
+          <p:cNvSpPr txBox="1">
+            <a:spLocks noGrp="1"/>
+          </p:cNvSpPr>
           <p:nvPr>
-            <p:ph idx="1" type="subTitle"/>
+            <p:ph type="subTitle" idx="1"/>
           </p:nvPr>
         </p:nvSpPr>
         <p:spPr>
@@ -1859,7 +1930,7 @@
           </a:prstGeom>
         </p:spPr>
         <p:txBody>
-          <a:bodyPr anchorCtr="0" anchor="t" bIns="91425" lIns="91425" spcFirstLastPara="1" rIns="91425" wrap="square" tIns="91425">
+          <a:bodyPr spcFirstLastPara="1" wrap="square" lIns="91425" tIns="91425" rIns="91425" bIns="91425" anchor="t" anchorCtr="0">
             <a:normAutofit/>
           </a:bodyPr>
           <a:lstStyle>
@@ -1990,15 +2061,19 @@
               <a:defRPr sz="2800"/>
             </a:lvl9pPr>
           </a:lstStyle>
-          <a:p/>
+          <a:p>
+            <a:endParaRPr/>
+          </a:p>
         </p:txBody>
       </p:sp>
       <p:sp>
         <p:nvSpPr>
           <p:cNvPr id="12" name="Google Shape;12;p2"/>
-          <p:cNvSpPr txBox="1"/>
+          <p:cNvSpPr txBox="1">
+            <a:spLocks noGrp="1"/>
+          </p:cNvSpPr>
           <p:nvPr>
-            <p:ph idx="12" type="sldNum"/>
+            <p:ph type="sldNum" idx="12"/>
           </p:nvPr>
         </p:nvSpPr>
         <p:spPr>
@@ -2011,7 +2086,7 @@
           </a:prstGeom>
         </p:spPr>
         <p:txBody>
-          <a:bodyPr anchorCtr="0" anchor="ctr" bIns="91425" lIns="91425" spcFirstLastPara="1" rIns="91425" wrap="square" tIns="91425">
+          <a:bodyPr spcFirstLastPara="1" wrap="square" lIns="91425" tIns="91425" rIns="91425" bIns="91425" anchor="ctr" anchorCtr="0">
             <a:normAutofit/>
           </a:bodyPr>
           <a:lstStyle>
@@ -2053,7 +2128,7 @@
             </a:lvl9pPr>
           </a:lstStyle>
           <a:p>
-            <a:pPr indent="0" lvl="0" marL="0" rtl="0" algn="r">
+            <a:pPr marL="0" lvl="0" indent="0" algn="r" rtl="0">
               <a:spcBef>
                 <a:spcPts val="0"/>
               </a:spcBef>
@@ -2079,11 +2154,11 @@
 </file>
 
 <file path=ppt/slideLayouts/slideLayout10.xml><?xml version="1.0" encoding="utf-8"?>
-<p:sldLayout xmlns:a="http://schemas.openxmlformats.org/drawingml/2006/main" xmlns:r="http://schemas.openxmlformats.org/officeDocument/2006/relationships" xmlns:mc="http://schemas.openxmlformats.org/markup-compatibility/2006" xmlns:mv="urn:schemas-microsoft-com:mac:vml" xmlns:p="http://schemas.openxmlformats.org/presentationml/2006/main" xmlns:c="http://schemas.openxmlformats.org/drawingml/2006/chart" xmlns:dgm="http://schemas.openxmlformats.org/drawingml/2006/diagram" xmlns:o="urn:schemas-microsoft-com:office:office" xmlns:v="urn:schemas-microsoft-com:vml" xmlns:pvml="urn:schemas-microsoft-com:office:powerpoint" xmlns:com="http://schemas.openxmlformats.org/drawingml/2006/compatibility" xmlns:p14="http://schemas.microsoft.com/office/powerpoint/2010/main" xmlns:p15="http://schemas.microsoft.com/office/powerpoint/2012/main" xmlns:ahyp="http://schemas.microsoft.com/office/drawing/2018/hyperlinkcolor" matchingName="Big number">
+<p:sldLayout xmlns:a="http://schemas.openxmlformats.org/drawingml/2006/main" xmlns:r="http://schemas.openxmlformats.org/officeDocument/2006/relationships" xmlns:p="http://schemas.openxmlformats.org/presentationml/2006/main" matchingName="Big number">
   <p:cSld name="BIG_NUMBER">
     <p:spTree>
       <p:nvGrpSpPr>
-        <p:cNvPr id="44" name="Shape 44"/>
+        <p:cNvPr id="1" name="Shape 44"/>
         <p:cNvGrpSpPr/>
         <p:nvPr/>
       </p:nvGrpSpPr>
@@ -2098,9 +2173,11 @@
       <p:sp>
         <p:nvSpPr>
           <p:cNvPr id="45" name="Google Shape;45;p11"/>
-          <p:cNvSpPr txBox="1"/>
+          <p:cNvSpPr txBox="1">
+            <a:spLocks noGrp="1"/>
+          </p:cNvSpPr>
           <p:nvPr>
-            <p:ph hasCustomPrompt="1" type="title"/>
+            <p:ph type="title" hasCustomPrompt="1"/>
           </p:nvPr>
         </p:nvSpPr>
         <p:spPr>
@@ -2113,7 +2190,7 @@
           </a:prstGeom>
         </p:spPr>
         <p:txBody>
-          <a:bodyPr anchorCtr="0" anchor="b" bIns="91425" lIns="91425" spcFirstLastPara="1" rIns="91425" wrap="square" tIns="91425">
+          <a:bodyPr spcFirstLastPara="1" wrap="square" lIns="91425" tIns="91425" rIns="91425" bIns="91425" anchor="b" anchorCtr="0">
             <a:normAutofit/>
           </a:bodyPr>
           <a:lstStyle>
@@ -2227,9 +2304,11 @@
       <p:sp>
         <p:nvSpPr>
           <p:cNvPr id="46" name="Google Shape;46;p11"/>
-          <p:cNvSpPr txBox="1"/>
+          <p:cNvSpPr txBox="1">
+            <a:spLocks noGrp="1"/>
+          </p:cNvSpPr>
           <p:nvPr>
-            <p:ph idx="1" type="body"/>
+            <p:ph type="body" idx="1"/>
           </p:nvPr>
         </p:nvSpPr>
         <p:spPr>
@@ -2242,11 +2321,11 @@
           </a:prstGeom>
         </p:spPr>
         <p:txBody>
-          <a:bodyPr anchorCtr="0" anchor="t" bIns="91425" lIns="91425" spcFirstLastPara="1" rIns="91425" wrap="square" tIns="91425">
+          <a:bodyPr spcFirstLastPara="1" wrap="square" lIns="91425" tIns="91425" rIns="91425" bIns="91425" anchor="t" anchorCtr="0">
             <a:normAutofit/>
           </a:bodyPr>
           <a:lstStyle>
-            <a:lvl1pPr indent="-342900" lvl="0" marL="457200" algn="ctr">
+            <a:lvl1pPr marL="457200" lvl="0" indent="-342900" algn="ctr">
               <a:spcBef>
                 <a:spcPts val="0"/>
               </a:spcBef>
@@ -2257,7 +2336,7 @@
               <a:buChar char="●"/>
               <a:defRPr/>
             </a:lvl1pPr>
-            <a:lvl2pPr indent="-317500" lvl="1" marL="914400" algn="ctr">
+            <a:lvl2pPr marL="914400" lvl="1" indent="-317500" algn="ctr">
               <a:spcBef>
                 <a:spcPts val="0"/>
               </a:spcBef>
@@ -2268,7 +2347,7 @@
               <a:buChar char="○"/>
               <a:defRPr/>
             </a:lvl2pPr>
-            <a:lvl3pPr indent="-317500" lvl="2" marL="1371600" algn="ctr">
+            <a:lvl3pPr marL="1371600" lvl="2" indent="-317500" algn="ctr">
               <a:spcBef>
                 <a:spcPts val="0"/>
               </a:spcBef>
@@ -2279,7 +2358,7 @@
               <a:buChar char="■"/>
               <a:defRPr/>
             </a:lvl3pPr>
-            <a:lvl4pPr indent="-317500" lvl="3" marL="1828800" algn="ctr">
+            <a:lvl4pPr marL="1828800" lvl="3" indent="-317500" algn="ctr">
               <a:spcBef>
                 <a:spcPts val="0"/>
               </a:spcBef>
@@ -2290,7 +2369,7 @@
               <a:buChar char="●"/>
               <a:defRPr/>
             </a:lvl4pPr>
-            <a:lvl5pPr indent="-317500" lvl="4" marL="2286000" algn="ctr">
+            <a:lvl5pPr marL="2286000" lvl="4" indent="-317500" algn="ctr">
               <a:spcBef>
                 <a:spcPts val="0"/>
               </a:spcBef>
@@ -2301,7 +2380,7 @@
               <a:buChar char="○"/>
               <a:defRPr/>
             </a:lvl5pPr>
-            <a:lvl6pPr indent="-317500" lvl="5" marL="2743200" algn="ctr">
+            <a:lvl6pPr marL="2743200" lvl="5" indent="-317500" algn="ctr">
               <a:spcBef>
                 <a:spcPts val="0"/>
               </a:spcBef>
@@ -2312,7 +2391,7 @@
               <a:buChar char="■"/>
               <a:defRPr/>
             </a:lvl6pPr>
-            <a:lvl7pPr indent="-317500" lvl="6" marL="3200400" algn="ctr">
+            <a:lvl7pPr marL="3200400" lvl="6" indent="-317500" algn="ctr">
               <a:spcBef>
                 <a:spcPts val="0"/>
               </a:spcBef>
@@ -2323,7 +2402,7 @@
               <a:buChar char="●"/>
               <a:defRPr/>
             </a:lvl7pPr>
-            <a:lvl8pPr indent="-317500" lvl="7" marL="3657600" algn="ctr">
+            <a:lvl8pPr marL="3657600" lvl="7" indent="-317500" algn="ctr">
               <a:spcBef>
                 <a:spcPts val="0"/>
               </a:spcBef>
@@ -2334,7 +2413,7 @@
               <a:buChar char="○"/>
               <a:defRPr/>
             </a:lvl8pPr>
-            <a:lvl9pPr indent="-317500" lvl="8" marL="4114800" algn="ctr">
+            <a:lvl9pPr marL="4114800" lvl="8" indent="-317500" algn="ctr">
               <a:spcBef>
                 <a:spcPts val="0"/>
               </a:spcBef>
@@ -2346,15 +2425,19 @@
               <a:defRPr/>
             </a:lvl9pPr>
           </a:lstStyle>
-          <a:p/>
+          <a:p>
+            <a:endParaRPr/>
+          </a:p>
         </p:txBody>
       </p:sp>
       <p:sp>
         <p:nvSpPr>
           <p:cNvPr id="47" name="Google Shape;47;p11"/>
-          <p:cNvSpPr txBox="1"/>
+          <p:cNvSpPr txBox="1">
+            <a:spLocks noGrp="1"/>
+          </p:cNvSpPr>
           <p:nvPr>
-            <p:ph idx="12" type="sldNum"/>
+            <p:ph type="sldNum" idx="12"/>
           </p:nvPr>
         </p:nvSpPr>
         <p:spPr>
@@ -2367,7 +2450,7 @@
           </a:prstGeom>
         </p:spPr>
         <p:txBody>
-          <a:bodyPr anchorCtr="0" anchor="ctr" bIns="91425" lIns="91425" spcFirstLastPara="1" rIns="91425" wrap="square" tIns="91425">
+          <a:bodyPr spcFirstLastPara="1" wrap="square" lIns="91425" tIns="91425" rIns="91425" bIns="91425" anchor="ctr" anchorCtr="0">
             <a:normAutofit/>
           </a:bodyPr>
           <a:lstStyle>
@@ -2409,7 +2492,7 @@
             </a:lvl9pPr>
           </a:lstStyle>
           <a:p>
-            <a:pPr indent="0" lvl="0" marL="0" rtl="0" algn="r">
+            <a:pPr marL="0" lvl="0" indent="0" algn="r" rtl="0">
               <a:spcBef>
                 <a:spcPts val="0"/>
               </a:spcBef>
@@ -2435,11 +2518,11 @@
 </file>
 
 <file path=ppt/slideLayouts/slideLayout11.xml><?xml version="1.0" encoding="utf-8"?>
-<p:sldLayout xmlns:a="http://schemas.openxmlformats.org/drawingml/2006/main" xmlns:r="http://schemas.openxmlformats.org/officeDocument/2006/relationships" xmlns:mc="http://schemas.openxmlformats.org/markup-compatibility/2006" xmlns:mv="urn:schemas-microsoft-com:mac:vml" xmlns:p="http://schemas.openxmlformats.org/presentationml/2006/main" xmlns:c="http://schemas.openxmlformats.org/drawingml/2006/chart" xmlns:dgm="http://schemas.openxmlformats.org/drawingml/2006/diagram" xmlns:o="urn:schemas-microsoft-com:office:office" xmlns:v="urn:schemas-microsoft-com:vml" xmlns:pvml="urn:schemas-microsoft-com:office:powerpoint" xmlns:com="http://schemas.openxmlformats.org/drawingml/2006/compatibility" xmlns:p14="http://schemas.microsoft.com/office/powerpoint/2010/main" xmlns:p15="http://schemas.microsoft.com/office/powerpoint/2012/main" xmlns:ahyp="http://schemas.microsoft.com/office/drawing/2018/hyperlinkcolor" matchingName="Blank" type="blank">
+<p:sldLayout xmlns:a="http://schemas.openxmlformats.org/drawingml/2006/main" xmlns:r="http://schemas.openxmlformats.org/officeDocument/2006/relationships" xmlns:p="http://schemas.openxmlformats.org/presentationml/2006/main" matchingName="Blank" type="blank">
   <p:cSld name="BLANK">
     <p:spTree>
       <p:nvGrpSpPr>
-        <p:cNvPr id="48" name="Shape 48"/>
+        <p:cNvPr id="1" name="Shape 48"/>
         <p:cNvGrpSpPr/>
         <p:nvPr/>
       </p:nvGrpSpPr>
@@ -2454,9 +2537,11 @@
       <p:sp>
         <p:nvSpPr>
           <p:cNvPr id="49" name="Google Shape;49;p12"/>
-          <p:cNvSpPr txBox="1"/>
+          <p:cNvSpPr txBox="1">
+            <a:spLocks noGrp="1"/>
+          </p:cNvSpPr>
           <p:nvPr>
-            <p:ph idx="12" type="sldNum"/>
+            <p:ph type="sldNum" idx="12"/>
           </p:nvPr>
         </p:nvSpPr>
         <p:spPr>
@@ -2469,7 +2554,7 @@
           </a:prstGeom>
         </p:spPr>
         <p:txBody>
-          <a:bodyPr anchorCtr="0" anchor="ctr" bIns="91425" lIns="91425" spcFirstLastPara="1" rIns="91425" wrap="square" tIns="91425">
+          <a:bodyPr spcFirstLastPara="1" wrap="square" lIns="91425" tIns="91425" rIns="91425" bIns="91425" anchor="ctr" anchorCtr="0">
             <a:normAutofit/>
           </a:bodyPr>
           <a:lstStyle>
@@ -2511,7 +2596,7 @@
             </a:lvl9pPr>
           </a:lstStyle>
           <a:p>
-            <a:pPr indent="0" lvl="0" marL="0" rtl="0" algn="r">
+            <a:pPr marL="0" lvl="0" indent="0" algn="r" rtl="0">
               <a:spcBef>
                 <a:spcPts val="0"/>
               </a:spcBef>
@@ -2537,11 +2622,11 @@
 </file>
 
 <file path=ppt/slideLayouts/slideLayout2.xml><?xml version="1.0" encoding="utf-8"?>
-<p:sldLayout xmlns:a="http://schemas.openxmlformats.org/drawingml/2006/main" xmlns:r="http://schemas.openxmlformats.org/officeDocument/2006/relationships" xmlns:mc="http://schemas.openxmlformats.org/markup-compatibility/2006" xmlns:mv="urn:schemas-microsoft-com:mac:vml" xmlns:p="http://schemas.openxmlformats.org/presentationml/2006/main" xmlns:c="http://schemas.openxmlformats.org/drawingml/2006/chart" xmlns:dgm="http://schemas.openxmlformats.org/drawingml/2006/diagram" xmlns:o="urn:schemas-microsoft-com:office:office" xmlns:v="urn:schemas-microsoft-com:vml" xmlns:pvml="urn:schemas-microsoft-com:office:powerpoint" xmlns:com="http://schemas.openxmlformats.org/drawingml/2006/compatibility" xmlns:p14="http://schemas.microsoft.com/office/powerpoint/2010/main" xmlns:p15="http://schemas.microsoft.com/office/powerpoint/2012/main" xmlns:ahyp="http://schemas.microsoft.com/office/drawing/2018/hyperlinkcolor" matchingName="Section header" type="secHead">
+<p:sldLayout xmlns:a="http://schemas.openxmlformats.org/drawingml/2006/main" xmlns:r="http://schemas.openxmlformats.org/officeDocument/2006/relationships" xmlns:p="http://schemas.openxmlformats.org/presentationml/2006/main" matchingName="Section header" type="secHead">
   <p:cSld name="SECTION_HEADER">
     <p:spTree>
       <p:nvGrpSpPr>
-        <p:cNvPr id="13" name="Shape 13"/>
+        <p:cNvPr id="1" name="Shape 13"/>
         <p:cNvGrpSpPr/>
         <p:nvPr/>
       </p:nvGrpSpPr>
@@ -2556,7 +2641,9 @@
       <p:sp>
         <p:nvSpPr>
           <p:cNvPr id="14" name="Google Shape;14;p3"/>
-          <p:cNvSpPr txBox="1"/>
+          <p:cNvSpPr txBox="1">
+            <a:spLocks noGrp="1"/>
+          </p:cNvSpPr>
           <p:nvPr>
             <p:ph type="title"/>
           </p:nvPr>
@@ -2571,7 +2658,7 @@
           </a:prstGeom>
         </p:spPr>
         <p:txBody>
-          <a:bodyPr anchorCtr="0" anchor="ctr" bIns="91425" lIns="91425" spcFirstLastPara="1" rIns="91425" wrap="square" tIns="91425">
+          <a:bodyPr spcFirstLastPara="1" wrap="square" lIns="91425" tIns="91425" rIns="91425" bIns="91425" anchor="ctr" anchorCtr="0">
             <a:normAutofit/>
           </a:bodyPr>
           <a:lstStyle>
@@ -2675,15 +2762,19 @@
               <a:defRPr sz="3600"/>
             </a:lvl9pPr>
           </a:lstStyle>
-          <a:p/>
+          <a:p>
+            <a:endParaRPr/>
+          </a:p>
         </p:txBody>
       </p:sp>
       <p:sp>
         <p:nvSpPr>
           <p:cNvPr id="15" name="Google Shape;15;p3"/>
-          <p:cNvSpPr txBox="1"/>
+          <p:cNvSpPr txBox="1">
+            <a:spLocks noGrp="1"/>
+          </p:cNvSpPr>
           <p:nvPr>
-            <p:ph idx="12" type="sldNum"/>
+            <p:ph type="sldNum" idx="12"/>
           </p:nvPr>
         </p:nvSpPr>
         <p:spPr>
@@ -2696,7 +2787,7 @@
           </a:prstGeom>
         </p:spPr>
         <p:txBody>
-          <a:bodyPr anchorCtr="0" anchor="ctr" bIns="91425" lIns="91425" spcFirstLastPara="1" rIns="91425" wrap="square" tIns="91425">
+          <a:bodyPr spcFirstLastPara="1" wrap="square" lIns="91425" tIns="91425" rIns="91425" bIns="91425" anchor="ctr" anchorCtr="0">
             <a:normAutofit/>
           </a:bodyPr>
           <a:lstStyle>
@@ -2738,7 +2829,7 @@
             </a:lvl9pPr>
           </a:lstStyle>
           <a:p>
-            <a:pPr indent="0" lvl="0" marL="0" rtl="0" algn="r">
+            <a:pPr marL="0" lvl="0" indent="0" algn="r" rtl="0">
               <a:spcBef>
                 <a:spcPts val="0"/>
               </a:spcBef>
@@ -2764,11 +2855,11 @@
 </file>
 
 <file path=ppt/slideLayouts/slideLayout3.xml><?xml version="1.0" encoding="utf-8"?>
-<p:sldLayout xmlns:a="http://schemas.openxmlformats.org/drawingml/2006/main" xmlns:r="http://schemas.openxmlformats.org/officeDocument/2006/relationships" xmlns:mc="http://schemas.openxmlformats.org/markup-compatibility/2006" xmlns:mv="urn:schemas-microsoft-com:mac:vml" xmlns:p="http://schemas.openxmlformats.org/presentationml/2006/main" xmlns:c="http://schemas.openxmlformats.org/drawingml/2006/chart" xmlns:dgm="http://schemas.openxmlformats.org/drawingml/2006/diagram" xmlns:o="urn:schemas-microsoft-com:office:office" xmlns:v="urn:schemas-microsoft-com:vml" xmlns:pvml="urn:schemas-microsoft-com:office:powerpoint" xmlns:com="http://schemas.openxmlformats.org/drawingml/2006/compatibility" xmlns:p14="http://schemas.microsoft.com/office/powerpoint/2010/main" xmlns:p15="http://schemas.microsoft.com/office/powerpoint/2012/main" xmlns:ahyp="http://schemas.microsoft.com/office/drawing/2018/hyperlinkcolor" matchingName="Title and body" type="tx">
+<p:sldLayout xmlns:a="http://schemas.openxmlformats.org/drawingml/2006/main" xmlns:r="http://schemas.openxmlformats.org/officeDocument/2006/relationships" xmlns:p="http://schemas.openxmlformats.org/presentationml/2006/main" matchingName="Title and body" type="tx">
   <p:cSld name="TITLE_AND_BODY">
     <p:spTree>
       <p:nvGrpSpPr>
-        <p:cNvPr id="16" name="Shape 16"/>
+        <p:cNvPr id="1" name="Shape 16"/>
         <p:cNvGrpSpPr/>
         <p:nvPr/>
       </p:nvGrpSpPr>
@@ -2783,7 +2874,9 @@
       <p:sp>
         <p:nvSpPr>
           <p:cNvPr id="17" name="Google Shape;17;p4"/>
-          <p:cNvSpPr txBox="1"/>
+          <p:cNvSpPr txBox="1">
+            <a:spLocks noGrp="1"/>
+          </p:cNvSpPr>
           <p:nvPr>
             <p:ph type="title"/>
           </p:nvPr>
@@ -2798,7 +2891,7 @@
           </a:prstGeom>
         </p:spPr>
         <p:txBody>
-          <a:bodyPr anchorCtr="0" anchor="t" bIns="91425" lIns="91425" spcFirstLastPara="1" rIns="91425" wrap="square" tIns="91425">
+          <a:bodyPr spcFirstLastPara="1" wrap="square" lIns="91425" tIns="91425" rIns="91425" bIns="91425" anchor="t" anchorCtr="0">
             <a:normAutofit/>
           </a:bodyPr>
           <a:lstStyle>
@@ -2902,15 +2995,19 @@
               <a:defRPr/>
             </a:lvl9pPr>
           </a:lstStyle>
-          <a:p/>
+          <a:p>
+            <a:endParaRPr/>
+          </a:p>
         </p:txBody>
       </p:sp>
       <p:sp>
         <p:nvSpPr>
           <p:cNvPr id="18" name="Google Shape;18;p4"/>
-          <p:cNvSpPr txBox="1"/>
+          <p:cNvSpPr txBox="1">
+            <a:spLocks noGrp="1"/>
+          </p:cNvSpPr>
           <p:nvPr>
-            <p:ph idx="1" type="body"/>
+            <p:ph type="body" idx="1"/>
           </p:nvPr>
         </p:nvSpPr>
         <p:spPr>
@@ -2923,11 +3020,11 @@
           </a:prstGeom>
         </p:spPr>
         <p:txBody>
-          <a:bodyPr anchorCtr="0" anchor="t" bIns="91425" lIns="91425" spcFirstLastPara="1" rIns="91425" wrap="square" tIns="91425">
+          <a:bodyPr spcFirstLastPara="1" wrap="square" lIns="91425" tIns="91425" rIns="91425" bIns="91425" anchor="t" anchorCtr="0">
             <a:normAutofit/>
           </a:bodyPr>
           <a:lstStyle>
-            <a:lvl1pPr indent="-342900" lvl="0" marL="457200">
+            <a:lvl1pPr marL="457200" lvl="0" indent="-342900">
               <a:spcBef>
                 <a:spcPts val="0"/>
               </a:spcBef>
@@ -2938,7 +3035,7 @@
               <a:buChar char="●"/>
               <a:defRPr/>
             </a:lvl1pPr>
-            <a:lvl2pPr indent="-317500" lvl="1" marL="914400">
+            <a:lvl2pPr marL="914400" lvl="1" indent="-317500">
               <a:spcBef>
                 <a:spcPts val="0"/>
               </a:spcBef>
@@ -2949,7 +3046,7 @@
               <a:buChar char="○"/>
               <a:defRPr/>
             </a:lvl2pPr>
-            <a:lvl3pPr indent="-317500" lvl="2" marL="1371600">
+            <a:lvl3pPr marL="1371600" lvl="2" indent="-317500">
               <a:spcBef>
                 <a:spcPts val="0"/>
               </a:spcBef>
@@ -2960,7 +3057,7 @@
               <a:buChar char="■"/>
               <a:defRPr/>
             </a:lvl3pPr>
-            <a:lvl4pPr indent="-317500" lvl="3" marL="1828800">
+            <a:lvl4pPr marL="1828800" lvl="3" indent="-317500">
               <a:spcBef>
                 <a:spcPts val="0"/>
               </a:spcBef>
@@ -2971,7 +3068,7 @@
               <a:buChar char="●"/>
               <a:defRPr/>
             </a:lvl4pPr>
-            <a:lvl5pPr indent="-317500" lvl="4" marL="2286000">
+            <a:lvl5pPr marL="2286000" lvl="4" indent="-317500">
               <a:spcBef>
                 <a:spcPts val="0"/>
               </a:spcBef>
@@ -2982,7 +3079,7 @@
               <a:buChar char="○"/>
               <a:defRPr/>
             </a:lvl5pPr>
-            <a:lvl6pPr indent="-317500" lvl="5" marL="2743200">
+            <a:lvl6pPr marL="2743200" lvl="5" indent="-317500">
               <a:spcBef>
                 <a:spcPts val="0"/>
               </a:spcBef>
@@ -2993,7 +3090,7 @@
               <a:buChar char="■"/>
               <a:defRPr/>
             </a:lvl6pPr>
-            <a:lvl7pPr indent="-317500" lvl="6" marL="3200400">
+            <a:lvl7pPr marL="3200400" lvl="6" indent="-317500">
               <a:spcBef>
                 <a:spcPts val="0"/>
               </a:spcBef>
@@ -3004,7 +3101,7 @@
               <a:buChar char="●"/>
               <a:defRPr/>
             </a:lvl7pPr>
-            <a:lvl8pPr indent="-317500" lvl="7" marL="3657600">
+            <a:lvl8pPr marL="3657600" lvl="7" indent="-317500">
               <a:spcBef>
                 <a:spcPts val="0"/>
               </a:spcBef>
@@ -3015,7 +3112,7 @@
               <a:buChar char="○"/>
               <a:defRPr/>
             </a:lvl8pPr>
-            <a:lvl9pPr indent="-317500" lvl="8" marL="4114800">
+            <a:lvl9pPr marL="4114800" lvl="8" indent="-317500">
               <a:spcBef>
                 <a:spcPts val="0"/>
               </a:spcBef>
@@ -3027,15 +3124,19 @@
               <a:defRPr/>
             </a:lvl9pPr>
           </a:lstStyle>
-          <a:p/>
+          <a:p>
+            <a:endParaRPr/>
+          </a:p>
         </p:txBody>
       </p:sp>
       <p:sp>
         <p:nvSpPr>
           <p:cNvPr id="19" name="Google Shape;19;p4"/>
-          <p:cNvSpPr txBox="1"/>
+          <p:cNvSpPr txBox="1">
+            <a:spLocks noGrp="1"/>
+          </p:cNvSpPr>
           <p:nvPr>
-            <p:ph idx="12" type="sldNum"/>
+            <p:ph type="sldNum" idx="12"/>
           </p:nvPr>
         </p:nvSpPr>
         <p:spPr>
@@ -3048,7 +3149,7 @@
           </a:prstGeom>
         </p:spPr>
         <p:txBody>
-          <a:bodyPr anchorCtr="0" anchor="ctr" bIns="91425" lIns="91425" spcFirstLastPara="1" rIns="91425" wrap="square" tIns="91425">
+          <a:bodyPr spcFirstLastPara="1" wrap="square" lIns="91425" tIns="91425" rIns="91425" bIns="91425" anchor="ctr" anchorCtr="0">
             <a:normAutofit/>
           </a:bodyPr>
           <a:lstStyle>
@@ -3090,7 +3191,7 @@
             </a:lvl9pPr>
           </a:lstStyle>
           <a:p>
-            <a:pPr indent="0" lvl="0" marL="0" rtl="0" algn="r">
+            <a:pPr marL="0" lvl="0" indent="0" algn="r" rtl="0">
               <a:spcBef>
                 <a:spcPts val="0"/>
               </a:spcBef>
@@ -3116,11 +3217,11 @@
 </file>
 
 <file path=ppt/slideLayouts/slideLayout4.xml><?xml version="1.0" encoding="utf-8"?>
-<p:sldLayout xmlns:a="http://schemas.openxmlformats.org/drawingml/2006/main" xmlns:r="http://schemas.openxmlformats.org/officeDocument/2006/relationships" xmlns:mc="http://schemas.openxmlformats.org/markup-compatibility/2006" xmlns:mv="urn:schemas-microsoft-com:mac:vml" xmlns:p="http://schemas.openxmlformats.org/presentationml/2006/main" xmlns:c="http://schemas.openxmlformats.org/drawingml/2006/chart" xmlns:dgm="http://schemas.openxmlformats.org/drawingml/2006/diagram" xmlns:o="urn:schemas-microsoft-com:office:office" xmlns:v="urn:schemas-microsoft-com:vml" xmlns:pvml="urn:schemas-microsoft-com:office:powerpoint" xmlns:com="http://schemas.openxmlformats.org/drawingml/2006/compatibility" xmlns:p14="http://schemas.microsoft.com/office/powerpoint/2010/main" xmlns:p15="http://schemas.microsoft.com/office/powerpoint/2012/main" xmlns:ahyp="http://schemas.microsoft.com/office/drawing/2018/hyperlinkcolor" matchingName="Title and two columns" type="twoColTx">
+<p:sldLayout xmlns:a="http://schemas.openxmlformats.org/drawingml/2006/main" xmlns:r="http://schemas.openxmlformats.org/officeDocument/2006/relationships" xmlns:p="http://schemas.openxmlformats.org/presentationml/2006/main" matchingName="Title and two columns" type="twoColTx">
   <p:cSld name="TITLE_AND_TWO_COLUMNS">
     <p:spTree>
       <p:nvGrpSpPr>
-        <p:cNvPr id="20" name="Shape 20"/>
+        <p:cNvPr id="1" name="Shape 20"/>
         <p:cNvGrpSpPr/>
         <p:nvPr/>
       </p:nvGrpSpPr>
@@ -3135,7 +3236,9 @@
       <p:sp>
         <p:nvSpPr>
           <p:cNvPr id="21" name="Google Shape;21;p5"/>
-          <p:cNvSpPr txBox="1"/>
+          <p:cNvSpPr txBox="1">
+            <a:spLocks noGrp="1"/>
+          </p:cNvSpPr>
           <p:nvPr>
             <p:ph type="title"/>
           </p:nvPr>
@@ -3150,7 +3253,7 @@
           </a:prstGeom>
         </p:spPr>
         <p:txBody>
-          <a:bodyPr anchorCtr="0" anchor="t" bIns="91425" lIns="91425" spcFirstLastPara="1" rIns="91425" wrap="square" tIns="91425">
+          <a:bodyPr spcFirstLastPara="1" wrap="square" lIns="91425" tIns="91425" rIns="91425" bIns="91425" anchor="t" anchorCtr="0">
             <a:normAutofit/>
           </a:bodyPr>
           <a:lstStyle>
@@ -3254,15 +3357,19 @@
               <a:defRPr/>
             </a:lvl9pPr>
           </a:lstStyle>
-          <a:p/>
+          <a:p>
+            <a:endParaRPr/>
+          </a:p>
         </p:txBody>
       </p:sp>
       <p:sp>
         <p:nvSpPr>
           <p:cNvPr id="22" name="Google Shape;22;p5"/>
-          <p:cNvSpPr txBox="1"/>
+          <p:cNvSpPr txBox="1">
+            <a:spLocks noGrp="1"/>
+          </p:cNvSpPr>
           <p:nvPr>
-            <p:ph idx="1" type="body"/>
+            <p:ph type="body" idx="1"/>
           </p:nvPr>
         </p:nvSpPr>
         <p:spPr>
@@ -3275,11 +3382,11 @@
           </a:prstGeom>
         </p:spPr>
         <p:txBody>
-          <a:bodyPr anchorCtr="0" anchor="t" bIns="91425" lIns="91425" spcFirstLastPara="1" rIns="91425" wrap="square" tIns="91425">
+          <a:bodyPr spcFirstLastPara="1" wrap="square" lIns="91425" tIns="91425" rIns="91425" bIns="91425" anchor="t" anchorCtr="0">
             <a:normAutofit/>
           </a:bodyPr>
           <a:lstStyle>
-            <a:lvl1pPr indent="-317500" lvl="0" marL="457200">
+            <a:lvl1pPr marL="457200" lvl="0" indent="-317500">
               <a:spcBef>
                 <a:spcPts val="0"/>
               </a:spcBef>
@@ -3290,7 +3397,7 @@
               <a:buChar char="●"/>
               <a:defRPr sz="1400"/>
             </a:lvl1pPr>
-            <a:lvl2pPr indent="-304800" lvl="1" marL="914400">
+            <a:lvl2pPr marL="914400" lvl="1" indent="-304800">
               <a:spcBef>
                 <a:spcPts val="0"/>
               </a:spcBef>
@@ -3301,7 +3408,7 @@
               <a:buChar char="○"/>
               <a:defRPr sz="1200"/>
             </a:lvl2pPr>
-            <a:lvl3pPr indent="-304800" lvl="2" marL="1371600">
+            <a:lvl3pPr marL="1371600" lvl="2" indent="-304800">
               <a:spcBef>
                 <a:spcPts val="0"/>
               </a:spcBef>
@@ -3312,7 +3419,7 @@
               <a:buChar char="■"/>
               <a:defRPr sz="1200"/>
             </a:lvl3pPr>
-            <a:lvl4pPr indent="-304800" lvl="3" marL="1828800">
+            <a:lvl4pPr marL="1828800" lvl="3" indent="-304800">
               <a:spcBef>
                 <a:spcPts val="0"/>
               </a:spcBef>
@@ -3323,7 +3430,7 @@
               <a:buChar char="●"/>
               <a:defRPr sz="1200"/>
             </a:lvl4pPr>
-            <a:lvl5pPr indent="-304800" lvl="4" marL="2286000">
+            <a:lvl5pPr marL="2286000" lvl="4" indent="-304800">
               <a:spcBef>
                 <a:spcPts val="0"/>
               </a:spcBef>
@@ -3334,7 +3441,7 @@
               <a:buChar char="○"/>
               <a:defRPr sz="1200"/>
             </a:lvl5pPr>
-            <a:lvl6pPr indent="-304800" lvl="5" marL="2743200">
+            <a:lvl6pPr marL="2743200" lvl="5" indent="-304800">
               <a:spcBef>
                 <a:spcPts val="0"/>
               </a:spcBef>
@@ -3345,7 +3452,7 @@
               <a:buChar char="■"/>
               <a:defRPr sz="1200"/>
             </a:lvl6pPr>
-            <a:lvl7pPr indent="-304800" lvl="6" marL="3200400">
+            <a:lvl7pPr marL="3200400" lvl="6" indent="-304800">
               <a:spcBef>
                 <a:spcPts val="0"/>
               </a:spcBef>
@@ -3356,7 +3463,7 @@
               <a:buChar char="●"/>
               <a:defRPr sz="1200"/>
             </a:lvl7pPr>
-            <a:lvl8pPr indent="-304800" lvl="7" marL="3657600">
+            <a:lvl8pPr marL="3657600" lvl="7" indent="-304800">
               <a:spcBef>
                 <a:spcPts val="0"/>
               </a:spcBef>
@@ -3367,7 +3474,7 @@
               <a:buChar char="○"/>
               <a:defRPr sz="1200"/>
             </a:lvl8pPr>
-            <a:lvl9pPr indent="-304800" lvl="8" marL="4114800">
+            <a:lvl9pPr marL="4114800" lvl="8" indent="-304800">
               <a:spcBef>
                 <a:spcPts val="0"/>
               </a:spcBef>
@@ -3379,15 +3486,19 @@
               <a:defRPr sz="1200"/>
             </a:lvl9pPr>
           </a:lstStyle>
-          <a:p/>
+          <a:p>
+            <a:endParaRPr/>
+          </a:p>
         </p:txBody>
       </p:sp>
       <p:sp>
         <p:nvSpPr>
           <p:cNvPr id="23" name="Google Shape;23;p5"/>
-          <p:cNvSpPr txBox="1"/>
+          <p:cNvSpPr txBox="1">
+            <a:spLocks noGrp="1"/>
+          </p:cNvSpPr>
           <p:nvPr>
-            <p:ph idx="2" type="body"/>
+            <p:ph type="body" idx="2"/>
           </p:nvPr>
         </p:nvSpPr>
         <p:spPr>
@@ -3400,11 +3511,11 @@
           </a:prstGeom>
         </p:spPr>
         <p:txBody>
-          <a:bodyPr anchorCtr="0" anchor="t" bIns="91425" lIns="91425" spcFirstLastPara="1" rIns="91425" wrap="square" tIns="91425">
+          <a:bodyPr spcFirstLastPara="1" wrap="square" lIns="91425" tIns="91425" rIns="91425" bIns="91425" anchor="t" anchorCtr="0">
             <a:normAutofit/>
           </a:bodyPr>
           <a:lstStyle>
-            <a:lvl1pPr indent="-317500" lvl="0" marL="457200">
+            <a:lvl1pPr marL="457200" lvl="0" indent="-317500">
               <a:spcBef>
                 <a:spcPts val="0"/>
               </a:spcBef>
@@ -3415,7 +3526,7 @@
               <a:buChar char="●"/>
               <a:defRPr sz="1400"/>
             </a:lvl1pPr>
-            <a:lvl2pPr indent="-304800" lvl="1" marL="914400">
+            <a:lvl2pPr marL="914400" lvl="1" indent="-304800">
               <a:spcBef>
                 <a:spcPts val="0"/>
               </a:spcBef>
@@ -3426,7 +3537,7 @@
               <a:buChar char="○"/>
               <a:defRPr sz="1200"/>
             </a:lvl2pPr>
-            <a:lvl3pPr indent="-304800" lvl="2" marL="1371600">
+            <a:lvl3pPr marL="1371600" lvl="2" indent="-304800">
               <a:spcBef>
                 <a:spcPts val="0"/>
               </a:spcBef>
@@ -3437,7 +3548,7 @@
               <a:buChar char="■"/>
               <a:defRPr sz="1200"/>
             </a:lvl3pPr>
-            <a:lvl4pPr indent="-304800" lvl="3" marL="1828800">
+            <a:lvl4pPr marL="1828800" lvl="3" indent="-304800">
               <a:spcBef>
                 <a:spcPts val="0"/>
               </a:spcBef>
@@ -3448,7 +3559,7 @@
               <a:buChar char="●"/>
               <a:defRPr sz="1200"/>
             </a:lvl4pPr>
-            <a:lvl5pPr indent="-304800" lvl="4" marL="2286000">
+            <a:lvl5pPr marL="2286000" lvl="4" indent="-304800">
               <a:spcBef>
                 <a:spcPts val="0"/>
               </a:spcBef>
@@ -3459,7 +3570,7 @@
               <a:buChar char="○"/>
               <a:defRPr sz="1200"/>
             </a:lvl5pPr>
-            <a:lvl6pPr indent="-304800" lvl="5" marL="2743200">
+            <a:lvl6pPr marL="2743200" lvl="5" indent="-304800">
               <a:spcBef>
                 <a:spcPts val="0"/>
               </a:spcBef>
@@ -3470,7 +3581,7 @@
               <a:buChar char="■"/>
               <a:defRPr sz="1200"/>
             </a:lvl6pPr>
-            <a:lvl7pPr indent="-304800" lvl="6" marL="3200400">
+            <a:lvl7pPr marL="3200400" lvl="6" indent="-304800">
               <a:spcBef>
                 <a:spcPts val="0"/>
               </a:spcBef>
@@ -3481,7 +3592,7 @@
               <a:buChar char="●"/>
               <a:defRPr sz="1200"/>
             </a:lvl7pPr>
-            <a:lvl8pPr indent="-304800" lvl="7" marL="3657600">
+            <a:lvl8pPr marL="3657600" lvl="7" indent="-304800">
               <a:spcBef>
                 <a:spcPts val="0"/>
               </a:spcBef>
@@ -3492,7 +3603,7 @@
               <a:buChar char="○"/>
               <a:defRPr sz="1200"/>
             </a:lvl8pPr>
-            <a:lvl9pPr indent="-304800" lvl="8" marL="4114800">
+            <a:lvl9pPr marL="4114800" lvl="8" indent="-304800">
               <a:spcBef>
                 <a:spcPts val="0"/>
               </a:spcBef>
@@ -3504,15 +3615,19 @@
               <a:defRPr sz="1200"/>
             </a:lvl9pPr>
           </a:lstStyle>
-          <a:p/>
+          <a:p>
+            <a:endParaRPr/>
+          </a:p>
         </p:txBody>
       </p:sp>
       <p:sp>
         <p:nvSpPr>
           <p:cNvPr id="24" name="Google Shape;24;p5"/>
-          <p:cNvSpPr txBox="1"/>
+          <p:cNvSpPr txBox="1">
+            <a:spLocks noGrp="1"/>
+          </p:cNvSpPr>
           <p:nvPr>
-            <p:ph idx="12" type="sldNum"/>
+            <p:ph type="sldNum" idx="12"/>
           </p:nvPr>
         </p:nvSpPr>
         <p:spPr>
@@ -3525,7 +3640,7 @@
           </a:prstGeom>
         </p:spPr>
         <p:txBody>
-          <a:bodyPr anchorCtr="0" anchor="ctr" bIns="91425" lIns="91425" spcFirstLastPara="1" rIns="91425" wrap="square" tIns="91425">
+          <a:bodyPr spcFirstLastPara="1" wrap="square" lIns="91425" tIns="91425" rIns="91425" bIns="91425" anchor="ctr" anchorCtr="0">
             <a:normAutofit/>
           </a:bodyPr>
           <a:lstStyle>
@@ -3567,7 +3682,7 @@
             </a:lvl9pPr>
           </a:lstStyle>
           <a:p>
-            <a:pPr indent="0" lvl="0" marL="0" rtl="0" algn="r">
+            <a:pPr marL="0" lvl="0" indent="0" algn="r" rtl="0">
               <a:spcBef>
                 <a:spcPts val="0"/>
               </a:spcBef>
@@ -3593,11 +3708,11 @@
 </file>
 
 <file path=ppt/slideLayouts/slideLayout5.xml><?xml version="1.0" encoding="utf-8"?>
-<p:sldLayout xmlns:a="http://schemas.openxmlformats.org/drawingml/2006/main" xmlns:r="http://schemas.openxmlformats.org/officeDocument/2006/relationships" xmlns:mc="http://schemas.openxmlformats.org/markup-compatibility/2006" xmlns:mv="urn:schemas-microsoft-com:mac:vml" xmlns:p="http://schemas.openxmlformats.org/presentationml/2006/main" xmlns:c="http://schemas.openxmlformats.org/drawingml/2006/chart" xmlns:dgm="http://schemas.openxmlformats.org/drawingml/2006/diagram" xmlns:o="urn:schemas-microsoft-com:office:office" xmlns:v="urn:schemas-microsoft-com:vml" xmlns:pvml="urn:schemas-microsoft-com:office:powerpoint" xmlns:com="http://schemas.openxmlformats.org/drawingml/2006/compatibility" xmlns:p14="http://schemas.microsoft.com/office/powerpoint/2010/main" xmlns:p15="http://schemas.microsoft.com/office/powerpoint/2012/main" xmlns:ahyp="http://schemas.microsoft.com/office/drawing/2018/hyperlinkcolor" matchingName="Title only" type="titleOnly">
+<p:sldLayout xmlns:a="http://schemas.openxmlformats.org/drawingml/2006/main" xmlns:r="http://schemas.openxmlformats.org/officeDocument/2006/relationships" xmlns:p="http://schemas.openxmlformats.org/presentationml/2006/main" matchingName="Title only" type="titleOnly">
   <p:cSld name="TITLE_ONLY">
     <p:spTree>
       <p:nvGrpSpPr>
-        <p:cNvPr id="25" name="Shape 25"/>
+        <p:cNvPr id="1" name="Shape 25"/>
         <p:cNvGrpSpPr/>
         <p:nvPr/>
       </p:nvGrpSpPr>
@@ -3612,7 +3727,9 @@
       <p:sp>
         <p:nvSpPr>
           <p:cNvPr id="26" name="Google Shape;26;p6"/>
-          <p:cNvSpPr txBox="1"/>
+          <p:cNvSpPr txBox="1">
+            <a:spLocks noGrp="1"/>
+          </p:cNvSpPr>
           <p:nvPr>
             <p:ph type="title"/>
           </p:nvPr>
@@ -3627,7 +3744,7 @@
           </a:prstGeom>
         </p:spPr>
         <p:txBody>
-          <a:bodyPr anchorCtr="0" anchor="t" bIns="91425" lIns="91425" spcFirstLastPara="1" rIns="91425" wrap="square" tIns="91425">
+          <a:bodyPr spcFirstLastPara="1" wrap="square" lIns="91425" tIns="91425" rIns="91425" bIns="91425" anchor="t" anchorCtr="0">
             <a:normAutofit/>
           </a:bodyPr>
           <a:lstStyle>
@@ -3731,15 +3848,19 @@
               <a:defRPr/>
             </a:lvl9pPr>
           </a:lstStyle>
-          <a:p/>
+          <a:p>
+            <a:endParaRPr/>
+          </a:p>
         </p:txBody>
       </p:sp>
       <p:sp>
         <p:nvSpPr>
           <p:cNvPr id="27" name="Google Shape;27;p6"/>
-          <p:cNvSpPr txBox="1"/>
+          <p:cNvSpPr txBox="1">
+            <a:spLocks noGrp="1"/>
+          </p:cNvSpPr>
           <p:nvPr>
-            <p:ph idx="12" type="sldNum"/>
+            <p:ph type="sldNum" idx="12"/>
           </p:nvPr>
         </p:nvSpPr>
         <p:spPr>
@@ -3752,7 +3873,7 @@
           </a:prstGeom>
         </p:spPr>
         <p:txBody>
-          <a:bodyPr anchorCtr="0" anchor="ctr" bIns="91425" lIns="91425" spcFirstLastPara="1" rIns="91425" wrap="square" tIns="91425">
+          <a:bodyPr spcFirstLastPara="1" wrap="square" lIns="91425" tIns="91425" rIns="91425" bIns="91425" anchor="ctr" anchorCtr="0">
             <a:normAutofit/>
           </a:bodyPr>
           <a:lstStyle>
@@ -3794,7 +3915,7 @@
             </a:lvl9pPr>
           </a:lstStyle>
           <a:p>
-            <a:pPr indent="0" lvl="0" marL="0" rtl="0" algn="r">
+            <a:pPr marL="0" lvl="0" indent="0" algn="r" rtl="0">
               <a:spcBef>
                 <a:spcPts val="0"/>
               </a:spcBef>
@@ -3820,11 +3941,11 @@
 </file>
 
 <file path=ppt/slideLayouts/slideLayout6.xml><?xml version="1.0" encoding="utf-8"?>
-<p:sldLayout xmlns:a="http://schemas.openxmlformats.org/drawingml/2006/main" xmlns:r="http://schemas.openxmlformats.org/officeDocument/2006/relationships" xmlns:mc="http://schemas.openxmlformats.org/markup-compatibility/2006" xmlns:mv="urn:schemas-microsoft-com:mac:vml" xmlns:p="http://schemas.openxmlformats.org/presentationml/2006/main" xmlns:c="http://schemas.openxmlformats.org/drawingml/2006/chart" xmlns:dgm="http://schemas.openxmlformats.org/drawingml/2006/diagram" xmlns:o="urn:schemas-microsoft-com:office:office" xmlns:v="urn:schemas-microsoft-com:vml" xmlns:pvml="urn:schemas-microsoft-com:office:powerpoint" xmlns:com="http://schemas.openxmlformats.org/drawingml/2006/compatibility" xmlns:p14="http://schemas.microsoft.com/office/powerpoint/2010/main" xmlns:p15="http://schemas.microsoft.com/office/powerpoint/2012/main" xmlns:ahyp="http://schemas.microsoft.com/office/drawing/2018/hyperlinkcolor" matchingName="One column text">
+<p:sldLayout xmlns:a="http://schemas.openxmlformats.org/drawingml/2006/main" xmlns:r="http://schemas.openxmlformats.org/officeDocument/2006/relationships" xmlns:p="http://schemas.openxmlformats.org/presentationml/2006/main" matchingName="One column text">
   <p:cSld name="ONE_COLUMN_TEXT">
     <p:spTree>
       <p:nvGrpSpPr>
-        <p:cNvPr id="28" name="Shape 28"/>
+        <p:cNvPr id="1" name="Shape 28"/>
         <p:cNvGrpSpPr/>
         <p:nvPr/>
       </p:nvGrpSpPr>
@@ -3839,7 +3960,9 @@
       <p:sp>
         <p:nvSpPr>
           <p:cNvPr id="29" name="Google Shape;29;p7"/>
-          <p:cNvSpPr txBox="1"/>
+          <p:cNvSpPr txBox="1">
+            <a:spLocks noGrp="1"/>
+          </p:cNvSpPr>
           <p:nvPr>
             <p:ph type="title"/>
           </p:nvPr>
@@ -3854,7 +3977,7 @@
           </a:prstGeom>
         </p:spPr>
         <p:txBody>
-          <a:bodyPr anchorCtr="0" anchor="b" bIns="91425" lIns="91425" spcFirstLastPara="1" rIns="91425" wrap="square" tIns="91425">
+          <a:bodyPr spcFirstLastPara="1" wrap="square" lIns="91425" tIns="91425" rIns="91425" bIns="91425" anchor="b" anchorCtr="0">
             <a:normAutofit/>
           </a:bodyPr>
           <a:lstStyle>
@@ -3958,15 +4081,19 @@
               <a:defRPr sz="2400"/>
             </a:lvl9pPr>
           </a:lstStyle>
-          <a:p/>
+          <a:p>
+            <a:endParaRPr/>
+          </a:p>
         </p:txBody>
       </p:sp>
       <p:sp>
         <p:nvSpPr>
           <p:cNvPr id="30" name="Google Shape;30;p7"/>
-          <p:cNvSpPr txBox="1"/>
+          <p:cNvSpPr txBox="1">
+            <a:spLocks noGrp="1"/>
+          </p:cNvSpPr>
           <p:nvPr>
-            <p:ph idx="1" type="body"/>
+            <p:ph type="body" idx="1"/>
           </p:nvPr>
         </p:nvSpPr>
         <p:spPr>
@@ -3979,11 +4106,11 @@
           </a:prstGeom>
         </p:spPr>
         <p:txBody>
-          <a:bodyPr anchorCtr="0" anchor="t" bIns="91425" lIns="91425" spcFirstLastPara="1" rIns="91425" wrap="square" tIns="91425">
+          <a:bodyPr spcFirstLastPara="1" wrap="square" lIns="91425" tIns="91425" rIns="91425" bIns="91425" anchor="t" anchorCtr="0">
             <a:normAutofit/>
           </a:bodyPr>
           <a:lstStyle>
-            <a:lvl1pPr indent="-304800" lvl="0" marL="457200">
+            <a:lvl1pPr marL="457200" lvl="0" indent="-304800">
               <a:spcBef>
                 <a:spcPts val="0"/>
               </a:spcBef>
@@ -3994,7 +4121,7 @@
               <a:buChar char="●"/>
               <a:defRPr sz="1200"/>
             </a:lvl1pPr>
-            <a:lvl2pPr indent="-304800" lvl="1" marL="914400">
+            <a:lvl2pPr marL="914400" lvl="1" indent="-304800">
               <a:spcBef>
                 <a:spcPts val="0"/>
               </a:spcBef>
@@ -4005,7 +4132,7 @@
               <a:buChar char="○"/>
               <a:defRPr sz="1200"/>
             </a:lvl2pPr>
-            <a:lvl3pPr indent="-304800" lvl="2" marL="1371600">
+            <a:lvl3pPr marL="1371600" lvl="2" indent="-304800">
               <a:spcBef>
                 <a:spcPts val="0"/>
               </a:spcBef>
@@ -4016,7 +4143,7 @@
               <a:buChar char="■"/>
               <a:defRPr sz="1200"/>
             </a:lvl3pPr>
-            <a:lvl4pPr indent="-304800" lvl="3" marL="1828800">
+            <a:lvl4pPr marL="1828800" lvl="3" indent="-304800">
               <a:spcBef>
                 <a:spcPts val="0"/>
               </a:spcBef>
@@ -4027,7 +4154,7 @@
               <a:buChar char="●"/>
               <a:defRPr sz="1200"/>
             </a:lvl4pPr>
-            <a:lvl5pPr indent="-304800" lvl="4" marL="2286000">
+            <a:lvl5pPr marL="2286000" lvl="4" indent="-304800">
               <a:spcBef>
                 <a:spcPts val="0"/>
               </a:spcBef>
@@ -4038,7 +4165,7 @@
               <a:buChar char="○"/>
               <a:defRPr sz="1200"/>
             </a:lvl5pPr>
-            <a:lvl6pPr indent="-304800" lvl="5" marL="2743200">
+            <a:lvl6pPr marL="2743200" lvl="5" indent="-304800">
               <a:spcBef>
                 <a:spcPts val="0"/>
               </a:spcBef>
@@ -4049,7 +4176,7 @@
               <a:buChar char="■"/>
               <a:defRPr sz="1200"/>
             </a:lvl6pPr>
-            <a:lvl7pPr indent="-304800" lvl="6" marL="3200400">
+            <a:lvl7pPr marL="3200400" lvl="6" indent="-304800">
               <a:spcBef>
                 <a:spcPts val="0"/>
               </a:spcBef>
@@ -4060,7 +4187,7 @@
               <a:buChar char="●"/>
               <a:defRPr sz="1200"/>
             </a:lvl7pPr>
-            <a:lvl8pPr indent="-304800" lvl="7" marL="3657600">
+            <a:lvl8pPr marL="3657600" lvl="7" indent="-304800">
               <a:spcBef>
                 <a:spcPts val="0"/>
               </a:spcBef>
@@ -4071,7 +4198,7 @@
               <a:buChar char="○"/>
               <a:defRPr sz="1200"/>
             </a:lvl8pPr>
-            <a:lvl9pPr indent="-304800" lvl="8" marL="4114800">
+            <a:lvl9pPr marL="4114800" lvl="8" indent="-304800">
               <a:spcBef>
                 <a:spcPts val="0"/>
               </a:spcBef>
@@ -4083,15 +4210,19 @@
               <a:defRPr sz="1200"/>
             </a:lvl9pPr>
           </a:lstStyle>
-          <a:p/>
+          <a:p>
+            <a:endParaRPr/>
+          </a:p>
         </p:txBody>
       </p:sp>
       <p:sp>
         <p:nvSpPr>
           <p:cNvPr id="31" name="Google Shape;31;p7"/>
-          <p:cNvSpPr txBox="1"/>
+          <p:cNvSpPr txBox="1">
+            <a:spLocks noGrp="1"/>
+          </p:cNvSpPr>
           <p:nvPr>
-            <p:ph idx="12" type="sldNum"/>
+            <p:ph type="sldNum" idx="12"/>
           </p:nvPr>
         </p:nvSpPr>
         <p:spPr>
@@ -4104,7 +4235,7 @@
           </a:prstGeom>
         </p:spPr>
         <p:txBody>
-          <a:bodyPr anchorCtr="0" anchor="ctr" bIns="91425" lIns="91425" spcFirstLastPara="1" rIns="91425" wrap="square" tIns="91425">
+          <a:bodyPr spcFirstLastPara="1" wrap="square" lIns="91425" tIns="91425" rIns="91425" bIns="91425" anchor="ctr" anchorCtr="0">
             <a:normAutofit/>
           </a:bodyPr>
           <a:lstStyle>
@@ -4146,7 +4277,7 @@
             </a:lvl9pPr>
           </a:lstStyle>
           <a:p>
-            <a:pPr indent="0" lvl="0" marL="0" rtl="0" algn="r">
+            <a:pPr marL="0" lvl="0" indent="0" algn="r" rtl="0">
               <a:spcBef>
                 <a:spcPts val="0"/>
               </a:spcBef>
@@ -4172,11 +4303,11 @@
 </file>
 
 <file path=ppt/slideLayouts/slideLayout7.xml><?xml version="1.0" encoding="utf-8"?>
-<p:sldLayout xmlns:a="http://schemas.openxmlformats.org/drawingml/2006/main" xmlns:r="http://schemas.openxmlformats.org/officeDocument/2006/relationships" xmlns:mc="http://schemas.openxmlformats.org/markup-compatibility/2006" xmlns:mv="urn:schemas-microsoft-com:mac:vml" xmlns:p="http://schemas.openxmlformats.org/presentationml/2006/main" xmlns:c="http://schemas.openxmlformats.org/drawingml/2006/chart" xmlns:dgm="http://schemas.openxmlformats.org/drawingml/2006/diagram" xmlns:o="urn:schemas-microsoft-com:office:office" xmlns:v="urn:schemas-microsoft-com:vml" xmlns:pvml="urn:schemas-microsoft-com:office:powerpoint" xmlns:com="http://schemas.openxmlformats.org/drawingml/2006/compatibility" xmlns:p14="http://schemas.microsoft.com/office/powerpoint/2010/main" xmlns:p15="http://schemas.microsoft.com/office/powerpoint/2012/main" xmlns:ahyp="http://schemas.microsoft.com/office/drawing/2018/hyperlinkcolor" matchingName="Main point">
+<p:sldLayout xmlns:a="http://schemas.openxmlformats.org/drawingml/2006/main" xmlns:r="http://schemas.openxmlformats.org/officeDocument/2006/relationships" xmlns:p="http://schemas.openxmlformats.org/presentationml/2006/main" matchingName="Main point">
   <p:cSld name="MAIN_POINT">
     <p:spTree>
       <p:nvGrpSpPr>
-        <p:cNvPr id="32" name="Shape 32"/>
+        <p:cNvPr id="1" name="Shape 32"/>
         <p:cNvGrpSpPr/>
         <p:nvPr/>
       </p:nvGrpSpPr>
@@ -4191,7 +4322,9 @@
       <p:sp>
         <p:nvSpPr>
           <p:cNvPr id="33" name="Google Shape;33;p8"/>
-          <p:cNvSpPr txBox="1"/>
+          <p:cNvSpPr txBox="1">
+            <a:spLocks noGrp="1"/>
+          </p:cNvSpPr>
           <p:nvPr>
             <p:ph type="title"/>
           </p:nvPr>
@@ -4206,7 +4339,7 @@
           </a:prstGeom>
         </p:spPr>
         <p:txBody>
-          <a:bodyPr anchorCtr="0" anchor="ctr" bIns="91425" lIns="91425" spcFirstLastPara="1" rIns="91425" wrap="square" tIns="91425">
+          <a:bodyPr spcFirstLastPara="1" wrap="square" lIns="91425" tIns="91425" rIns="91425" bIns="91425" anchor="ctr" anchorCtr="0">
             <a:normAutofit/>
           </a:bodyPr>
           <a:lstStyle>
@@ -4310,15 +4443,19 @@
               <a:defRPr sz="4800"/>
             </a:lvl9pPr>
           </a:lstStyle>
-          <a:p/>
+          <a:p>
+            <a:endParaRPr/>
+          </a:p>
         </p:txBody>
       </p:sp>
       <p:sp>
         <p:nvSpPr>
           <p:cNvPr id="34" name="Google Shape;34;p8"/>
-          <p:cNvSpPr txBox="1"/>
+          <p:cNvSpPr txBox="1">
+            <a:spLocks noGrp="1"/>
+          </p:cNvSpPr>
           <p:nvPr>
-            <p:ph idx="12" type="sldNum"/>
+            <p:ph type="sldNum" idx="12"/>
           </p:nvPr>
         </p:nvSpPr>
         <p:spPr>
@@ -4331,7 +4468,7 @@
           </a:prstGeom>
         </p:spPr>
         <p:txBody>
-          <a:bodyPr anchorCtr="0" anchor="ctr" bIns="91425" lIns="91425" spcFirstLastPara="1" rIns="91425" wrap="square" tIns="91425">
+          <a:bodyPr spcFirstLastPara="1" wrap="square" lIns="91425" tIns="91425" rIns="91425" bIns="91425" anchor="ctr" anchorCtr="0">
             <a:normAutofit/>
           </a:bodyPr>
           <a:lstStyle>
@@ -4373,7 +4510,7 @@
             </a:lvl9pPr>
           </a:lstStyle>
           <a:p>
-            <a:pPr indent="0" lvl="0" marL="0" rtl="0" algn="r">
+            <a:pPr marL="0" lvl="0" indent="0" algn="r" rtl="0">
               <a:spcBef>
                 <a:spcPts val="0"/>
               </a:spcBef>
@@ -4399,11 +4536,11 @@
 </file>
 
 <file path=ppt/slideLayouts/slideLayout8.xml><?xml version="1.0" encoding="utf-8"?>
-<p:sldLayout xmlns:a="http://schemas.openxmlformats.org/drawingml/2006/main" xmlns:r="http://schemas.openxmlformats.org/officeDocument/2006/relationships" xmlns:mc="http://schemas.openxmlformats.org/markup-compatibility/2006" xmlns:mv="urn:schemas-microsoft-com:mac:vml" xmlns:p="http://schemas.openxmlformats.org/presentationml/2006/main" xmlns:c="http://schemas.openxmlformats.org/drawingml/2006/chart" xmlns:dgm="http://schemas.openxmlformats.org/drawingml/2006/diagram" xmlns:o="urn:schemas-microsoft-com:office:office" xmlns:v="urn:schemas-microsoft-com:vml" xmlns:pvml="urn:schemas-microsoft-com:office:powerpoint" xmlns:com="http://schemas.openxmlformats.org/drawingml/2006/compatibility" xmlns:p14="http://schemas.microsoft.com/office/powerpoint/2010/main" xmlns:p15="http://schemas.microsoft.com/office/powerpoint/2012/main" xmlns:ahyp="http://schemas.microsoft.com/office/drawing/2018/hyperlinkcolor" matchingName="Section title and description">
+<p:sldLayout xmlns:a="http://schemas.openxmlformats.org/drawingml/2006/main" xmlns:r="http://schemas.openxmlformats.org/officeDocument/2006/relationships" xmlns:p="http://schemas.openxmlformats.org/presentationml/2006/main" matchingName="Section title and description">
   <p:cSld name="SECTION_TITLE_AND_DESCRIPTION">
     <p:spTree>
       <p:nvGrpSpPr>
-        <p:cNvPr id="35" name="Shape 35"/>
+        <p:cNvPr id="1" name="Shape 35"/>
         <p:cNvGrpSpPr/>
         <p:nvPr/>
       </p:nvGrpSpPr>
@@ -4437,23 +4574,20 @@
           </a:ln>
         </p:spPr>
         <p:txBody>
-          <a:bodyPr anchorCtr="0" anchor="ctr" bIns="91425" lIns="91425" spcFirstLastPara="1" rIns="91425" wrap="square" tIns="91425">
+          <a:bodyPr spcFirstLastPara="1" wrap="square" lIns="91425" tIns="91425" rIns="91425" bIns="91425" anchor="ctr" anchorCtr="0">
             <a:noAutofit/>
           </a:bodyPr>
           <a:lstStyle/>
           <a:p>
-            <a:pPr indent="0" lvl="0" marL="0" rtl="0" algn="l">
-              <a:spcBef>
-                <a:spcPts val="0"/>
-              </a:spcBef>
-              <a:spcAft>
-                <a:spcPts val="0"/>
-              </a:spcAft>
-              <a:buNone/>
-            </a:pPr>
-            <a:r>
-              <a:t/>
-            </a:r>
+            <a:pPr marL="0" lvl="0" indent="0" algn="l" rtl="0">
+              <a:spcBef>
+                <a:spcPts val="0"/>
+              </a:spcBef>
+              <a:spcAft>
+                <a:spcPts val="0"/>
+              </a:spcAft>
+              <a:buNone/>
+            </a:pPr>
             <a:endParaRPr/>
           </a:p>
         </p:txBody>
@@ -4461,7 +4595,9 @@
       <p:sp>
         <p:nvSpPr>
           <p:cNvPr id="37" name="Google Shape;37;p9"/>
-          <p:cNvSpPr txBox="1"/>
+          <p:cNvSpPr txBox="1">
+            <a:spLocks noGrp="1"/>
+          </p:cNvSpPr>
           <p:nvPr>
             <p:ph type="title"/>
           </p:nvPr>
@@ -4476,7 +4612,7 @@
           </a:prstGeom>
         </p:spPr>
         <p:txBody>
-          <a:bodyPr anchorCtr="0" anchor="b" bIns="91425" lIns="91425" spcFirstLastPara="1" rIns="91425" wrap="square" tIns="91425">
+          <a:bodyPr spcFirstLastPara="1" wrap="square" lIns="91425" tIns="91425" rIns="91425" bIns="91425" anchor="b" anchorCtr="0">
             <a:normAutofit/>
           </a:bodyPr>
           <a:lstStyle>
@@ -4580,15 +4716,19 @@
               <a:defRPr sz="4200"/>
             </a:lvl9pPr>
           </a:lstStyle>
-          <a:p/>
+          <a:p>
+            <a:endParaRPr/>
+          </a:p>
         </p:txBody>
       </p:sp>
       <p:sp>
         <p:nvSpPr>
           <p:cNvPr id="38" name="Google Shape;38;p9"/>
-          <p:cNvSpPr txBox="1"/>
+          <p:cNvSpPr txBox="1">
+            <a:spLocks noGrp="1"/>
+          </p:cNvSpPr>
           <p:nvPr>
-            <p:ph idx="1" type="subTitle"/>
+            <p:ph type="subTitle" idx="1"/>
           </p:nvPr>
         </p:nvSpPr>
         <p:spPr>
@@ -4601,7 +4741,7 @@
           </a:prstGeom>
         </p:spPr>
         <p:txBody>
-          <a:bodyPr anchorCtr="0" anchor="t" bIns="91425" lIns="91425" spcFirstLastPara="1" rIns="91425" wrap="square" tIns="91425">
+          <a:bodyPr spcFirstLastPara="1" wrap="square" lIns="91425" tIns="91425" rIns="91425" bIns="91425" anchor="t" anchorCtr="0">
             <a:normAutofit/>
           </a:bodyPr>
           <a:lstStyle>
@@ -4732,15 +4872,19 @@
               <a:defRPr sz="2100"/>
             </a:lvl9pPr>
           </a:lstStyle>
-          <a:p/>
+          <a:p>
+            <a:endParaRPr/>
+          </a:p>
         </p:txBody>
       </p:sp>
       <p:sp>
         <p:nvSpPr>
           <p:cNvPr id="39" name="Google Shape;39;p9"/>
-          <p:cNvSpPr txBox="1"/>
+          <p:cNvSpPr txBox="1">
+            <a:spLocks noGrp="1"/>
+          </p:cNvSpPr>
           <p:nvPr>
-            <p:ph idx="2" type="body"/>
+            <p:ph type="body" idx="2"/>
           </p:nvPr>
         </p:nvSpPr>
         <p:spPr>
@@ -4753,11 +4897,11 @@
           </a:prstGeom>
         </p:spPr>
         <p:txBody>
-          <a:bodyPr anchorCtr="0" anchor="ctr" bIns="91425" lIns="91425" spcFirstLastPara="1" rIns="91425" wrap="square" tIns="91425">
+          <a:bodyPr spcFirstLastPara="1" wrap="square" lIns="91425" tIns="91425" rIns="91425" bIns="91425" anchor="ctr" anchorCtr="0">
             <a:normAutofit/>
           </a:bodyPr>
           <a:lstStyle>
-            <a:lvl1pPr indent="-342900" lvl="0" marL="457200">
+            <a:lvl1pPr marL="457200" lvl="0" indent="-342900">
               <a:spcBef>
                 <a:spcPts val="0"/>
               </a:spcBef>
@@ -4768,7 +4912,7 @@
               <a:buChar char="●"/>
               <a:defRPr/>
             </a:lvl1pPr>
-            <a:lvl2pPr indent="-317500" lvl="1" marL="914400">
+            <a:lvl2pPr marL="914400" lvl="1" indent="-317500">
               <a:spcBef>
                 <a:spcPts val="0"/>
               </a:spcBef>
@@ -4779,7 +4923,7 @@
               <a:buChar char="○"/>
               <a:defRPr/>
             </a:lvl2pPr>
-            <a:lvl3pPr indent="-317500" lvl="2" marL="1371600">
+            <a:lvl3pPr marL="1371600" lvl="2" indent="-317500">
               <a:spcBef>
                 <a:spcPts val="0"/>
               </a:spcBef>
@@ -4790,7 +4934,7 @@
               <a:buChar char="■"/>
               <a:defRPr/>
             </a:lvl3pPr>
-            <a:lvl4pPr indent="-317500" lvl="3" marL="1828800">
+            <a:lvl4pPr marL="1828800" lvl="3" indent="-317500">
               <a:spcBef>
                 <a:spcPts val="0"/>
               </a:spcBef>
@@ -4801,7 +4945,7 @@
               <a:buChar char="●"/>
               <a:defRPr/>
             </a:lvl4pPr>
-            <a:lvl5pPr indent="-317500" lvl="4" marL="2286000">
+            <a:lvl5pPr marL="2286000" lvl="4" indent="-317500">
               <a:spcBef>
                 <a:spcPts val="0"/>
               </a:spcBef>
@@ -4812,7 +4956,7 @@
               <a:buChar char="○"/>
               <a:defRPr/>
             </a:lvl5pPr>
-            <a:lvl6pPr indent="-317500" lvl="5" marL="2743200">
+            <a:lvl6pPr marL="2743200" lvl="5" indent="-317500">
               <a:spcBef>
                 <a:spcPts val="0"/>
               </a:spcBef>
@@ -4823,7 +4967,7 @@
               <a:buChar char="■"/>
               <a:defRPr/>
             </a:lvl6pPr>
-            <a:lvl7pPr indent="-317500" lvl="6" marL="3200400">
+            <a:lvl7pPr marL="3200400" lvl="6" indent="-317500">
               <a:spcBef>
                 <a:spcPts val="0"/>
               </a:spcBef>
@@ -4834,7 +4978,7 @@
               <a:buChar char="●"/>
               <a:defRPr/>
             </a:lvl7pPr>
-            <a:lvl8pPr indent="-317500" lvl="7" marL="3657600">
+            <a:lvl8pPr marL="3657600" lvl="7" indent="-317500">
               <a:spcBef>
                 <a:spcPts val="0"/>
               </a:spcBef>
@@ -4845,7 +4989,7 @@
               <a:buChar char="○"/>
               <a:defRPr/>
             </a:lvl8pPr>
-            <a:lvl9pPr indent="-317500" lvl="8" marL="4114800">
+            <a:lvl9pPr marL="4114800" lvl="8" indent="-317500">
               <a:spcBef>
                 <a:spcPts val="0"/>
               </a:spcBef>
@@ -4857,15 +5001,19 @@
               <a:defRPr/>
             </a:lvl9pPr>
           </a:lstStyle>
-          <a:p/>
+          <a:p>
+            <a:endParaRPr/>
+          </a:p>
         </p:txBody>
       </p:sp>
       <p:sp>
         <p:nvSpPr>
           <p:cNvPr id="40" name="Google Shape;40;p9"/>
-          <p:cNvSpPr txBox="1"/>
+          <p:cNvSpPr txBox="1">
+            <a:spLocks noGrp="1"/>
+          </p:cNvSpPr>
           <p:nvPr>
-            <p:ph idx="12" type="sldNum"/>
+            <p:ph type="sldNum" idx="12"/>
           </p:nvPr>
         </p:nvSpPr>
         <p:spPr>
@@ -4878,7 +5026,7 @@
           </a:prstGeom>
         </p:spPr>
         <p:txBody>
-          <a:bodyPr anchorCtr="0" anchor="ctr" bIns="91425" lIns="91425" spcFirstLastPara="1" rIns="91425" wrap="square" tIns="91425">
+          <a:bodyPr spcFirstLastPara="1" wrap="square" lIns="91425" tIns="91425" rIns="91425" bIns="91425" anchor="ctr" anchorCtr="0">
             <a:normAutofit/>
           </a:bodyPr>
           <a:lstStyle>
@@ -4920,7 +5068,7 @@
             </a:lvl9pPr>
           </a:lstStyle>
           <a:p>
-            <a:pPr indent="0" lvl="0" marL="0" rtl="0" algn="r">
+            <a:pPr marL="0" lvl="0" indent="0" algn="r" rtl="0">
               <a:spcBef>
                 <a:spcPts val="0"/>
               </a:spcBef>
@@ -4946,11 +5094,11 @@
 </file>
 
 <file path=ppt/slideLayouts/slideLayout9.xml><?xml version="1.0" encoding="utf-8"?>
-<p:sldLayout xmlns:a="http://schemas.openxmlformats.org/drawingml/2006/main" xmlns:r="http://schemas.openxmlformats.org/officeDocument/2006/relationships" xmlns:mc="http://schemas.openxmlformats.org/markup-compatibility/2006" xmlns:mv="urn:schemas-microsoft-com:mac:vml" xmlns:p="http://schemas.openxmlformats.org/presentationml/2006/main" xmlns:c="http://schemas.openxmlformats.org/drawingml/2006/chart" xmlns:dgm="http://schemas.openxmlformats.org/drawingml/2006/diagram" xmlns:o="urn:schemas-microsoft-com:office:office" xmlns:v="urn:schemas-microsoft-com:vml" xmlns:pvml="urn:schemas-microsoft-com:office:powerpoint" xmlns:com="http://schemas.openxmlformats.org/drawingml/2006/compatibility" xmlns:p14="http://schemas.microsoft.com/office/powerpoint/2010/main" xmlns:p15="http://schemas.microsoft.com/office/powerpoint/2012/main" xmlns:ahyp="http://schemas.microsoft.com/office/drawing/2018/hyperlinkcolor" matchingName="Caption">
+<p:sldLayout xmlns:a="http://schemas.openxmlformats.org/drawingml/2006/main" xmlns:r="http://schemas.openxmlformats.org/officeDocument/2006/relationships" xmlns:p="http://schemas.openxmlformats.org/presentationml/2006/main" matchingName="Caption">
   <p:cSld name="CAPTION_ONLY">
     <p:spTree>
       <p:nvGrpSpPr>
-        <p:cNvPr id="41" name="Shape 41"/>
+        <p:cNvPr id="1" name="Shape 41"/>
         <p:cNvGrpSpPr/>
         <p:nvPr/>
       </p:nvGrpSpPr>
@@ -4965,9 +5113,11 @@
       <p:sp>
         <p:nvSpPr>
           <p:cNvPr id="42" name="Google Shape;42;p10"/>
-          <p:cNvSpPr txBox="1"/>
+          <p:cNvSpPr txBox="1">
+            <a:spLocks noGrp="1"/>
+          </p:cNvSpPr>
           <p:nvPr>
-            <p:ph idx="1" type="body"/>
+            <p:ph type="body" idx="1"/>
           </p:nvPr>
         </p:nvSpPr>
         <p:spPr>
@@ -4980,11 +5130,11 @@
           </a:prstGeom>
         </p:spPr>
         <p:txBody>
-          <a:bodyPr anchorCtr="0" anchor="ctr" bIns="91425" lIns="91425" spcFirstLastPara="1" rIns="91425" wrap="square" tIns="91425">
+          <a:bodyPr spcFirstLastPara="1" wrap="square" lIns="91425" tIns="91425" rIns="91425" bIns="91425" anchor="ctr" anchorCtr="0">
             <a:normAutofit/>
           </a:bodyPr>
           <a:lstStyle>
-            <a:lvl1pPr indent="-228600" lvl="0" marL="457200">
+            <a:lvl1pPr marL="457200" lvl="0" indent="-228600">
               <a:lnSpc>
                 <a:spcPct val="100000"/>
               </a:lnSpc>
@@ -4999,15 +5149,19 @@
               <a:defRPr/>
             </a:lvl1pPr>
           </a:lstStyle>
-          <a:p/>
+          <a:p>
+            <a:endParaRPr/>
+          </a:p>
         </p:txBody>
       </p:sp>
       <p:sp>
         <p:nvSpPr>
           <p:cNvPr id="43" name="Google Shape;43;p10"/>
-          <p:cNvSpPr txBox="1"/>
+          <p:cNvSpPr txBox="1">
+            <a:spLocks noGrp="1"/>
+          </p:cNvSpPr>
           <p:nvPr>
-            <p:ph idx="12" type="sldNum"/>
+            <p:ph type="sldNum" idx="12"/>
           </p:nvPr>
         </p:nvSpPr>
         <p:spPr>
@@ -5020,7 +5174,7 @@
           </a:prstGeom>
         </p:spPr>
         <p:txBody>
-          <a:bodyPr anchorCtr="0" anchor="ctr" bIns="91425" lIns="91425" spcFirstLastPara="1" rIns="91425" wrap="square" tIns="91425">
+          <a:bodyPr spcFirstLastPara="1" wrap="square" lIns="91425" tIns="91425" rIns="91425" bIns="91425" anchor="ctr" anchorCtr="0">
             <a:normAutofit/>
           </a:bodyPr>
           <a:lstStyle>
@@ -5062,7 +5216,7 @@
             </a:lvl9pPr>
           </a:lstStyle>
           <a:p>
-            <a:pPr indent="0" lvl="0" marL="0" rtl="0" algn="r">
+            <a:pPr marL="0" lvl="0" indent="0" algn="r" rtl="0">
               <a:spcBef>
                 <a:spcPts val="0"/>
               </a:spcBef>
@@ -5088,18 +5242,19 @@
 </file>
 
 <file path=ppt/slideMasters/slideMaster1.xml><?xml version="1.0" encoding="utf-8"?>
-<p:sldMaster xmlns:a="http://schemas.openxmlformats.org/drawingml/2006/main" xmlns:r="http://schemas.openxmlformats.org/officeDocument/2006/relationships" xmlns:mc="http://schemas.openxmlformats.org/markup-compatibility/2006" xmlns:mv="urn:schemas-microsoft-com:mac:vml" xmlns:p="http://schemas.openxmlformats.org/presentationml/2006/main" xmlns:c="http://schemas.openxmlformats.org/drawingml/2006/chart" xmlns:dgm="http://schemas.openxmlformats.org/drawingml/2006/diagram" xmlns:o="urn:schemas-microsoft-com:office:office" xmlns:v="urn:schemas-microsoft-com:vml" xmlns:pvml="urn:schemas-microsoft-com:office:powerpoint" xmlns:com="http://schemas.openxmlformats.org/drawingml/2006/compatibility" xmlns:p14="http://schemas.microsoft.com/office/powerpoint/2010/main" xmlns:p15="http://schemas.microsoft.com/office/powerpoint/2012/main" xmlns:ahyp="http://schemas.microsoft.com/office/drawing/2018/hyperlinkcolor">
+<p:sldMaster xmlns:a="http://schemas.openxmlformats.org/drawingml/2006/main" xmlns:r="http://schemas.openxmlformats.org/officeDocument/2006/relationships" xmlns:p="http://schemas.openxmlformats.org/presentationml/2006/main">
   <p:cSld name="simple-light-2">
     <p:bg>
       <p:bgPr>
         <a:solidFill>
           <a:schemeClr val="lt1"/>
         </a:solidFill>
+        <a:effectLst/>
       </p:bgPr>
     </p:bg>
     <p:spTree>
       <p:nvGrpSpPr>
-        <p:cNvPr id="5" name="Shape 5"/>
+        <p:cNvPr id="1" name="Shape 5"/>
         <p:cNvGrpSpPr/>
         <p:nvPr/>
       </p:nvGrpSpPr>
@@ -5114,7 +5269,9 @@
       <p:sp>
         <p:nvSpPr>
           <p:cNvPr id="6" name="Google Shape;6;p1"/>
-          <p:cNvSpPr txBox="1"/>
+          <p:cNvSpPr txBox="1">
+            <a:spLocks noGrp="1"/>
+          </p:cNvSpPr>
           <p:nvPr>
             <p:ph type="title"/>
           </p:nvPr>
@@ -5133,7 +5290,7 @@
           </a:ln>
         </p:spPr>
         <p:txBody>
-          <a:bodyPr anchorCtr="0" anchor="t" bIns="91425" lIns="91425" spcFirstLastPara="1" rIns="91425" wrap="square" tIns="91425">
+          <a:bodyPr spcFirstLastPara="1" wrap="square" lIns="91425" tIns="91425" rIns="91425" bIns="91425" anchor="t" anchorCtr="0">
             <a:normAutofit/>
           </a:bodyPr>
           <a:lstStyle>
@@ -5300,15 +5457,19 @@
               </a:defRPr>
             </a:lvl9pPr>
           </a:lstStyle>
-          <a:p/>
+          <a:p>
+            <a:endParaRPr/>
+          </a:p>
         </p:txBody>
       </p:sp>
       <p:sp>
         <p:nvSpPr>
           <p:cNvPr id="7" name="Google Shape;7;p1"/>
-          <p:cNvSpPr txBox="1"/>
+          <p:cNvSpPr txBox="1">
+            <a:spLocks noGrp="1"/>
+          </p:cNvSpPr>
           <p:nvPr>
-            <p:ph idx="1" type="body"/>
+            <p:ph type="body" idx="1"/>
           </p:nvPr>
         </p:nvSpPr>
         <p:spPr>
@@ -5325,11 +5486,11 @@
           </a:ln>
         </p:spPr>
         <p:txBody>
-          <a:bodyPr anchorCtr="0" anchor="t" bIns="91425" lIns="91425" spcFirstLastPara="1" rIns="91425" wrap="square" tIns="91425">
+          <a:bodyPr spcFirstLastPara="1" wrap="square" lIns="91425" tIns="91425" rIns="91425" bIns="91425" anchor="t" anchorCtr="0">
             <a:normAutofit/>
           </a:bodyPr>
           <a:lstStyle>
-            <a:lvl1pPr indent="-342900" lvl="0" marL="457200">
+            <a:lvl1pPr marL="457200" lvl="0" indent="-342900">
               <a:lnSpc>
                 <a:spcPct val="115000"/>
               </a:lnSpc>
@@ -5350,7 +5511,7 @@
                 </a:solidFill>
               </a:defRPr>
             </a:lvl1pPr>
-            <a:lvl2pPr indent="-317500" lvl="1" marL="914400">
+            <a:lvl2pPr marL="914400" lvl="1" indent="-317500">
               <a:lnSpc>
                 <a:spcPct val="115000"/>
               </a:lnSpc>
@@ -5371,7 +5532,7 @@
                 </a:solidFill>
               </a:defRPr>
             </a:lvl2pPr>
-            <a:lvl3pPr indent="-317500" lvl="2" marL="1371600">
+            <a:lvl3pPr marL="1371600" lvl="2" indent="-317500">
               <a:lnSpc>
                 <a:spcPct val="115000"/>
               </a:lnSpc>
@@ -5392,7 +5553,7 @@
                 </a:solidFill>
               </a:defRPr>
             </a:lvl3pPr>
-            <a:lvl4pPr indent="-317500" lvl="3" marL="1828800">
+            <a:lvl4pPr marL="1828800" lvl="3" indent="-317500">
               <a:lnSpc>
                 <a:spcPct val="115000"/>
               </a:lnSpc>
@@ -5413,7 +5574,7 @@
                 </a:solidFill>
               </a:defRPr>
             </a:lvl4pPr>
-            <a:lvl5pPr indent="-317500" lvl="4" marL="2286000">
+            <a:lvl5pPr marL="2286000" lvl="4" indent="-317500">
               <a:lnSpc>
                 <a:spcPct val="115000"/>
               </a:lnSpc>
@@ -5434,7 +5595,7 @@
                 </a:solidFill>
               </a:defRPr>
             </a:lvl5pPr>
-            <a:lvl6pPr indent="-317500" lvl="5" marL="2743200">
+            <a:lvl6pPr marL="2743200" lvl="5" indent="-317500">
               <a:lnSpc>
                 <a:spcPct val="115000"/>
               </a:lnSpc>
@@ -5455,7 +5616,7 @@
                 </a:solidFill>
               </a:defRPr>
             </a:lvl6pPr>
-            <a:lvl7pPr indent="-317500" lvl="6" marL="3200400">
+            <a:lvl7pPr marL="3200400" lvl="6" indent="-317500">
               <a:lnSpc>
                 <a:spcPct val="115000"/>
               </a:lnSpc>
@@ -5476,7 +5637,7 @@
                 </a:solidFill>
               </a:defRPr>
             </a:lvl7pPr>
-            <a:lvl8pPr indent="-317500" lvl="7" marL="3657600">
+            <a:lvl8pPr marL="3657600" lvl="7" indent="-317500">
               <a:lnSpc>
                 <a:spcPct val="115000"/>
               </a:lnSpc>
@@ -5497,7 +5658,7 @@
                 </a:solidFill>
               </a:defRPr>
             </a:lvl8pPr>
-            <a:lvl9pPr indent="-317500" lvl="8" marL="4114800">
+            <a:lvl9pPr marL="4114800" lvl="8" indent="-317500">
               <a:lnSpc>
                 <a:spcPct val="115000"/>
               </a:lnSpc>
@@ -5519,15 +5680,19 @@
               </a:defRPr>
             </a:lvl9pPr>
           </a:lstStyle>
-          <a:p/>
+          <a:p>
+            <a:endParaRPr/>
+          </a:p>
         </p:txBody>
       </p:sp>
       <p:sp>
         <p:nvSpPr>
           <p:cNvPr id="8" name="Google Shape;8;p1"/>
-          <p:cNvSpPr txBox="1"/>
+          <p:cNvSpPr txBox="1">
+            <a:spLocks noGrp="1"/>
+          </p:cNvSpPr>
           <p:nvPr>
-            <p:ph idx="12" type="sldNum"/>
+            <p:ph type="sldNum" idx="12"/>
           </p:nvPr>
         </p:nvSpPr>
         <p:spPr>
@@ -5544,7 +5709,7 @@
           </a:ln>
         </p:spPr>
         <p:txBody>
-          <a:bodyPr anchorCtr="0" anchor="ctr" bIns="91425" lIns="91425" spcFirstLastPara="1" rIns="91425" wrap="square" tIns="91425">
+          <a:bodyPr spcFirstLastPara="1" wrap="square" lIns="91425" tIns="91425" rIns="91425" bIns="91425" anchor="ctr" anchorCtr="0">
             <a:normAutofit/>
           </a:bodyPr>
           <a:lstStyle>
@@ -5622,7 +5787,7 @@
             </a:lvl9pPr>
           </a:lstStyle>
           <a:p>
-            <a:pPr indent="0" lvl="0" marL="0" rtl="0" algn="r">
+            <a:pPr marL="0" lvl="0" indent="0" algn="r" rtl="0">
               <a:spcBef>
                 <a:spcPts val="0"/>
               </a:spcBef>
@@ -5641,7 +5806,7 @@
       </p:sp>
     </p:spTree>
   </p:cSld>
-  <p:clrMap accent1="accent1" accent2="accent2" accent3="accent3" accent4="accent4" accent5="accent5" accent6="accent6" bg1="lt1" bg2="dk2" tx1="dk1" tx2="lt2" folHlink="folHlink" hlink="hlink"/>
+  <p:clrMap bg1="lt1" tx1="dk1" bg2="dk2" tx2="lt2" accent1="accent1" accent2="accent2" accent3="accent3" accent4="accent4" accent5="accent5" accent6="accent6" hlink="hlink" folHlink="folHlink"/>
   <p:sldLayoutIdLst>
     <p:sldLayoutId id="2147483648" r:id="rId1"/>
     <p:sldLayoutId id="2147483649" r:id="rId2"/>
@@ -5655,10 +5820,10 @@
     <p:sldLayoutId id="2147483657" r:id="rId10"/>
     <p:sldLayoutId id="2147483658" r:id="rId11"/>
   </p:sldLayoutIdLst>
-  <p:hf dt="0" ftr="0" hdr="0" sldNum="0"/>
+  <p:hf sldNum="0" hdr="0" ftr="0" dt="0"/>
   <p:txStyles>
     <p:titleStyle>
-      <a:defPPr lvl="0" marR="0" rtl="0" algn="l">
+      <a:defPPr marR="0" lvl="0" algn="l" rtl="0">
         <a:lnSpc>
           <a:spcPct val="100000"/>
         </a:lnSpc>
@@ -5669,7 +5834,7 @@
           <a:spcPts val="0"/>
         </a:spcAft>
       </a:defPPr>
-      <a:lvl1pPr lvl="0" marR="0" rtl="0" algn="l">
+      <a:lvl1pPr marR="0" lvl="0" algn="l" rtl="0">
         <a:lnSpc>
           <a:spcPct val="100000"/>
         </a:lnSpc>
@@ -5683,7 +5848,7 @@
           <a:srgbClr val="000000"/>
         </a:buClr>
         <a:buFont typeface="Arial"/>
-        <a:defRPr b="0" i="0" sz="1400" u="none" cap="none" strike="noStrike">
+        <a:defRPr sz="1400" b="0" i="0" u="none" strike="noStrike" cap="none">
           <a:solidFill>
             <a:srgbClr val="000000"/>
           </a:solidFill>
@@ -5693,7 +5858,7 @@
           <a:sym typeface="Arial"/>
         </a:defRPr>
       </a:lvl1pPr>
-      <a:lvl2pPr lvl="1" marR="0" rtl="0" algn="l">
+      <a:lvl2pPr marR="0" lvl="1" algn="l" rtl="0">
         <a:lnSpc>
           <a:spcPct val="100000"/>
         </a:lnSpc>
@@ -5707,7 +5872,7 @@
           <a:srgbClr val="000000"/>
         </a:buClr>
         <a:buFont typeface="Arial"/>
-        <a:defRPr b="0" i="0" sz="1400" u="none" cap="none" strike="noStrike">
+        <a:defRPr sz="1400" b="0" i="0" u="none" strike="noStrike" cap="none">
           <a:solidFill>
             <a:srgbClr val="000000"/>
           </a:solidFill>
@@ -5717,7 +5882,7 @@
           <a:sym typeface="Arial"/>
         </a:defRPr>
       </a:lvl2pPr>
-      <a:lvl3pPr lvl="2" marR="0" rtl="0" algn="l">
+      <a:lvl3pPr marR="0" lvl="2" algn="l" rtl="0">
         <a:lnSpc>
           <a:spcPct val="100000"/>
         </a:lnSpc>
@@ -5731,7 +5896,7 @@
           <a:srgbClr val="000000"/>
         </a:buClr>
         <a:buFont typeface="Arial"/>
-        <a:defRPr b="0" i="0" sz="1400" u="none" cap="none" strike="noStrike">
+        <a:defRPr sz="1400" b="0" i="0" u="none" strike="noStrike" cap="none">
           <a:solidFill>
             <a:srgbClr val="000000"/>
           </a:solidFill>
@@ -5741,7 +5906,7 @@
           <a:sym typeface="Arial"/>
         </a:defRPr>
       </a:lvl3pPr>
-      <a:lvl4pPr lvl="3" marR="0" rtl="0" algn="l">
+      <a:lvl4pPr marR="0" lvl="3" algn="l" rtl="0">
         <a:lnSpc>
           <a:spcPct val="100000"/>
         </a:lnSpc>
@@ -5755,7 +5920,7 @@
           <a:srgbClr val="000000"/>
         </a:buClr>
         <a:buFont typeface="Arial"/>
-        <a:defRPr b="0" i="0" sz="1400" u="none" cap="none" strike="noStrike">
+        <a:defRPr sz="1400" b="0" i="0" u="none" strike="noStrike" cap="none">
           <a:solidFill>
             <a:srgbClr val="000000"/>
           </a:solidFill>
@@ -5765,7 +5930,7 @@
           <a:sym typeface="Arial"/>
         </a:defRPr>
       </a:lvl4pPr>
-      <a:lvl5pPr lvl="4" marR="0" rtl="0" algn="l">
+      <a:lvl5pPr marR="0" lvl="4" algn="l" rtl="0">
         <a:lnSpc>
           <a:spcPct val="100000"/>
         </a:lnSpc>
@@ -5779,7 +5944,7 @@
           <a:srgbClr val="000000"/>
         </a:buClr>
         <a:buFont typeface="Arial"/>
-        <a:defRPr b="0" i="0" sz="1400" u="none" cap="none" strike="noStrike">
+        <a:defRPr sz="1400" b="0" i="0" u="none" strike="noStrike" cap="none">
           <a:solidFill>
             <a:srgbClr val="000000"/>
           </a:solidFill>
@@ -5789,7 +5954,7 @@
           <a:sym typeface="Arial"/>
         </a:defRPr>
       </a:lvl5pPr>
-      <a:lvl6pPr lvl="5" marR="0" rtl="0" algn="l">
+      <a:lvl6pPr marR="0" lvl="5" algn="l" rtl="0">
         <a:lnSpc>
           <a:spcPct val="100000"/>
         </a:lnSpc>
@@ -5803,7 +5968,7 @@
           <a:srgbClr val="000000"/>
         </a:buClr>
         <a:buFont typeface="Arial"/>
-        <a:defRPr b="0" i="0" sz="1400" u="none" cap="none" strike="noStrike">
+        <a:defRPr sz="1400" b="0" i="0" u="none" strike="noStrike" cap="none">
           <a:solidFill>
             <a:srgbClr val="000000"/>
           </a:solidFill>
@@ -5813,7 +5978,7 @@
           <a:sym typeface="Arial"/>
         </a:defRPr>
       </a:lvl6pPr>
-      <a:lvl7pPr lvl="6" marR="0" rtl="0" algn="l">
+      <a:lvl7pPr marR="0" lvl="6" algn="l" rtl="0">
         <a:lnSpc>
           <a:spcPct val="100000"/>
         </a:lnSpc>
@@ -5827,7 +5992,7 @@
           <a:srgbClr val="000000"/>
         </a:buClr>
         <a:buFont typeface="Arial"/>
-        <a:defRPr b="0" i="0" sz="1400" u="none" cap="none" strike="noStrike">
+        <a:defRPr sz="1400" b="0" i="0" u="none" strike="noStrike" cap="none">
           <a:solidFill>
             <a:srgbClr val="000000"/>
           </a:solidFill>
@@ -5837,7 +6002,7 @@
           <a:sym typeface="Arial"/>
         </a:defRPr>
       </a:lvl7pPr>
-      <a:lvl8pPr lvl="7" marR="0" rtl="0" algn="l">
+      <a:lvl8pPr marR="0" lvl="7" algn="l" rtl="0">
         <a:lnSpc>
           <a:spcPct val="100000"/>
         </a:lnSpc>
@@ -5851,7 +6016,7 @@
           <a:srgbClr val="000000"/>
         </a:buClr>
         <a:buFont typeface="Arial"/>
-        <a:defRPr b="0" i="0" sz="1400" u="none" cap="none" strike="noStrike">
+        <a:defRPr sz="1400" b="0" i="0" u="none" strike="noStrike" cap="none">
           <a:solidFill>
             <a:srgbClr val="000000"/>
           </a:solidFill>
@@ -5861,7 +6026,7 @@
           <a:sym typeface="Arial"/>
         </a:defRPr>
       </a:lvl8pPr>
-      <a:lvl9pPr lvl="8" marR="0" rtl="0" algn="l">
+      <a:lvl9pPr marR="0" lvl="8" algn="l" rtl="0">
         <a:lnSpc>
           <a:spcPct val="100000"/>
         </a:lnSpc>
@@ -5875,7 +6040,7 @@
           <a:srgbClr val="000000"/>
         </a:buClr>
         <a:buFont typeface="Arial"/>
-        <a:defRPr b="0" i="0" sz="1400" u="none" cap="none" strike="noStrike">
+        <a:defRPr sz="1400" b="0" i="0" u="none" strike="noStrike" cap="none">
           <a:solidFill>
             <a:srgbClr val="000000"/>
           </a:solidFill>
@@ -5887,7 +6052,7 @@
       </a:lvl9pPr>
     </p:titleStyle>
     <p:bodyStyle>
-      <a:defPPr lvl="0" marR="0" rtl="0" algn="l">
+      <a:defPPr marR="0" lvl="0" algn="l" rtl="0">
         <a:lnSpc>
           <a:spcPct val="100000"/>
         </a:lnSpc>
@@ -5898,7 +6063,7 @@
           <a:spcPts val="0"/>
         </a:spcAft>
       </a:defPPr>
-      <a:lvl1pPr lvl="0" marR="0" rtl="0" algn="l">
+      <a:lvl1pPr marR="0" lvl="0" algn="l" rtl="0">
         <a:lnSpc>
           <a:spcPct val="100000"/>
         </a:lnSpc>
@@ -5912,7 +6077,7 @@
           <a:srgbClr val="000000"/>
         </a:buClr>
         <a:buFont typeface="Arial"/>
-        <a:defRPr b="0" i="0" sz="1400" u="none" cap="none" strike="noStrike">
+        <a:defRPr sz="1400" b="0" i="0" u="none" strike="noStrike" cap="none">
           <a:solidFill>
             <a:srgbClr val="000000"/>
           </a:solidFill>
@@ -5922,7 +6087,7 @@
           <a:sym typeface="Arial"/>
         </a:defRPr>
       </a:lvl1pPr>
-      <a:lvl2pPr lvl="1" marR="0" rtl="0" algn="l">
+      <a:lvl2pPr marR="0" lvl="1" algn="l" rtl="0">
         <a:lnSpc>
           <a:spcPct val="100000"/>
         </a:lnSpc>
@@ -5936,7 +6101,7 @@
           <a:srgbClr val="000000"/>
         </a:buClr>
         <a:buFont typeface="Arial"/>
-        <a:defRPr b="0" i="0" sz="1400" u="none" cap="none" strike="noStrike">
+        <a:defRPr sz="1400" b="0" i="0" u="none" strike="noStrike" cap="none">
           <a:solidFill>
             <a:srgbClr val="000000"/>
           </a:solidFill>
@@ -5946,7 +6111,7 @@
           <a:sym typeface="Arial"/>
         </a:defRPr>
       </a:lvl2pPr>
-      <a:lvl3pPr lvl="2" marR="0" rtl="0" algn="l">
+      <a:lvl3pPr marR="0" lvl="2" algn="l" rtl="0">
         <a:lnSpc>
           <a:spcPct val="100000"/>
         </a:lnSpc>
@@ -5960,7 +6125,7 @@
           <a:srgbClr val="000000"/>
         </a:buClr>
         <a:buFont typeface="Arial"/>
-        <a:defRPr b="0" i="0" sz="1400" u="none" cap="none" strike="noStrike">
+        <a:defRPr sz="1400" b="0" i="0" u="none" strike="noStrike" cap="none">
           <a:solidFill>
             <a:srgbClr val="000000"/>
           </a:solidFill>
@@ -5970,7 +6135,7 @@
           <a:sym typeface="Arial"/>
         </a:defRPr>
       </a:lvl3pPr>
-      <a:lvl4pPr lvl="3" marR="0" rtl="0" algn="l">
+      <a:lvl4pPr marR="0" lvl="3" algn="l" rtl="0">
         <a:lnSpc>
           <a:spcPct val="100000"/>
         </a:lnSpc>
@@ -5984,7 +6149,7 @@
           <a:srgbClr val="000000"/>
         </a:buClr>
         <a:buFont typeface="Arial"/>
-        <a:defRPr b="0" i="0" sz="1400" u="none" cap="none" strike="noStrike">
+        <a:defRPr sz="1400" b="0" i="0" u="none" strike="noStrike" cap="none">
           <a:solidFill>
             <a:srgbClr val="000000"/>
           </a:solidFill>
@@ -5994,7 +6159,7 @@
           <a:sym typeface="Arial"/>
         </a:defRPr>
       </a:lvl4pPr>
-      <a:lvl5pPr lvl="4" marR="0" rtl="0" algn="l">
+      <a:lvl5pPr marR="0" lvl="4" algn="l" rtl="0">
         <a:lnSpc>
           <a:spcPct val="100000"/>
         </a:lnSpc>
@@ -6008,7 +6173,7 @@
           <a:srgbClr val="000000"/>
         </a:buClr>
         <a:buFont typeface="Arial"/>
-        <a:defRPr b="0" i="0" sz="1400" u="none" cap="none" strike="noStrike">
+        <a:defRPr sz="1400" b="0" i="0" u="none" strike="noStrike" cap="none">
           <a:solidFill>
             <a:srgbClr val="000000"/>
           </a:solidFill>
@@ -6018,7 +6183,7 @@
           <a:sym typeface="Arial"/>
         </a:defRPr>
       </a:lvl5pPr>
-      <a:lvl6pPr lvl="5" marR="0" rtl="0" algn="l">
+      <a:lvl6pPr marR="0" lvl="5" algn="l" rtl="0">
         <a:lnSpc>
           <a:spcPct val="100000"/>
         </a:lnSpc>
@@ -6032,7 +6197,7 @@
           <a:srgbClr val="000000"/>
         </a:buClr>
         <a:buFont typeface="Arial"/>
-        <a:defRPr b="0" i="0" sz="1400" u="none" cap="none" strike="noStrike">
+        <a:defRPr sz="1400" b="0" i="0" u="none" strike="noStrike" cap="none">
           <a:solidFill>
             <a:srgbClr val="000000"/>
           </a:solidFill>
@@ -6042,7 +6207,7 @@
           <a:sym typeface="Arial"/>
         </a:defRPr>
       </a:lvl6pPr>
-      <a:lvl7pPr lvl="6" marR="0" rtl="0" algn="l">
+      <a:lvl7pPr marR="0" lvl="6" algn="l" rtl="0">
         <a:lnSpc>
           <a:spcPct val="100000"/>
         </a:lnSpc>
@@ -6056,7 +6221,7 @@
           <a:srgbClr val="000000"/>
         </a:buClr>
         <a:buFont typeface="Arial"/>
-        <a:defRPr b="0" i="0" sz="1400" u="none" cap="none" strike="noStrike">
+        <a:defRPr sz="1400" b="0" i="0" u="none" strike="noStrike" cap="none">
           <a:solidFill>
             <a:srgbClr val="000000"/>
           </a:solidFill>
@@ -6066,7 +6231,7 @@
           <a:sym typeface="Arial"/>
         </a:defRPr>
       </a:lvl7pPr>
-      <a:lvl8pPr lvl="7" marR="0" rtl="0" algn="l">
+      <a:lvl8pPr marR="0" lvl="7" algn="l" rtl="0">
         <a:lnSpc>
           <a:spcPct val="100000"/>
         </a:lnSpc>
@@ -6080,7 +6245,7 @@
           <a:srgbClr val="000000"/>
         </a:buClr>
         <a:buFont typeface="Arial"/>
-        <a:defRPr b="0" i="0" sz="1400" u="none" cap="none" strike="noStrike">
+        <a:defRPr sz="1400" b="0" i="0" u="none" strike="noStrike" cap="none">
           <a:solidFill>
             <a:srgbClr val="000000"/>
           </a:solidFill>
@@ -6090,7 +6255,7 @@
           <a:sym typeface="Arial"/>
         </a:defRPr>
       </a:lvl8pPr>
-      <a:lvl9pPr lvl="8" marR="0" rtl="0" algn="l">
+      <a:lvl9pPr marR="0" lvl="8" algn="l" rtl="0">
         <a:lnSpc>
           <a:spcPct val="100000"/>
         </a:lnSpc>
@@ -6104,7 +6269,7 @@
           <a:srgbClr val="000000"/>
         </a:buClr>
         <a:buFont typeface="Arial"/>
-        <a:defRPr b="0" i="0" sz="1400" u="none" cap="none" strike="noStrike">
+        <a:defRPr sz="1400" b="0" i="0" u="none" strike="noStrike" cap="none">
           <a:solidFill>
             <a:srgbClr val="000000"/>
           </a:solidFill>
@@ -6116,7 +6281,7 @@
       </a:lvl9pPr>
     </p:bodyStyle>
     <p:otherStyle>
-      <a:defPPr lvl="0" marR="0" rtl="0" algn="l">
+      <a:defPPr marR="0" lvl="0" algn="l" rtl="0">
         <a:lnSpc>
           <a:spcPct val="100000"/>
         </a:lnSpc>
@@ -6127,7 +6292,7 @@
           <a:spcPts val="0"/>
         </a:spcAft>
       </a:defPPr>
-      <a:lvl1pPr lvl="0" marR="0" rtl="0" algn="l">
+      <a:lvl1pPr marR="0" lvl="0" algn="l" rtl="0">
         <a:lnSpc>
           <a:spcPct val="100000"/>
         </a:lnSpc>
@@ -6141,7 +6306,7 @@
           <a:srgbClr val="000000"/>
         </a:buClr>
         <a:buFont typeface="Arial"/>
-        <a:defRPr b="0" i="0" sz="1400" u="none" cap="none" strike="noStrike">
+        <a:defRPr sz="1400" b="0" i="0" u="none" strike="noStrike" cap="none">
           <a:solidFill>
             <a:srgbClr val="000000"/>
           </a:solidFill>
@@ -6151,7 +6316,7 @@
           <a:sym typeface="Arial"/>
         </a:defRPr>
       </a:lvl1pPr>
-      <a:lvl2pPr lvl="1" marR="0" rtl="0" algn="l">
+      <a:lvl2pPr marR="0" lvl="1" algn="l" rtl="0">
         <a:lnSpc>
           <a:spcPct val="100000"/>
         </a:lnSpc>
@@ -6165,7 +6330,7 @@
           <a:srgbClr val="000000"/>
         </a:buClr>
         <a:buFont typeface="Arial"/>
-        <a:defRPr b="0" i="0" sz="1400" u="none" cap="none" strike="noStrike">
+        <a:defRPr sz="1400" b="0" i="0" u="none" strike="noStrike" cap="none">
           <a:solidFill>
             <a:srgbClr val="000000"/>
           </a:solidFill>
@@ -6175,7 +6340,7 @@
           <a:sym typeface="Arial"/>
         </a:defRPr>
       </a:lvl2pPr>
-      <a:lvl3pPr lvl="2" marR="0" rtl="0" algn="l">
+      <a:lvl3pPr marR="0" lvl="2" algn="l" rtl="0">
         <a:lnSpc>
           <a:spcPct val="100000"/>
         </a:lnSpc>
@@ -6189,7 +6354,7 @@
           <a:srgbClr val="000000"/>
         </a:buClr>
         <a:buFont typeface="Arial"/>
-        <a:defRPr b="0" i="0" sz="1400" u="none" cap="none" strike="noStrike">
+        <a:defRPr sz="1400" b="0" i="0" u="none" strike="noStrike" cap="none">
           <a:solidFill>
             <a:srgbClr val="000000"/>
           </a:solidFill>
@@ -6199,7 +6364,7 @@
           <a:sym typeface="Arial"/>
         </a:defRPr>
       </a:lvl3pPr>
-      <a:lvl4pPr lvl="3" marR="0" rtl="0" algn="l">
+      <a:lvl4pPr marR="0" lvl="3" algn="l" rtl="0">
         <a:lnSpc>
           <a:spcPct val="100000"/>
         </a:lnSpc>
@@ -6213,7 +6378,7 @@
           <a:srgbClr val="000000"/>
         </a:buClr>
         <a:buFont typeface="Arial"/>
-        <a:defRPr b="0" i="0" sz="1400" u="none" cap="none" strike="noStrike">
+        <a:defRPr sz="1400" b="0" i="0" u="none" strike="noStrike" cap="none">
           <a:solidFill>
             <a:srgbClr val="000000"/>
           </a:solidFill>
@@ -6223,7 +6388,7 @@
           <a:sym typeface="Arial"/>
         </a:defRPr>
       </a:lvl4pPr>
-      <a:lvl5pPr lvl="4" marR="0" rtl="0" algn="l">
+      <a:lvl5pPr marR="0" lvl="4" algn="l" rtl="0">
         <a:lnSpc>
           <a:spcPct val="100000"/>
         </a:lnSpc>
@@ -6237,7 +6402,7 @@
           <a:srgbClr val="000000"/>
         </a:buClr>
         <a:buFont typeface="Arial"/>
-        <a:defRPr b="0" i="0" sz="1400" u="none" cap="none" strike="noStrike">
+        <a:defRPr sz="1400" b="0" i="0" u="none" strike="noStrike" cap="none">
           <a:solidFill>
             <a:srgbClr val="000000"/>
           </a:solidFill>
@@ -6247,7 +6412,7 @@
           <a:sym typeface="Arial"/>
         </a:defRPr>
       </a:lvl5pPr>
-      <a:lvl6pPr lvl="5" marR="0" rtl="0" algn="l">
+      <a:lvl6pPr marR="0" lvl="5" algn="l" rtl="0">
         <a:lnSpc>
           <a:spcPct val="100000"/>
         </a:lnSpc>
@@ -6261,7 +6426,7 @@
           <a:srgbClr val="000000"/>
         </a:buClr>
         <a:buFont typeface="Arial"/>
-        <a:defRPr b="0" i="0" sz="1400" u="none" cap="none" strike="noStrike">
+        <a:defRPr sz="1400" b="0" i="0" u="none" strike="noStrike" cap="none">
           <a:solidFill>
             <a:srgbClr val="000000"/>
           </a:solidFill>
@@ -6271,7 +6436,7 @@
           <a:sym typeface="Arial"/>
         </a:defRPr>
       </a:lvl6pPr>
-      <a:lvl7pPr lvl="6" marR="0" rtl="0" algn="l">
+      <a:lvl7pPr marR="0" lvl="6" algn="l" rtl="0">
         <a:lnSpc>
           <a:spcPct val="100000"/>
         </a:lnSpc>
@@ -6285,7 +6450,7 @@
           <a:srgbClr val="000000"/>
         </a:buClr>
         <a:buFont typeface="Arial"/>
-        <a:defRPr b="0" i="0" sz="1400" u="none" cap="none" strike="noStrike">
+        <a:defRPr sz="1400" b="0" i="0" u="none" strike="noStrike" cap="none">
           <a:solidFill>
             <a:srgbClr val="000000"/>
           </a:solidFill>
@@ -6295,7 +6460,7 @@
           <a:sym typeface="Arial"/>
         </a:defRPr>
       </a:lvl7pPr>
-      <a:lvl8pPr lvl="7" marR="0" rtl="0" algn="l">
+      <a:lvl8pPr marR="0" lvl="7" algn="l" rtl="0">
         <a:lnSpc>
           <a:spcPct val="100000"/>
         </a:lnSpc>
@@ -6309,7 +6474,7 @@
           <a:srgbClr val="000000"/>
         </a:buClr>
         <a:buFont typeface="Arial"/>
-        <a:defRPr b="0" i="0" sz="1400" u="none" cap="none" strike="noStrike">
+        <a:defRPr sz="1400" b="0" i="0" u="none" strike="noStrike" cap="none">
           <a:solidFill>
             <a:srgbClr val="000000"/>
           </a:solidFill>
@@ -6319,7 +6484,7 @@
           <a:sym typeface="Arial"/>
         </a:defRPr>
       </a:lvl8pPr>
-      <a:lvl9pPr lvl="8" marR="0" rtl="0" algn="l">
+      <a:lvl9pPr marR="0" lvl="8" algn="l" rtl="0">
         <a:lnSpc>
           <a:spcPct val="100000"/>
         </a:lnSpc>
@@ -6333,7 +6498,7 @@
           <a:srgbClr val="000000"/>
         </a:buClr>
         <a:buFont typeface="Arial"/>
-        <a:defRPr b="0" i="0" sz="1400" u="none" cap="none" strike="noStrike">
+        <a:defRPr sz="1400" b="0" i="0" u="none" strike="noStrike" cap="none">
           <a:solidFill>
             <a:srgbClr val="000000"/>
           </a:solidFill>
@@ -6349,11 +6514,11 @@
 </file>
 
 <file path=ppt/slides/slide1.xml><?xml version="1.0" encoding="utf-8"?>
-<p:sld xmlns:a="http://schemas.openxmlformats.org/drawingml/2006/main" xmlns:r="http://schemas.openxmlformats.org/officeDocument/2006/relationships" xmlns:mc="http://schemas.openxmlformats.org/markup-compatibility/2006" xmlns:mv="urn:schemas-microsoft-com:mac:vml" xmlns:p="http://schemas.openxmlformats.org/presentationml/2006/main" xmlns:c="http://schemas.openxmlformats.org/drawingml/2006/chart" xmlns:dgm="http://schemas.openxmlformats.org/drawingml/2006/diagram" xmlns:o="urn:schemas-microsoft-com:office:office" xmlns:v="urn:schemas-microsoft-com:vml" xmlns:pvml="urn:schemas-microsoft-com:office:powerpoint" xmlns:com="http://schemas.openxmlformats.org/drawingml/2006/compatibility" xmlns:p14="http://schemas.microsoft.com/office/powerpoint/2010/main" xmlns:p15="http://schemas.microsoft.com/office/powerpoint/2012/main" xmlns:ahyp="http://schemas.microsoft.com/office/drawing/2018/hyperlinkcolor">
+<p:sld xmlns:a="http://schemas.openxmlformats.org/drawingml/2006/main" xmlns:r="http://schemas.openxmlformats.org/officeDocument/2006/relationships" xmlns:p="http://schemas.openxmlformats.org/presentationml/2006/main">
   <p:cSld>
     <p:spTree>
       <p:nvGrpSpPr>
-        <p:cNvPr id="53" name="Shape 53"/>
+        <p:cNvPr id="1" name="Shape 53"/>
         <p:cNvGrpSpPr/>
         <p:nvPr/>
       </p:nvGrpSpPr>
@@ -6368,7 +6533,9 @@
       <p:sp>
         <p:nvSpPr>
           <p:cNvPr id="54" name="Google Shape;54;p13"/>
-          <p:cNvSpPr txBox="1"/>
+          <p:cNvSpPr txBox="1">
+            <a:spLocks noGrp="1"/>
+          </p:cNvSpPr>
           <p:nvPr>
             <p:ph type="ctrTitle"/>
           </p:nvPr>
@@ -6383,12 +6550,12 @@
           </a:prstGeom>
         </p:spPr>
         <p:txBody>
-          <a:bodyPr anchorCtr="0" anchor="b" bIns="91425" lIns="91425" spcFirstLastPara="1" rIns="91425" wrap="square" tIns="91425">
+          <a:bodyPr spcFirstLastPara="1" wrap="square" lIns="91425" tIns="91425" rIns="91425" bIns="91425" anchor="b" anchorCtr="0">
             <a:normAutofit/>
           </a:bodyPr>
           <a:lstStyle/>
           <a:p>
-            <a:pPr indent="0" lvl="0" marL="0" rtl="0" algn="l">
+            <a:pPr marL="0" lvl="0" indent="0" algn="l" rtl="0">
               <a:spcBef>
                 <a:spcPts val="0"/>
               </a:spcBef>
@@ -6425,12 +6592,12 @@
           </a:ln>
         </p:spPr>
         <p:txBody>
-          <a:bodyPr anchorCtr="0" anchor="t" bIns="91425" lIns="91425" spcFirstLastPara="1" rIns="91425" wrap="square" tIns="91425">
+          <a:bodyPr spcFirstLastPara="1" wrap="square" lIns="91425" tIns="91425" rIns="91425" bIns="91425" anchor="t" anchorCtr="0">
             <a:spAutoFit/>
           </a:bodyPr>
           <a:lstStyle/>
           <a:p>
-            <a:pPr indent="0" lvl="0" marL="0" rtl="0" algn="l">
+            <a:pPr marL="0" lvl="0" indent="0" algn="l" rtl="0">
               <a:spcBef>
                 <a:spcPts val="0"/>
               </a:spcBef>
@@ -6456,11 +6623,11 @@
 </file>
 
 <file path=ppt/slides/slide10.xml><?xml version="1.0" encoding="utf-8"?>
-<p:sld xmlns:a="http://schemas.openxmlformats.org/drawingml/2006/main" xmlns:r="http://schemas.openxmlformats.org/officeDocument/2006/relationships" xmlns:mc="http://schemas.openxmlformats.org/markup-compatibility/2006" xmlns:mv="urn:schemas-microsoft-com:mac:vml" xmlns:p="http://schemas.openxmlformats.org/presentationml/2006/main" xmlns:c="http://schemas.openxmlformats.org/drawingml/2006/chart" xmlns:dgm="http://schemas.openxmlformats.org/drawingml/2006/diagram" xmlns:o="urn:schemas-microsoft-com:office:office" xmlns:v="urn:schemas-microsoft-com:vml" xmlns:pvml="urn:schemas-microsoft-com:office:powerpoint" xmlns:com="http://schemas.openxmlformats.org/drawingml/2006/compatibility" xmlns:p14="http://schemas.microsoft.com/office/powerpoint/2010/main" xmlns:p15="http://schemas.microsoft.com/office/powerpoint/2012/main" xmlns:ahyp="http://schemas.microsoft.com/office/drawing/2018/hyperlinkcolor">
+<p:sld xmlns:a="http://schemas.openxmlformats.org/drawingml/2006/main" xmlns:r="http://schemas.openxmlformats.org/officeDocument/2006/relationships" xmlns:p="http://schemas.openxmlformats.org/presentationml/2006/main">
   <p:cSld>
     <p:spTree>
       <p:nvGrpSpPr>
-        <p:cNvPr id="121" name="Shape 121"/>
+        <p:cNvPr id="1" name="Shape 121"/>
         <p:cNvGrpSpPr/>
         <p:nvPr/>
       </p:nvGrpSpPr>
@@ -6475,7 +6642,9 @@
       <p:sp>
         <p:nvSpPr>
           <p:cNvPr id="122" name="Google Shape;122;p22"/>
-          <p:cNvSpPr txBox="1"/>
+          <p:cNvSpPr txBox="1">
+            <a:spLocks noGrp="1"/>
+          </p:cNvSpPr>
           <p:nvPr>
             <p:ph type="title"/>
           </p:nvPr>
@@ -6490,22 +6659,22 @@
           </a:prstGeom>
         </p:spPr>
         <p:txBody>
-          <a:bodyPr anchorCtr="0" anchor="t" bIns="91425" lIns="91425" spcFirstLastPara="1" rIns="91425" wrap="square" tIns="91425">
+          <a:bodyPr spcFirstLastPara="1" wrap="square" lIns="91425" tIns="91425" rIns="91425" bIns="91425" anchor="t" anchorCtr="0">
             <a:normAutofit fontScale="90000"/>
           </a:bodyPr>
           <a:lstStyle/>
           <a:p>
-            <a:pPr indent="0" lvl="0" marL="0" rtl="0" algn="l">
-              <a:spcBef>
-                <a:spcPts val="0"/>
-              </a:spcBef>
-              <a:spcAft>
-                <a:spcPts val="0"/>
-              </a:spcAft>
-              <a:buNone/>
-            </a:pPr>
-            <a:r>
-              <a:rPr b="1" lang="ru" sz="2688">
+            <a:pPr marL="0" lvl="0" indent="0" algn="l" rtl="0">
+              <a:spcBef>
+                <a:spcPts val="0"/>
+              </a:spcBef>
+              <a:spcAft>
+                <a:spcPts val="0"/>
+              </a:spcAft>
+              <a:buNone/>
+            </a:pPr>
+            <a:r>
+              <a:rPr lang="ru" sz="2688" b="1">
                 <a:latin typeface="Comfortaa"/>
                 <a:ea typeface="Comfortaa"/>
                 <a:cs typeface="Comfortaa"/>
@@ -6520,18 +6689,15 @@
             <a:endParaRPr/>
           </a:p>
           <a:p>
-            <a:pPr indent="0" lvl="0" marL="0" rtl="0" algn="l">
-              <a:spcBef>
-                <a:spcPts val="0"/>
-              </a:spcBef>
-              <a:spcAft>
-                <a:spcPts val="0"/>
-              </a:spcAft>
-              <a:buNone/>
-            </a:pPr>
-            <a:r>
-              <a:t/>
-            </a:r>
+            <a:pPr marL="0" lvl="0" indent="0" algn="l" rtl="0">
+              <a:spcBef>
+                <a:spcPts val="0"/>
+              </a:spcBef>
+              <a:spcAft>
+                <a:spcPts val="0"/>
+              </a:spcAft>
+              <a:buNone/>
+            </a:pPr>
             <a:endParaRPr/>
           </a:p>
         </p:txBody>
@@ -6539,9 +6705,11 @@
       <p:sp>
         <p:nvSpPr>
           <p:cNvPr id="123" name="Google Shape;123;p22"/>
-          <p:cNvSpPr txBox="1"/>
+          <p:cNvSpPr txBox="1">
+            <a:spLocks noGrp="1"/>
+          </p:cNvSpPr>
           <p:nvPr>
-            <p:ph idx="1" type="body"/>
+            <p:ph type="body" idx="1"/>
           </p:nvPr>
         </p:nvSpPr>
         <p:spPr>
@@ -6554,12 +6722,12 @@
           </a:prstGeom>
         </p:spPr>
         <p:txBody>
-          <a:bodyPr anchorCtr="0" anchor="t" bIns="91425" lIns="91425" spcFirstLastPara="1" rIns="91425" wrap="square" tIns="91425">
+          <a:bodyPr spcFirstLastPara="1" wrap="square" lIns="91425" tIns="91425" rIns="91425" bIns="91425" anchor="t" anchorCtr="0">
             <a:normAutofit/>
           </a:bodyPr>
           <a:lstStyle/>
           <a:p>
-            <a:pPr indent="-342900" lvl="0" marL="457200" rtl="0" algn="l">
+            <a:pPr marL="457200" lvl="0" indent="-342900" algn="l" rtl="0">
               <a:spcBef>
                 <a:spcPts val="0"/>
               </a:spcBef>
@@ -6596,7 +6764,7 @@
             </a:endParaRPr>
           </a:p>
           <a:p>
-            <a:pPr indent="-342900" lvl="0" marL="457200" rtl="0" algn="l">
+            <a:pPr marL="457200" lvl="0" indent="-342900" algn="l" rtl="0">
               <a:spcBef>
                 <a:spcPts val="0"/>
               </a:spcBef>
@@ -6633,7 +6801,7 @@
             </a:endParaRPr>
           </a:p>
           <a:p>
-            <a:pPr indent="-342900" lvl="0" marL="457200" rtl="0" algn="l">
+            <a:pPr marL="457200" lvl="0" indent="-342900" algn="l" rtl="0">
               <a:spcBef>
                 <a:spcPts val="0"/>
               </a:spcBef>
@@ -6670,7 +6838,7 @@
             </a:endParaRPr>
           </a:p>
           <a:p>
-            <a:pPr indent="-342900" lvl="0" marL="457200" rtl="0" algn="l">
+            <a:pPr marL="457200" lvl="0" indent="-342900" algn="l" rtl="0">
               <a:spcBef>
                 <a:spcPts val="0"/>
               </a:spcBef>
@@ -6707,7 +6875,7 @@
             </a:endParaRPr>
           </a:p>
           <a:p>
-            <a:pPr indent="-342900" lvl="0" marL="457200" rtl="0" algn="l">
+            <a:pPr marL="457200" lvl="0" indent="-342900" algn="l" rtl="0">
               <a:spcBef>
                 <a:spcPts val="0"/>
               </a:spcBef>
@@ -6744,7 +6912,7 @@
             </a:endParaRPr>
           </a:p>
           <a:p>
-            <a:pPr indent="-342900" lvl="0" marL="457200" rtl="0" algn="l">
+            <a:pPr marL="457200" lvl="0" indent="-342900" algn="l" rtl="0">
               <a:spcBef>
                 <a:spcPts val="0"/>
               </a:spcBef>
@@ -6781,7 +6949,7 @@
             </a:endParaRPr>
           </a:p>
           <a:p>
-            <a:pPr indent="-342900" lvl="0" marL="457200" rtl="0" algn="l">
+            <a:pPr marL="457200" lvl="0" indent="-342900" algn="l" rtl="0">
               <a:spcBef>
                 <a:spcPts val="0"/>
               </a:spcBef>
@@ -6818,7 +6986,7 @@
             </a:endParaRPr>
           </a:p>
           <a:p>
-            <a:pPr indent="-342900" lvl="0" marL="457200" rtl="0" algn="l">
+            <a:pPr marL="457200" lvl="0" indent="-342900" algn="l" rtl="0">
               <a:spcBef>
                 <a:spcPts val="0"/>
               </a:spcBef>
@@ -6859,9 +7027,11 @@
       <p:sp>
         <p:nvSpPr>
           <p:cNvPr id="124" name="Google Shape;124;p22"/>
-          <p:cNvSpPr txBox="1"/>
+          <p:cNvSpPr txBox="1">
+            <a:spLocks noGrp="1"/>
+          </p:cNvSpPr>
           <p:nvPr>
-            <p:ph idx="1" type="body"/>
+            <p:ph type="body" idx="1"/>
           </p:nvPr>
         </p:nvSpPr>
         <p:spPr>
@@ -6874,12 +7044,12 @@
           </a:prstGeom>
         </p:spPr>
         <p:txBody>
-          <a:bodyPr anchorCtr="0" anchor="t" bIns="91425" lIns="91425" spcFirstLastPara="1" rIns="91425" wrap="square" tIns="91425">
+          <a:bodyPr spcFirstLastPara="1" wrap="square" lIns="91425" tIns="91425" rIns="91425" bIns="91425" anchor="t" anchorCtr="0">
             <a:noAutofit/>
           </a:bodyPr>
           <a:lstStyle/>
           <a:p>
-            <a:pPr indent="0" lvl="0" marL="0" rtl="0" algn="l">
+            <a:pPr marL="0" lvl="0" indent="0" algn="l" rtl="0">
               <a:lnSpc>
                 <a:spcPct val="95000"/>
               </a:lnSpc>
@@ -6892,7 +7062,7 @@
               <a:buNone/>
             </a:pPr>
             <a:r>
-              <a:rPr b="1" lang="ru" sz="2400">
+              <a:rPr lang="ru" sz="2400" b="1">
                 <a:solidFill>
                   <a:schemeClr val="dk1"/>
                 </a:solidFill>
@@ -6901,21 +7071,9 @@
                 <a:cs typeface="Comfortaa"/>
                 <a:sym typeface="Comfortaa"/>
               </a:rPr>
-              <a:t>8</a:t>
-            </a:r>
-            <a:r>
-              <a:rPr b="1" lang="ru" sz="2400">
-                <a:solidFill>
-                  <a:schemeClr val="dk1"/>
-                </a:solidFill>
-                <a:latin typeface="Comfortaa"/>
-                <a:ea typeface="Comfortaa"/>
-                <a:cs typeface="Comfortaa"/>
-                <a:sym typeface="Comfortaa"/>
-              </a:rPr>
-              <a:t>.	Documentation</a:t>
-            </a:r>
-            <a:endParaRPr b="1" sz="2400">
+              <a:t>8.	Documentation</a:t>
+            </a:r>
+            <a:endParaRPr sz="2400" b="1">
               <a:solidFill>
                 <a:schemeClr val="dk1"/>
               </a:solidFill>
@@ -6947,12 +7105,12 @@
           </a:ln>
         </p:spPr>
         <p:txBody>
-          <a:bodyPr anchorCtr="0" anchor="t" bIns="91425" lIns="91425" spcFirstLastPara="1" rIns="91425" wrap="square" tIns="91425">
+          <a:bodyPr spcFirstLastPara="1" wrap="square" lIns="91425" tIns="91425" rIns="91425" bIns="91425" anchor="t" anchorCtr="0">
             <a:spAutoFit/>
           </a:bodyPr>
           <a:lstStyle/>
           <a:p>
-            <a:pPr indent="-355600" lvl="0" marL="457200" rtl="0" algn="l">
+            <a:pPr marL="457200" lvl="0" indent="-355600" algn="l" rtl="0">
               <a:spcBef>
                 <a:spcPts val="0"/>
               </a:spcBef>
@@ -6963,13 +7121,13 @@
               <a:buChar char="-"/>
             </a:pPr>
             <a:r>
-              <a:rPr b="1" lang="ru" sz="2000"/>
+              <a:rPr lang="ru" sz="2000" b="1"/>
               <a:t>Чекаут</a:t>
             </a:r>
             <a:endParaRPr sz="2000"/>
           </a:p>
           <a:p>
-            <a:pPr indent="0" lvl="0" marL="457200" rtl="0" algn="l">
+            <a:pPr marL="457200" lvl="0" indent="0" algn="l" rtl="0">
               <a:spcBef>
                 <a:spcPts val="0"/>
               </a:spcBef>
@@ -6985,7 +7143,7 @@
             <a:endParaRPr sz="2000"/>
           </a:p>
           <a:p>
-            <a:pPr indent="-355600" lvl="0" marL="457200" rtl="0" algn="l">
+            <a:pPr marL="457200" lvl="0" indent="-355600" algn="l" rtl="0">
               <a:spcBef>
                 <a:spcPts val="0"/>
               </a:spcBef>
@@ -6996,13 +7154,13 @@
               <a:buChar char="-"/>
             </a:pPr>
             <a:r>
-              <a:rPr b="1" lang="ru" sz="2000"/>
+              <a:rPr lang="ru" sz="2000" b="1"/>
               <a:t>Читаемость</a:t>
             </a:r>
             <a:endParaRPr sz="2000"/>
           </a:p>
           <a:p>
-            <a:pPr indent="0" lvl="0" marL="457200" rtl="0" algn="l">
+            <a:pPr marL="457200" lvl="0" indent="0" algn="l" rtl="0">
               <a:spcBef>
                 <a:spcPts val="0"/>
               </a:spcBef>
@@ -7018,7 +7176,7 @@
             <a:endParaRPr sz="2000"/>
           </a:p>
           <a:p>
-            <a:pPr indent="-355600" lvl="0" marL="457200" rtl="0" algn="l">
+            <a:pPr marL="457200" lvl="0" indent="-355600" algn="l" rtl="0">
               <a:spcBef>
                 <a:spcPts val="0"/>
               </a:spcBef>
@@ -7029,7 +7187,7 @@
               <a:buChar char="-"/>
             </a:pPr>
             <a:r>
-              <a:rPr b="1" lang="ru" sz="2000"/>
+              <a:rPr lang="ru" sz="2000" b="1"/>
               <a:t>Readme.md</a:t>
             </a:r>
             <a:endParaRPr sz="2000"/>
@@ -7045,11 +7203,11 @@
 </file>
 
 <file path=ppt/slides/slide2.xml><?xml version="1.0" encoding="utf-8"?>
-<p:sld xmlns:a="http://schemas.openxmlformats.org/drawingml/2006/main" xmlns:r="http://schemas.openxmlformats.org/officeDocument/2006/relationships" xmlns:mc="http://schemas.openxmlformats.org/markup-compatibility/2006" xmlns:mv="urn:schemas-microsoft-com:mac:vml" xmlns:p="http://schemas.openxmlformats.org/presentationml/2006/main" xmlns:c="http://schemas.openxmlformats.org/drawingml/2006/chart" xmlns:dgm="http://schemas.openxmlformats.org/drawingml/2006/diagram" xmlns:o="urn:schemas-microsoft-com:office:office" xmlns:v="urn:schemas-microsoft-com:vml" xmlns:pvml="urn:schemas-microsoft-com:office:powerpoint" xmlns:com="http://schemas.openxmlformats.org/drawingml/2006/compatibility" xmlns:p14="http://schemas.microsoft.com/office/powerpoint/2010/main" xmlns:p15="http://schemas.microsoft.com/office/powerpoint/2012/main" xmlns:ahyp="http://schemas.microsoft.com/office/drawing/2018/hyperlinkcolor">
+<p:sld xmlns:a="http://schemas.openxmlformats.org/drawingml/2006/main" xmlns:r="http://schemas.openxmlformats.org/officeDocument/2006/relationships" xmlns:p="http://schemas.openxmlformats.org/presentationml/2006/main">
   <p:cSld>
     <p:spTree>
       <p:nvGrpSpPr>
-        <p:cNvPr id="59" name="Shape 59"/>
+        <p:cNvPr id="1" name="Shape 59"/>
         <p:cNvGrpSpPr/>
         <p:nvPr/>
       </p:nvGrpSpPr>
@@ -7064,7 +7222,9 @@
       <p:sp>
         <p:nvSpPr>
           <p:cNvPr id="60" name="Google Shape;60;p14"/>
-          <p:cNvSpPr txBox="1"/>
+          <p:cNvSpPr txBox="1">
+            <a:spLocks noGrp="1"/>
+          </p:cNvSpPr>
           <p:nvPr>
             <p:ph type="ctrTitle"/>
           </p:nvPr>
@@ -7079,22 +7239,22 @@
           </a:prstGeom>
         </p:spPr>
         <p:txBody>
-          <a:bodyPr anchorCtr="0" anchor="b" bIns="91425" lIns="91425" spcFirstLastPara="1" rIns="91425" wrap="square" tIns="91425">
+          <a:bodyPr spcFirstLastPara="1" wrap="square" lIns="91425" tIns="91425" rIns="91425" bIns="91425" anchor="b" anchorCtr="0">
             <a:normAutofit fontScale="90000"/>
           </a:bodyPr>
           <a:lstStyle/>
           <a:p>
-            <a:pPr indent="0" lvl="0" marL="0" rtl="0" algn="l">
-              <a:spcBef>
-                <a:spcPts val="0"/>
-              </a:spcBef>
-              <a:spcAft>
-                <a:spcPts val="0"/>
-              </a:spcAft>
-              <a:buNone/>
-            </a:pPr>
-            <a:r>
-              <a:rPr b="1" lang="ru">
+            <a:pPr marL="0" lvl="0" indent="0" algn="l" rtl="0">
+              <a:spcBef>
+                <a:spcPts val="0"/>
+              </a:spcBef>
+              <a:spcAft>
+                <a:spcPts val="0"/>
+              </a:spcAft>
+              <a:buNone/>
+            </a:pPr>
+            <a:r>
+              <a:rPr lang="ru" b="1">
                 <a:latin typeface="Comfortaa"/>
                 <a:ea typeface="Comfortaa"/>
                 <a:cs typeface="Comfortaa"/>
@@ -7114,9 +7274,11 @@
       <p:sp>
         <p:nvSpPr>
           <p:cNvPr id="61" name="Google Shape;61;p14"/>
-          <p:cNvSpPr txBox="1"/>
+          <p:cNvSpPr txBox="1">
+            <a:spLocks noGrp="1"/>
+          </p:cNvSpPr>
           <p:nvPr>
-            <p:ph idx="1" type="subTitle"/>
+            <p:ph type="subTitle" idx="1"/>
           </p:nvPr>
         </p:nvSpPr>
         <p:spPr>
@@ -7129,12 +7291,12 @@
           </a:prstGeom>
         </p:spPr>
         <p:txBody>
-          <a:bodyPr anchorCtr="0" anchor="t" bIns="91425" lIns="91425" spcFirstLastPara="1" rIns="91425" wrap="square" tIns="91425">
+          <a:bodyPr spcFirstLastPara="1" wrap="square" lIns="91425" tIns="91425" rIns="91425" bIns="91425" anchor="t" anchorCtr="0">
             <a:normAutofit/>
           </a:bodyPr>
           <a:lstStyle/>
           <a:p>
-            <a:pPr indent="-406400" lvl="0" marL="457200" rtl="0" algn="l">
+            <a:pPr marL="457200" lvl="0" indent="-406400" algn="l" rtl="0">
               <a:spcBef>
                 <a:spcPts val="0"/>
               </a:spcBef>
@@ -7171,7 +7333,7 @@
             </a:endParaRPr>
           </a:p>
           <a:p>
-            <a:pPr indent="-406400" lvl="0" marL="457200" rtl="0" algn="l">
+            <a:pPr marL="457200" lvl="0" indent="-406400" algn="l" rtl="0">
               <a:spcBef>
                 <a:spcPts val="0"/>
               </a:spcBef>
@@ -7208,7 +7370,7 @@
             </a:endParaRPr>
           </a:p>
           <a:p>
-            <a:pPr indent="-406400" lvl="0" marL="457200" rtl="0" algn="l">
+            <a:pPr marL="457200" lvl="0" indent="-406400" algn="l" rtl="0">
               <a:spcBef>
                 <a:spcPts val="0"/>
               </a:spcBef>
@@ -7245,7 +7407,7 @@
             </a:endParaRPr>
           </a:p>
           <a:p>
-            <a:pPr indent="-406400" lvl="0" marL="457200" rtl="0" algn="l">
+            <a:pPr marL="457200" lvl="0" indent="-406400" algn="l" rtl="0">
               <a:spcBef>
                 <a:spcPts val="0"/>
               </a:spcBef>
@@ -7282,7 +7444,7 @@
             </a:endParaRPr>
           </a:p>
           <a:p>
-            <a:pPr indent="-406400" lvl="0" marL="457200" rtl="0" algn="l">
+            <a:pPr marL="457200" lvl="0" indent="-406400" algn="l" rtl="0">
               <a:spcBef>
                 <a:spcPts val="0"/>
               </a:spcBef>
@@ -7319,7 +7481,7 @@
             </a:endParaRPr>
           </a:p>
           <a:p>
-            <a:pPr indent="-406400" lvl="0" marL="457200" rtl="0" algn="l">
+            <a:pPr marL="457200" lvl="0" indent="-406400" algn="l" rtl="0">
               <a:spcBef>
                 <a:spcPts val="0"/>
               </a:spcBef>
@@ -7366,11 +7528,11 @@
 </file>
 
 <file path=ppt/slides/slide3.xml><?xml version="1.0" encoding="utf-8"?>
-<p:sld xmlns:a="http://schemas.openxmlformats.org/drawingml/2006/main" xmlns:r="http://schemas.openxmlformats.org/officeDocument/2006/relationships" xmlns:mc="http://schemas.openxmlformats.org/markup-compatibility/2006" xmlns:mv="urn:schemas-microsoft-com:mac:vml" xmlns:p="http://schemas.openxmlformats.org/presentationml/2006/main" xmlns:c="http://schemas.openxmlformats.org/drawingml/2006/chart" xmlns:dgm="http://schemas.openxmlformats.org/drawingml/2006/diagram" xmlns:o="urn:schemas-microsoft-com:office:office" xmlns:v="urn:schemas-microsoft-com:vml" xmlns:pvml="urn:schemas-microsoft-com:office:powerpoint" xmlns:com="http://schemas.openxmlformats.org/drawingml/2006/compatibility" xmlns:p14="http://schemas.microsoft.com/office/powerpoint/2010/main" xmlns:p15="http://schemas.microsoft.com/office/powerpoint/2012/main" xmlns:ahyp="http://schemas.microsoft.com/office/drawing/2018/hyperlinkcolor">
+<p:sld xmlns:a="http://schemas.openxmlformats.org/drawingml/2006/main" xmlns:r="http://schemas.openxmlformats.org/officeDocument/2006/relationships" xmlns:p="http://schemas.openxmlformats.org/presentationml/2006/main">
   <p:cSld>
     <p:spTree>
       <p:nvGrpSpPr>
-        <p:cNvPr id="65" name="Shape 65"/>
+        <p:cNvPr id="1" name="Shape 65"/>
         <p:cNvGrpSpPr/>
         <p:nvPr/>
       </p:nvGrpSpPr>
@@ -7385,7 +7547,9 @@
       <p:sp>
         <p:nvSpPr>
           <p:cNvPr id="66" name="Google Shape;66;p15"/>
-          <p:cNvSpPr txBox="1"/>
+          <p:cNvSpPr txBox="1">
+            <a:spLocks noGrp="1"/>
+          </p:cNvSpPr>
           <p:nvPr>
             <p:ph type="title"/>
           </p:nvPr>
@@ -7400,22 +7564,22 @@
           </a:prstGeom>
         </p:spPr>
         <p:txBody>
-          <a:bodyPr anchorCtr="0" anchor="t" bIns="91425" lIns="91425" spcFirstLastPara="1" rIns="91425" wrap="square" tIns="91425">
+          <a:bodyPr spcFirstLastPara="1" wrap="square" lIns="91425" tIns="91425" rIns="91425" bIns="91425" anchor="t" anchorCtr="0">
             <a:normAutofit fontScale="90000"/>
           </a:bodyPr>
           <a:lstStyle/>
           <a:p>
-            <a:pPr indent="0" lvl="0" marL="0" rtl="0" algn="l">
-              <a:spcBef>
-                <a:spcPts val="0"/>
-              </a:spcBef>
-              <a:spcAft>
-                <a:spcPts val="0"/>
-              </a:spcAft>
-              <a:buNone/>
-            </a:pPr>
-            <a:r>
-              <a:rPr b="1" lang="ru" sz="2688">
+            <a:pPr marL="0" lvl="0" indent="0" algn="l" rtl="0">
+              <a:spcBef>
+                <a:spcPts val="0"/>
+              </a:spcBef>
+              <a:spcAft>
+                <a:spcPts val="0"/>
+              </a:spcAft>
+              <a:buNone/>
+            </a:pPr>
+            <a:r>
+              <a:rPr lang="ru" sz="2688" b="1">
                 <a:latin typeface="Comfortaa"/>
                 <a:ea typeface="Comfortaa"/>
                 <a:cs typeface="Comfortaa"/>
@@ -7430,18 +7594,15 @@
             <a:endParaRPr/>
           </a:p>
           <a:p>
-            <a:pPr indent="0" lvl="0" marL="0" rtl="0" algn="l">
-              <a:spcBef>
-                <a:spcPts val="0"/>
-              </a:spcBef>
-              <a:spcAft>
-                <a:spcPts val="0"/>
-              </a:spcAft>
-              <a:buNone/>
-            </a:pPr>
-            <a:r>
-              <a:t/>
-            </a:r>
+            <a:pPr marL="0" lvl="0" indent="0" algn="l" rtl="0">
+              <a:spcBef>
+                <a:spcPts val="0"/>
+              </a:spcBef>
+              <a:spcAft>
+                <a:spcPts val="0"/>
+              </a:spcAft>
+              <a:buNone/>
+            </a:pPr>
             <a:endParaRPr/>
           </a:p>
         </p:txBody>
@@ -7449,9 +7610,11 @@
       <p:sp>
         <p:nvSpPr>
           <p:cNvPr id="67" name="Google Shape;67;p15"/>
-          <p:cNvSpPr txBox="1"/>
+          <p:cNvSpPr txBox="1">
+            <a:spLocks noGrp="1"/>
+          </p:cNvSpPr>
           <p:nvPr>
-            <p:ph idx="1" type="body"/>
+            <p:ph type="body" idx="1"/>
           </p:nvPr>
         </p:nvSpPr>
         <p:spPr>
@@ -7464,12 +7627,12 @@
           </a:prstGeom>
         </p:spPr>
         <p:txBody>
-          <a:bodyPr anchorCtr="0" anchor="t" bIns="91425" lIns="91425" spcFirstLastPara="1" rIns="91425" wrap="square" tIns="91425">
+          <a:bodyPr spcFirstLastPara="1" wrap="square" lIns="91425" tIns="91425" rIns="91425" bIns="91425" anchor="t" anchorCtr="0">
             <a:noAutofit/>
           </a:bodyPr>
           <a:lstStyle/>
           <a:p>
-            <a:pPr indent="-381000" lvl="0" marL="457200" rtl="0" algn="l">
+            <a:pPr marL="457200" lvl="0" indent="-381000" algn="l" rtl="0">
               <a:lnSpc>
                 <a:spcPct val="95000"/>
               </a:lnSpc>
@@ -7487,7 +7650,7 @@
               <a:buAutoNum type="arabicPeriod"/>
             </a:pPr>
             <a:r>
-              <a:rPr b="1" lang="ru" sz="2400">
+              <a:rPr lang="ru" sz="2400" b="1">
                 <a:solidFill>
                   <a:schemeClr val="dk1"/>
                 </a:solidFill>
@@ -7498,7 +7661,7 @@
               </a:rPr>
               <a:t>Planning</a:t>
             </a:r>
-            <a:endParaRPr b="1" sz="2400">
+            <a:endParaRPr sz="2400" b="1">
               <a:solidFill>
                 <a:schemeClr val="dk1"/>
               </a:solidFill>
@@ -7530,12 +7693,12 @@
           </a:ln>
         </p:spPr>
         <p:txBody>
-          <a:bodyPr anchorCtr="0" anchor="t" bIns="91425" lIns="91425" spcFirstLastPara="1" rIns="91425" wrap="square" tIns="91425">
+          <a:bodyPr spcFirstLastPara="1" wrap="square" lIns="91425" tIns="91425" rIns="91425" bIns="91425" anchor="t" anchorCtr="0">
             <a:spAutoFit/>
           </a:bodyPr>
           <a:lstStyle/>
           <a:p>
-            <a:pPr indent="-355600" lvl="0" marL="457200" rtl="0" algn="l">
+            <a:pPr marL="457200" lvl="0" indent="-355600" algn="l" rtl="0">
               <a:spcBef>
                 <a:spcPts val="0"/>
               </a:spcBef>
@@ -7546,7 +7709,7 @@
               <a:buChar char="-"/>
             </a:pPr>
             <a:r>
-              <a:rPr b="1" lang="ru" sz="2000"/>
+              <a:rPr lang="ru" sz="2000" b="1"/>
               <a:t>Взаимодействие</a:t>
             </a:r>
             <a:r>
@@ -7556,7 +7719,7 @@
             <a:endParaRPr sz="2000"/>
           </a:p>
           <a:p>
-            <a:pPr indent="0" lvl="0" marL="457200" rtl="0" algn="l">
+            <a:pPr marL="457200" lvl="0" indent="0" algn="l" rtl="0">
               <a:spcBef>
                 <a:spcPts val="0"/>
               </a:spcBef>
@@ -7572,7 +7735,7 @@
             <a:endParaRPr sz="2000"/>
           </a:p>
           <a:p>
-            <a:pPr indent="-355600" lvl="0" marL="457200" rtl="0" algn="l">
+            <a:pPr marL="457200" lvl="0" indent="-355600" algn="l" rtl="0">
               <a:spcBef>
                 <a:spcPts val="0"/>
               </a:spcBef>
@@ -7583,7 +7746,7 @@
               <a:buChar char="-"/>
             </a:pPr>
             <a:r>
-              <a:rPr b="1" lang="ru" sz="2000"/>
+              <a:rPr lang="ru" sz="2000" b="1"/>
               <a:t>Рабочие фреймворки:</a:t>
             </a:r>
             <a:r>
@@ -7593,7 +7756,7 @@
             <a:endParaRPr sz="2000"/>
           </a:p>
           <a:p>
-            <a:pPr indent="0" lvl="0" marL="457200" rtl="0" algn="l">
+            <a:pPr marL="457200" lvl="0" indent="0" algn="l" rtl="0">
               <a:spcBef>
                 <a:spcPts val="0"/>
               </a:spcBef>
@@ -7609,7 +7772,7 @@
             <a:endParaRPr sz="2000"/>
           </a:p>
           <a:p>
-            <a:pPr indent="-355600" lvl="0" marL="457200" rtl="0" algn="l">
+            <a:pPr marL="457200" lvl="0" indent="-355600" algn="l" rtl="0">
               <a:spcBef>
                 <a:spcPts val="0"/>
               </a:spcBef>
@@ -7620,7 +7783,7 @@
               <a:buChar char="-"/>
             </a:pPr>
             <a:r>
-              <a:rPr b="1" lang="ru" sz="2000"/>
+              <a:rPr lang="ru" sz="2000" b="1"/>
               <a:t>ПО</a:t>
             </a:r>
             <a:r>
@@ -7630,7 +7793,7 @@
             <a:endParaRPr sz="2000"/>
           </a:p>
           <a:p>
-            <a:pPr indent="0" lvl="0" marL="457200" rtl="0" algn="l">
+            <a:pPr marL="457200" lvl="0" indent="0" algn="l" rtl="0">
               <a:spcBef>
                 <a:spcPts val="0"/>
               </a:spcBef>
@@ -7646,7 +7809,7 @@
             <a:endParaRPr sz="2000"/>
           </a:p>
           <a:p>
-            <a:pPr indent="-355600" lvl="0" marL="457200" rtl="0" algn="l">
+            <a:pPr marL="457200" lvl="0" indent="-355600" algn="l" rtl="0">
               <a:spcBef>
                 <a:spcPts val="0"/>
               </a:spcBef>
@@ -7657,7 +7820,7 @@
               <a:buChar char="-"/>
             </a:pPr>
             <a:r>
-              <a:rPr b="1" lang="ru" sz="2000"/>
+              <a:rPr lang="ru" sz="2000" b="1"/>
               <a:t>Сроки</a:t>
             </a:r>
             <a:r>
@@ -7667,7 +7830,7 @@
             <a:endParaRPr sz="2000"/>
           </a:p>
           <a:p>
-            <a:pPr indent="0" lvl="0" marL="457200" rtl="0" algn="l">
+            <a:pPr marL="457200" lvl="0" indent="0" algn="l" rtl="0">
               <a:spcBef>
                 <a:spcPts val="0"/>
               </a:spcBef>
@@ -7687,9 +7850,11 @@
       <p:sp>
         <p:nvSpPr>
           <p:cNvPr id="69" name="Google Shape;69;p15"/>
-          <p:cNvSpPr txBox="1"/>
+          <p:cNvSpPr txBox="1">
+            <a:spLocks noGrp="1"/>
+          </p:cNvSpPr>
           <p:nvPr>
-            <p:ph idx="1" type="body"/>
+            <p:ph type="body" idx="1"/>
           </p:nvPr>
         </p:nvSpPr>
         <p:spPr>
@@ -7702,12 +7867,12 @@
           </a:prstGeom>
         </p:spPr>
         <p:txBody>
-          <a:bodyPr anchorCtr="0" anchor="t" bIns="91425" lIns="91425" spcFirstLastPara="1" rIns="91425" wrap="square" tIns="91425">
+          <a:bodyPr spcFirstLastPara="1" wrap="square" lIns="91425" tIns="91425" rIns="91425" bIns="91425" anchor="t" anchorCtr="0">
             <a:normAutofit/>
           </a:bodyPr>
           <a:lstStyle/>
           <a:p>
-            <a:pPr indent="-342900" lvl="0" marL="457200" rtl="0" algn="l">
+            <a:pPr marL="457200" lvl="0" indent="-342900" algn="l" rtl="0">
               <a:spcBef>
                 <a:spcPts val="0"/>
               </a:spcBef>
@@ -7744,7 +7909,7 @@
             </a:endParaRPr>
           </a:p>
           <a:p>
-            <a:pPr indent="-342900" lvl="0" marL="457200" rtl="0" algn="l">
+            <a:pPr marL="457200" lvl="0" indent="-342900" algn="l" rtl="0">
               <a:spcBef>
                 <a:spcPts val="0"/>
               </a:spcBef>
@@ -7781,7 +7946,7 @@
             </a:endParaRPr>
           </a:p>
           <a:p>
-            <a:pPr indent="-342900" lvl="0" marL="457200" rtl="0" algn="l">
+            <a:pPr marL="457200" lvl="0" indent="-342900" algn="l" rtl="0">
               <a:spcBef>
                 <a:spcPts val="0"/>
               </a:spcBef>
@@ -7818,7 +7983,7 @@
             </a:endParaRPr>
           </a:p>
           <a:p>
-            <a:pPr indent="-342900" lvl="0" marL="457200" rtl="0" algn="l">
+            <a:pPr marL="457200" lvl="0" indent="-342900" algn="l" rtl="0">
               <a:spcBef>
                 <a:spcPts val="0"/>
               </a:spcBef>
@@ -7855,7 +8020,7 @@
             </a:endParaRPr>
           </a:p>
           <a:p>
-            <a:pPr indent="-342900" lvl="0" marL="457200" rtl="0" algn="l">
+            <a:pPr marL="457200" lvl="0" indent="-342900" algn="l" rtl="0">
               <a:spcBef>
                 <a:spcPts val="0"/>
               </a:spcBef>
@@ -7892,7 +8057,7 @@
             </a:endParaRPr>
           </a:p>
           <a:p>
-            <a:pPr indent="-342900" lvl="0" marL="457200" rtl="0" algn="l">
+            <a:pPr marL="457200" lvl="0" indent="-342900" algn="l" rtl="0">
               <a:spcBef>
                 <a:spcPts val="0"/>
               </a:spcBef>
@@ -7929,7 +8094,7 @@
             </a:endParaRPr>
           </a:p>
           <a:p>
-            <a:pPr indent="-342900" lvl="0" marL="457200" rtl="0" algn="l">
+            <a:pPr marL="457200" lvl="0" indent="-342900" algn="l" rtl="0">
               <a:spcBef>
                 <a:spcPts val="0"/>
               </a:spcBef>
@@ -7966,7 +8131,7 @@
             </a:endParaRPr>
           </a:p>
           <a:p>
-            <a:pPr indent="-342900" lvl="0" marL="457200" rtl="0" algn="l">
+            <a:pPr marL="457200" lvl="0" indent="-342900" algn="l" rtl="0">
               <a:spcBef>
                 <a:spcPts val="0"/>
               </a:spcBef>
@@ -8013,11 +8178,11 @@
 </file>
 
 <file path=ppt/slides/slide4.xml><?xml version="1.0" encoding="utf-8"?>
-<p:sld xmlns:a="http://schemas.openxmlformats.org/drawingml/2006/main" xmlns:r="http://schemas.openxmlformats.org/officeDocument/2006/relationships" xmlns:mc="http://schemas.openxmlformats.org/markup-compatibility/2006" xmlns:mv="urn:schemas-microsoft-com:mac:vml" xmlns:p="http://schemas.openxmlformats.org/presentationml/2006/main" xmlns:c="http://schemas.openxmlformats.org/drawingml/2006/chart" xmlns:dgm="http://schemas.openxmlformats.org/drawingml/2006/diagram" xmlns:o="urn:schemas-microsoft-com:office:office" xmlns:v="urn:schemas-microsoft-com:vml" xmlns:pvml="urn:schemas-microsoft-com:office:powerpoint" xmlns:com="http://schemas.openxmlformats.org/drawingml/2006/compatibility" xmlns:p14="http://schemas.microsoft.com/office/powerpoint/2010/main" xmlns:p15="http://schemas.microsoft.com/office/powerpoint/2012/main" xmlns:ahyp="http://schemas.microsoft.com/office/drawing/2018/hyperlinkcolor">
+<p:sld xmlns:a="http://schemas.openxmlformats.org/drawingml/2006/main" xmlns:r="http://schemas.openxmlformats.org/officeDocument/2006/relationships" xmlns:p="http://schemas.openxmlformats.org/presentationml/2006/main">
   <p:cSld>
     <p:spTree>
       <p:nvGrpSpPr>
-        <p:cNvPr id="73" name="Shape 73"/>
+        <p:cNvPr id="1" name="Shape 73"/>
         <p:cNvGrpSpPr/>
         <p:nvPr/>
       </p:nvGrpSpPr>
@@ -8032,7 +8197,9 @@
       <p:sp>
         <p:nvSpPr>
           <p:cNvPr id="74" name="Google Shape;74;p16"/>
-          <p:cNvSpPr txBox="1"/>
+          <p:cNvSpPr txBox="1">
+            <a:spLocks noGrp="1"/>
+          </p:cNvSpPr>
           <p:nvPr>
             <p:ph type="title"/>
           </p:nvPr>
@@ -8047,22 +8214,22 @@
           </a:prstGeom>
         </p:spPr>
         <p:txBody>
-          <a:bodyPr anchorCtr="0" anchor="t" bIns="91425" lIns="91425" spcFirstLastPara="1" rIns="91425" wrap="square" tIns="91425">
+          <a:bodyPr spcFirstLastPara="1" wrap="square" lIns="91425" tIns="91425" rIns="91425" bIns="91425" anchor="t" anchorCtr="0">
             <a:normAutofit fontScale="90000"/>
           </a:bodyPr>
           <a:lstStyle/>
           <a:p>
-            <a:pPr indent="0" lvl="0" marL="0" rtl="0" algn="l">
-              <a:spcBef>
-                <a:spcPts val="0"/>
-              </a:spcBef>
-              <a:spcAft>
-                <a:spcPts val="0"/>
-              </a:spcAft>
-              <a:buNone/>
-            </a:pPr>
-            <a:r>
-              <a:rPr b="1" lang="ru" sz="2688">
+            <a:pPr marL="0" lvl="0" indent="0" algn="l" rtl="0">
+              <a:spcBef>
+                <a:spcPts val="0"/>
+              </a:spcBef>
+              <a:spcAft>
+                <a:spcPts val="0"/>
+              </a:spcAft>
+              <a:buNone/>
+            </a:pPr>
+            <a:r>
+              <a:rPr lang="ru" sz="2688" b="1">
                 <a:latin typeface="Comfortaa"/>
                 <a:ea typeface="Comfortaa"/>
                 <a:cs typeface="Comfortaa"/>
@@ -8077,18 +8244,15 @@
             <a:endParaRPr/>
           </a:p>
           <a:p>
-            <a:pPr indent="0" lvl="0" marL="0" rtl="0" algn="l">
-              <a:spcBef>
-                <a:spcPts val="0"/>
-              </a:spcBef>
-              <a:spcAft>
-                <a:spcPts val="0"/>
-              </a:spcAft>
-              <a:buNone/>
-            </a:pPr>
-            <a:r>
-              <a:t/>
-            </a:r>
+            <a:pPr marL="0" lvl="0" indent="0" algn="l" rtl="0">
+              <a:spcBef>
+                <a:spcPts val="0"/>
+              </a:spcBef>
+              <a:spcAft>
+                <a:spcPts val="0"/>
+              </a:spcAft>
+              <a:buNone/>
+            </a:pPr>
             <a:endParaRPr/>
           </a:p>
         </p:txBody>
@@ -8096,9 +8260,11 @@
       <p:sp>
         <p:nvSpPr>
           <p:cNvPr id="75" name="Google Shape;75;p16"/>
-          <p:cNvSpPr txBox="1"/>
+          <p:cNvSpPr txBox="1">
+            <a:spLocks noGrp="1"/>
+          </p:cNvSpPr>
           <p:nvPr>
-            <p:ph idx="1" type="body"/>
+            <p:ph type="body" idx="1"/>
           </p:nvPr>
         </p:nvSpPr>
         <p:spPr>
@@ -8111,12 +8277,12 @@
           </a:prstGeom>
         </p:spPr>
         <p:txBody>
-          <a:bodyPr anchorCtr="0" anchor="t" bIns="91425" lIns="91425" spcFirstLastPara="1" rIns="91425" wrap="square" tIns="91425">
+          <a:bodyPr spcFirstLastPara="1" wrap="square" lIns="91425" tIns="91425" rIns="91425" bIns="91425" anchor="t" anchorCtr="0">
             <a:noAutofit/>
           </a:bodyPr>
           <a:lstStyle/>
           <a:p>
-            <a:pPr indent="0" lvl="0" marL="0" rtl="0" algn="l">
+            <a:pPr marL="0" lvl="0" indent="0" algn="l" rtl="0">
               <a:lnSpc>
                 <a:spcPct val="95000"/>
               </a:lnSpc>
@@ -8129,7 +8295,7 @@
               <a:buNone/>
             </a:pPr>
             <a:r>
-              <a:rPr b="1" lang="ru" sz="2400">
+              <a:rPr lang="ru" sz="2400" b="1">
                 <a:solidFill>
                   <a:schemeClr val="dk1"/>
                 </a:solidFill>
@@ -8140,7 +8306,7 @@
               </a:rPr>
               <a:t>2.	Data</a:t>
             </a:r>
-            <a:endParaRPr b="1" sz="2400">
+            <a:endParaRPr sz="2400" b="1">
               <a:solidFill>
                 <a:schemeClr val="dk1"/>
               </a:solidFill>
@@ -8172,12 +8338,12 @@
           </a:ln>
         </p:spPr>
         <p:txBody>
-          <a:bodyPr anchorCtr="0" anchor="t" bIns="91425" lIns="91425" spcFirstLastPara="1" rIns="91425" wrap="square" tIns="91425">
+          <a:bodyPr spcFirstLastPara="1" wrap="square" lIns="91425" tIns="91425" rIns="91425" bIns="91425" anchor="t" anchorCtr="0">
             <a:spAutoFit/>
           </a:bodyPr>
           <a:lstStyle/>
           <a:p>
-            <a:pPr indent="-355600" lvl="0" marL="457200" rtl="0" algn="l">
+            <a:pPr marL="457200" lvl="0" indent="-355600" algn="l" rtl="0">
               <a:spcBef>
                 <a:spcPts val="0"/>
               </a:spcBef>
@@ -8188,7 +8354,7 @@
               <a:buChar char="-"/>
             </a:pPr>
             <a:r>
-              <a:rPr b="1" lang="ru" sz="2000"/>
+              <a:rPr lang="ru" sz="2000" b="1"/>
               <a:t>Поиск на платформах</a:t>
             </a:r>
             <a:r>
@@ -8202,7 +8368,7 @@
             </a:endParaRPr>
           </a:p>
           <a:p>
-            <a:pPr indent="0" lvl="0" marL="457200" rtl="0" algn="l">
+            <a:pPr marL="457200" lvl="0" indent="0" algn="l" rtl="0">
               <a:spcBef>
                 <a:spcPts val="0"/>
               </a:spcBef>
@@ -8222,7 +8388,7 @@
             <a:endParaRPr sz="2000"/>
           </a:p>
           <a:p>
-            <a:pPr indent="-355600" lvl="0" marL="457200" rtl="0" algn="l">
+            <a:pPr marL="457200" lvl="0" indent="-355600" algn="l" rtl="0">
               <a:spcBef>
                 <a:spcPts val="0"/>
               </a:spcBef>
@@ -8233,13 +8399,13 @@
               <a:buChar char="-"/>
             </a:pPr>
             <a:r>
-              <a:rPr b="1" lang="ru" sz="2000"/>
+              <a:rPr lang="ru" sz="2000" b="1"/>
               <a:t>Составление таблички:</a:t>
             </a:r>
-            <a:endParaRPr b="1" sz="2000"/>
-          </a:p>
-          <a:p>
-            <a:pPr indent="0" lvl="0" marL="457200" rtl="0" algn="l">
+            <a:endParaRPr sz="2000" b="1"/>
+          </a:p>
+          <a:p>
+            <a:pPr marL="457200" lvl="0" indent="0" algn="l" rtl="0">
               <a:spcBef>
                 <a:spcPts val="0"/>
               </a:spcBef>
@@ -8255,7 +8421,7 @@
             <a:endParaRPr sz="2000"/>
           </a:p>
           <a:p>
-            <a:pPr indent="-355600" lvl="0" marL="457200" rtl="0" algn="l">
+            <a:pPr marL="457200" lvl="0" indent="-355600" algn="l" rtl="0">
               <a:spcBef>
                 <a:spcPts val="0"/>
               </a:spcBef>
@@ -8266,13 +8432,13 @@
               <a:buChar char="-"/>
             </a:pPr>
             <a:r>
-              <a:rPr b="1" lang="ru" sz="2000"/>
+              <a:rPr lang="ru" sz="2000" b="1"/>
               <a:t>Планерка:</a:t>
             </a:r>
-            <a:endParaRPr b="1" sz="2000"/>
-          </a:p>
-          <a:p>
-            <a:pPr indent="0" lvl="0" marL="457200" rtl="0" algn="l">
+            <a:endParaRPr sz="2000" b="1"/>
+          </a:p>
+          <a:p>
+            <a:pPr marL="457200" lvl="0" indent="0" algn="l" rtl="0">
               <a:spcBef>
                 <a:spcPts val="0"/>
               </a:spcBef>
@@ -8283,27 +8449,20 @@
             </a:pPr>
             <a:r>
               <a:rPr lang="ru" sz="2000"/>
-              <a:t>В</a:t>
-            </a:r>
-            <a:r>
-              <a:rPr lang="ru" sz="2000"/>
-              <a:t>ыбор датасета</a:t>
+              <a:t>Выбор датасета</a:t>
             </a:r>
             <a:endParaRPr sz="2000"/>
           </a:p>
           <a:p>
-            <a:pPr indent="0" lvl="0" marL="0" rtl="0" algn="l">
-              <a:spcBef>
-                <a:spcPts val="0"/>
-              </a:spcBef>
-              <a:spcAft>
-                <a:spcPts val="0"/>
-              </a:spcAft>
-              <a:buNone/>
-            </a:pPr>
-            <a:r>
-              <a:t/>
-            </a:r>
+            <a:pPr marL="0" lvl="0" indent="0" algn="l" rtl="0">
+              <a:spcBef>
+                <a:spcPts val="0"/>
+              </a:spcBef>
+              <a:spcAft>
+                <a:spcPts val="0"/>
+              </a:spcAft>
+              <a:buNone/>
+            </a:pPr>
             <a:endParaRPr sz="2000"/>
           </a:p>
         </p:txBody>
@@ -8311,9 +8470,11 @@
       <p:sp>
         <p:nvSpPr>
           <p:cNvPr id="77" name="Google Shape;77;p16"/>
-          <p:cNvSpPr txBox="1"/>
+          <p:cNvSpPr txBox="1">
+            <a:spLocks noGrp="1"/>
+          </p:cNvSpPr>
           <p:nvPr>
-            <p:ph idx="1" type="body"/>
+            <p:ph type="body" idx="1"/>
           </p:nvPr>
         </p:nvSpPr>
         <p:spPr>
@@ -8326,12 +8487,12 @@
           </a:prstGeom>
         </p:spPr>
         <p:txBody>
-          <a:bodyPr anchorCtr="0" anchor="t" bIns="91425" lIns="91425" spcFirstLastPara="1" rIns="91425" wrap="square" tIns="91425">
+          <a:bodyPr spcFirstLastPara="1" wrap="square" lIns="91425" tIns="91425" rIns="91425" bIns="91425" anchor="t" anchorCtr="0">
             <a:normAutofit/>
           </a:bodyPr>
           <a:lstStyle/>
           <a:p>
-            <a:pPr indent="-342900" lvl="0" marL="457200" rtl="0" algn="l">
+            <a:pPr marL="457200" lvl="0" indent="-342900" algn="l" rtl="0">
               <a:spcBef>
                 <a:spcPts val="0"/>
               </a:spcBef>
@@ -8368,7 +8529,7 @@
             </a:endParaRPr>
           </a:p>
           <a:p>
-            <a:pPr indent="-342900" lvl="0" marL="457200" rtl="0" algn="l">
+            <a:pPr marL="457200" lvl="0" indent="-342900" algn="l" rtl="0">
               <a:spcBef>
                 <a:spcPts val="0"/>
               </a:spcBef>
@@ -8405,7 +8566,7 @@
             </a:endParaRPr>
           </a:p>
           <a:p>
-            <a:pPr indent="-342900" lvl="0" marL="457200" rtl="0" algn="l">
+            <a:pPr marL="457200" lvl="0" indent="-342900" algn="l" rtl="0">
               <a:spcBef>
                 <a:spcPts val="0"/>
               </a:spcBef>
@@ -8442,7 +8603,7 @@
             </a:endParaRPr>
           </a:p>
           <a:p>
-            <a:pPr indent="-342900" lvl="0" marL="457200" rtl="0" algn="l">
+            <a:pPr marL="457200" lvl="0" indent="-342900" algn="l" rtl="0">
               <a:spcBef>
                 <a:spcPts val="0"/>
               </a:spcBef>
@@ -8479,7 +8640,7 @@
             </a:endParaRPr>
           </a:p>
           <a:p>
-            <a:pPr indent="-342900" lvl="0" marL="457200" rtl="0" algn="l">
+            <a:pPr marL="457200" lvl="0" indent="-342900" algn="l" rtl="0">
               <a:spcBef>
                 <a:spcPts val="0"/>
               </a:spcBef>
@@ -8516,7 +8677,7 @@
             </a:endParaRPr>
           </a:p>
           <a:p>
-            <a:pPr indent="-342900" lvl="0" marL="457200" rtl="0" algn="l">
+            <a:pPr marL="457200" lvl="0" indent="-342900" algn="l" rtl="0">
               <a:spcBef>
                 <a:spcPts val="0"/>
               </a:spcBef>
@@ -8553,7 +8714,7 @@
             </a:endParaRPr>
           </a:p>
           <a:p>
-            <a:pPr indent="-342900" lvl="0" marL="457200" rtl="0" algn="l">
+            <a:pPr marL="457200" lvl="0" indent="-342900" algn="l" rtl="0">
               <a:spcBef>
                 <a:spcPts val="0"/>
               </a:spcBef>
@@ -8590,7 +8751,7 @@
             </a:endParaRPr>
           </a:p>
           <a:p>
-            <a:pPr indent="-342900" lvl="0" marL="457200" rtl="0" algn="l">
+            <a:pPr marL="457200" lvl="0" indent="-342900" algn="l" rtl="0">
               <a:spcBef>
                 <a:spcPts val="0"/>
               </a:spcBef>
@@ -8637,11 +8798,11 @@
 </file>
 
 <file path=ppt/slides/slide5.xml><?xml version="1.0" encoding="utf-8"?>
-<p:sld xmlns:a="http://schemas.openxmlformats.org/drawingml/2006/main" xmlns:r="http://schemas.openxmlformats.org/officeDocument/2006/relationships" xmlns:mc="http://schemas.openxmlformats.org/markup-compatibility/2006" xmlns:mv="urn:schemas-microsoft-com:mac:vml" xmlns:p="http://schemas.openxmlformats.org/presentationml/2006/main" xmlns:c="http://schemas.openxmlformats.org/drawingml/2006/chart" xmlns:dgm="http://schemas.openxmlformats.org/drawingml/2006/diagram" xmlns:o="urn:schemas-microsoft-com:office:office" xmlns:v="urn:schemas-microsoft-com:vml" xmlns:pvml="urn:schemas-microsoft-com:office:powerpoint" xmlns:com="http://schemas.openxmlformats.org/drawingml/2006/compatibility" xmlns:p14="http://schemas.microsoft.com/office/powerpoint/2010/main" xmlns:p15="http://schemas.microsoft.com/office/powerpoint/2012/main" xmlns:ahyp="http://schemas.microsoft.com/office/drawing/2018/hyperlinkcolor">
+<p:sld xmlns:a="http://schemas.openxmlformats.org/drawingml/2006/main" xmlns:r="http://schemas.openxmlformats.org/officeDocument/2006/relationships" xmlns:p="http://schemas.openxmlformats.org/presentationml/2006/main">
   <p:cSld>
     <p:spTree>
       <p:nvGrpSpPr>
-        <p:cNvPr id="81" name="Shape 81"/>
+        <p:cNvPr id="1" name="Shape 81"/>
         <p:cNvGrpSpPr/>
         <p:nvPr/>
       </p:nvGrpSpPr>
@@ -8656,7 +8817,9 @@
       <p:sp>
         <p:nvSpPr>
           <p:cNvPr id="82" name="Google Shape;82;p17"/>
-          <p:cNvSpPr txBox="1"/>
+          <p:cNvSpPr txBox="1">
+            <a:spLocks noGrp="1"/>
+          </p:cNvSpPr>
           <p:nvPr>
             <p:ph type="title"/>
           </p:nvPr>
@@ -8671,22 +8834,22 @@
           </a:prstGeom>
         </p:spPr>
         <p:txBody>
-          <a:bodyPr anchorCtr="0" anchor="t" bIns="91425" lIns="91425" spcFirstLastPara="1" rIns="91425" wrap="square" tIns="91425">
+          <a:bodyPr spcFirstLastPara="1" wrap="square" lIns="91425" tIns="91425" rIns="91425" bIns="91425" anchor="t" anchorCtr="0">
             <a:normAutofit fontScale="90000"/>
           </a:bodyPr>
           <a:lstStyle/>
           <a:p>
-            <a:pPr indent="0" lvl="0" marL="0" rtl="0" algn="l">
-              <a:spcBef>
-                <a:spcPts val="0"/>
-              </a:spcBef>
-              <a:spcAft>
-                <a:spcPts val="0"/>
-              </a:spcAft>
-              <a:buNone/>
-            </a:pPr>
-            <a:r>
-              <a:rPr b="1" lang="ru" sz="2688">
+            <a:pPr marL="0" lvl="0" indent="0" algn="l" rtl="0">
+              <a:spcBef>
+                <a:spcPts val="0"/>
+              </a:spcBef>
+              <a:spcAft>
+                <a:spcPts val="0"/>
+              </a:spcAft>
+              <a:buNone/>
+            </a:pPr>
+            <a:r>
+              <a:rPr lang="ru" sz="2688" b="1">
                 <a:latin typeface="Comfortaa"/>
                 <a:ea typeface="Comfortaa"/>
                 <a:cs typeface="Comfortaa"/>
@@ -8701,18 +8864,15 @@
             <a:endParaRPr/>
           </a:p>
           <a:p>
-            <a:pPr indent="0" lvl="0" marL="0" rtl="0" algn="l">
-              <a:spcBef>
-                <a:spcPts val="0"/>
-              </a:spcBef>
-              <a:spcAft>
-                <a:spcPts val="0"/>
-              </a:spcAft>
-              <a:buNone/>
-            </a:pPr>
-            <a:r>
-              <a:t/>
-            </a:r>
+            <a:pPr marL="0" lvl="0" indent="0" algn="l" rtl="0">
+              <a:spcBef>
+                <a:spcPts val="0"/>
+              </a:spcBef>
+              <a:spcAft>
+                <a:spcPts val="0"/>
+              </a:spcAft>
+              <a:buNone/>
+            </a:pPr>
             <a:endParaRPr/>
           </a:p>
         </p:txBody>
@@ -8720,9 +8880,11 @@
       <p:sp>
         <p:nvSpPr>
           <p:cNvPr id="83" name="Google Shape;83;p17"/>
-          <p:cNvSpPr txBox="1"/>
+          <p:cNvSpPr txBox="1">
+            <a:spLocks noGrp="1"/>
+          </p:cNvSpPr>
           <p:nvPr>
-            <p:ph idx="1" type="body"/>
+            <p:ph type="body" idx="1"/>
           </p:nvPr>
         </p:nvSpPr>
         <p:spPr>
@@ -8735,12 +8897,12 @@
           </a:prstGeom>
         </p:spPr>
         <p:txBody>
-          <a:bodyPr anchorCtr="0" anchor="t" bIns="91425" lIns="91425" spcFirstLastPara="1" rIns="91425" wrap="square" tIns="91425">
+          <a:bodyPr spcFirstLastPara="1" wrap="square" lIns="91425" tIns="91425" rIns="91425" bIns="91425" anchor="t" anchorCtr="0">
             <a:normAutofit/>
           </a:bodyPr>
           <a:lstStyle/>
           <a:p>
-            <a:pPr indent="-342900" lvl="0" marL="457200" rtl="0" algn="l">
+            <a:pPr marL="457200" lvl="0" indent="-342900" algn="l" rtl="0">
               <a:spcBef>
                 <a:spcPts val="0"/>
               </a:spcBef>
@@ -8777,7 +8939,7 @@
             </a:endParaRPr>
           </a:p>
           <a:p>
-            <a:pPr indent="-342900" lvl="0" marL="457200" rtl="0" algn="l">
+            <a:pPr marL="457200" lvl="0" indent="-342900" algn="l" rtl="0">
               <a:spcBef>
                 <a:spcPts val="0"/>
               </a:spcBef>
@@ -8814,7 +8976,7 @@
             </a:endParaRPr>
           </a:p>
           <a:p>
-            <a:pPr indent="-342900" lvl="0" marL="457200" rtl="0" algn="l">
+            <a:pPr marL="457200" lvl="0" indent="-342900" algn="l" rtl="0">
               <a:spcBef>
                 <a:spcPts val="0"/>
               </a:spcBef>
@@ -8851,7 +9013,7 @@
             </a:endParaRPr>
           </a:p>
           <a:p>
-            <a:pPr indent="-342900" lvl="0" marL="457200" rtl="0" algn="l">
+            <a:pPr marL="457200" lvl="0" indent="-342900" algn="l" rtl="0">
               <a:spcBef>
                 <a:spcPts val="0"/>
               </a:spcBef>
@@ -8888,7 +9050,7 @@
             </a:endParaRPr>
           </a:p>
           <a:p>
-            <a:pPr indent="-342900" lvl="0" marL="457200" rtl="0" algn="l">
+            <a:pPr marL="457200" lvl="0" indent="-342900" algn="l" rtl="0">
               <a:spcBef>
                 <a:spcPts val="0"/>
               </a:spcBef>
@@ -8925,7 +9087,7 @@
             </a:endParaRPr>
           </a:p>
           <a:p>
-            <a:pPr indent="-342900" lvl="0" marL="457200" rtl="0" algn="l">
+            <a:pPr marL="457200" lvl="0" indent="-342900" algn="l" rtl="0">
               <a:spcBef>
                 <a:spcPts val="0"/>
               </a:spcBef>
@@ -8962,7 +9124,7 @@
             </a:endParaRPr>
           </a:p>
           <a:p>
-            <a:pPr indent="-342900" lvl="0" marL="457200" rtl="0" algn="l">
+            <a:pPr marL="457200" lvl="0" indent="-342900" algn="l" rtl="0">
               <a:spcBef>
                 <a:spcPts val="0"/>
               </a:spcBef>
@@ -8999,7 +9161,7 @@
             </a:endParaRPr>
           </a:p>
           <a:p>
-            <a:pPr indent="-342900" lvl="0" marL="457200" rtl="0" algn="l">
+            <a:pPr marL="457200" lvl="0" indent="-342900" algn="l" rtl="0">
               <a:spcBef>
                 <a:spcPts val="0"/>
               </a:spcBef>
@@ -9040,9 +9202,11 @@
       <p:sp>
         <p:nvSpPr>
           <p:cNvPr id="84" name="Google Shape;84;p17"/>
-          <p:cNvSpPr txBox="1"/>
+          <p:cNvSpPr txBox="1">
+            <a:spLocks noGrp="1"/>
+          </p:cNvSpPr>
           <p:nvPr>
-            <p:ph idx="1" type="body"/>
+            <p:ph type="body" idx="1"/>
           </p:nvPr>
         </p:nvSpPr>
         <p:spPr>
@@ -9055,12 +9219,12 @@
           </a:prstGeom>
         </p:spPr>
         <p:txBody>
-          <a:bodyPr anchorCtr="0" anchor="t" bIns="91425" lIns="91425" spcFirstLastPara="1" rIns="91425" wrap="square" tIns="91425">
+          <a:bodyPr spcFirstLastPara="1" wrap="square" lIns="91425" tIns="91425" rIns="91425" bIns="91425" anchor="t" anchorCtr="0">
             <a:noAutofit/>
           </a:bodyPr>
           <a:lstStyle/>
           <a:p>
-            <a:pPr indent="0" lvl="0" marL="0" rtl="0" algn="l">
+            <a:pPr marL="0" lvl="0" indent="0" algn="l" rtl="0">
               <a:lnSpc>
                 <a:spcPct val="95000"/>
               </a:lnSpc>
@@ -9073,7 +9237,7 @@
               <a:buNone/>
             </a:pPr>
             <a:r>
-              <a:rPr b="1" lang="ru" sz="2400">
+              <a:rPr lang="ru" sz="2400" b="1">
                 <a:solidFill>
                   <a:schemeClr val="dk1"/>
                 </a:solidFill>
@@ -9084,7 +9248,7 @@
               </a:rPr>
               <a:t>3.	Goals</a:t>
             </a:r>
-            <a:endParaRPr b="1" sz="2400">
+            <a:endParaRPr sz="2400" b="1">
               <a:solidFill>
                 <a:schemeClr val="dk1"/>
               </a:solidFill>
@@ -9105,7 +9269,7 @@
         <p:spPr>
           <a:xfrm>
             <a:off x="3676100" y="1152475"/>
-            <a:ext cx="5156100" cy="2955300"/>
+            <a:ext cx="5156100" cy="1415742"/>
           </a:xfrm>
           <a:prstGeom prst="rect">
             <a:avLst/>
@@ -9116,12 +9280,12 @@
           </a:ln>
         </p:spPr>
         <p:txBody>
-          <a:bodyPr anchorCtr="0" anchor="t" bIns="91425" lIns="91425" spcFirstLastPara="1" rIns="91425" wrap="square" tIns="91425">
+          <a:bodyPr spcFirstLastPara="1" wrap="square" lIns="91425" tIns="91425" rIns="91425" bIns="91425" anchor="t" anchorCtr="0">
             <a:spAutoFit/>
           </a:bodyPr>
           <a:lstStyle/>
           <a:p>
-            <a:pPr indent="-355600" lvl="0" marL="457200" rtl="0" algn="l">
+            <a:pPr marL="457200" lvl="0" indent="-355600" algn="l" rtl="0">
               <a:spcBef>
                 <a:spcPts val="0"/>
               </a:spcBef>
@@ -9132,29 +9296,33 @@
               <a:buChar char="-"/>
             </a:pPr>
             <a:r>
-              <a:rPr b="1" lang="ru" sz="2000"/>
-              <a:t>Актуальность</a:t>
-            </a:r>
-            <a:endParaRPr sz="2000"/>
-          </a:p>
-          <a:p>
-            <a:pPr indent="0" lvl="0" marL="457200" rtl="0" algn="l">
-              <a:spcBef>
-                <a:spcPts val="0"/>
-              </a:spcBef>
-              <a:spcAft>
-                <a:spcPts val="0"/>
-              </a:spcAft>
-              <a:buNone/>
-            </a:pPr>
-            <a:r>
-              <a:rPr lang="ru" sz="2000"/>
-              <a:t>Чат, созвоны, etc.</a:t>
-            </a:r>
-            <a:endParaRPr sz="2000"/>
-          </a:p>
-          <a:p>
-            <a:pPr indent="-355600" lvl="0" marL="457200" rtl="0" algn="l">
+              <a:rPr lang="ru-RU" sz="2000" b="1" dirty="0" smtClean="0"/>
+              <a:t>Оценка</a:t>
+            </a:r>
+            <a:r>
+              <a:rPr lang="en-US" sz="2000" b="1" dirty="0" smtClean="0"/>
+              <a:t>:</a:t>
+            </a:r>
+            <a:endParaRPr sz="2000" b="1" dirty="0"/>
+          </a:p>
+          <a:p>
+            <a:pPr marL="457200" lvl="0" indent="0" algn="l" rtl="0">
+              <a:spcBef>
+                <a:spcPts val="0"/>
+              </a:spcBef>
+              <a:spcAft>
+                <a:spcPts val="0"/>
+              </a:spcAft>
+              <a:buNone/>
+            </a:pPr>
+            <a:r>
+              <a:rPr lang="ru" sz="2000" dirty="0" smtClean="0"/>
+              <a:t>Экономическая, социальная выгода</a:t>
+            </a:r>
+            <a:endParaRPr sz="2000" dirty="0"/>
+          </a:p>
+          <a:p>
+            <a:pPr marL="457200" lvl="0" indent="-355600" algn="l" rtl="0">
               <a:spcBef>
                 <a:spcPts val="0"/>
               </a:spcBef>
@@ -9165,108 +9333,38 @@
               <a:buChar char="-"/>
             </a:pPr>
             <a:r>
-              <a:rPr b="1" lang="ru" sz="2000"/>
-              <a:t>Экономический эффект</a:t>
-            </a:r>
-            <a:r>
-              <a:rPr b="1" lang="ru" sz="2000"/>
+              <a:rPr lang="ru" sz="2000" b="1" dirty="0" smtClean="0"/>
+              <a:t>Метрика</a:t>
+            </a:r>
+            <a:r>
+              <a:rPr lang="en-US" sz="2000" b="1" dirty="0" smtClean="0"/>
               <a:t>:</a:t>
             </a:r>
             <a:r>
-              <a:rPr lang="ru" sz="2000"/>
+              <a:rPr lang="ru" sz="2000" dirty="0" smtClean="0"/>
               <a:t> </a:t>
             </a:r>
-            <a:endParaRPr sz="2000"/>
-          </a:p>
-          <a:p>
-            <a:pPr indent="0" lvl="0" marL="457200" rtl="0" algn="l">
-              <a:spcBef>
-                <a:spcPts val="0"/>
-              </a:spcBef>
-              <a:spcAft>
-                <a:spcPts val="0"/>
-              </a:spcAft>
-              <a:buNone/>
-            </a:pPr>
-            <a:r>
-              <a:rPr lang="ru" sz="2000"/>
-              <a:t>Ajile&amp; SCRUM</a:t>
-            </a:r>
-            <a:endParaRPr sz="2000"/>
-          </a:p>
-          <a:p>
-            <a:pPr indent="-355600" lvl="0" marL="457200" rtl="0" algn="l">
-              <a:spcBef>
-                <a:spcPts val="0"/>
-              </a:spcBef>
-              <a:spcAft>
-                <a:spcPts val="0"/>
-              </a:spcAft>
-              <a:buSzPts val="2000"/>
-              <a:buChar char="-"/>
-            </a:pPr>
-            <a:r>
-              <a:rPr b="1" lang="ru" sz="2000"/>
-              <a:t>ПО</a:t>
-            </a:r>
-            <a:r>
-              <a:rPr lang="ru" sz="2000"/>
-              <a:t>:</a:t>
-            </a:r>
-            <a:endParaRPr sz="2000"/>
-          </a:p>
-          <a:p>
-            <a:pPr indent="0" lvl="0" marL="457200" rtl="0" algn="l">
-              <a:spcBef>
-                <a:spcPts val="0"/>
-              </a:spcBef>
-              <a:spcAft>
-                <a:spcPts val="0"/>
-              </a:spcAft>
-              <a:buNone/>
-            </a:pPr>
-            <a:r>
-              <a:rPr lang="ru" sz="2000"/>
-              <a:t>Планировщики задач, и прочая ебала</a:t>
-            </a:r>
-            <a:endParaRPr sz="2000"/>
-          </a:p>
-          <a:p>
-            <a:pPr indent="-355600" lvl="0" marL="457200" rtl="0" algn="l">
-              <a:spcBef>
-                <a:spcPts val="0"/>
-              </a:spcBef>
-              <a:spcAft>
-                <a:spcPts val="0"/>
-              </a:spcAft>
-              <a:buSzPts val="2000"/>
-              <a:buChar char="-"/>
-            </a:pPr>
-            <a:r>
-              <a:rPr b="1" lang="ru" sz="2000"/>
-              <a:t>Сроки</a:t>
-            </a:r>
-            <a:r>
-              <a:rPr lang="ru" sz="2000"/>
-              <a:t>:</a:t>
-            </a:r>
-            <a:endParaRPr sz="2000"/>
-          </a:p>
-          <a:p>
-            <a:pPr indent="0" lvl="0" marL="457200" rtl="0" algn="l">
-              <a:spcBef>
-                <a:spcPts val="0"/>
-              </a:spcBef>
-              <a:spcAft>
-                <a:spcPts val="0"/>
-              </a:spcAft>
-              <a:buNone/>
-            </a:pPr>
-            <a:r>
-              <a:rPr lang="ru" sz="2000"/>
-              <a:t>Сроки проекта, задач, рабочее время, etc.</a:t>
-            </a:r>
-            <a:endParaRPr sz="2000"/>
+            <a:endParaRPr lang="ru" sz="2000" dirty="0"/>
+          </a:p>
+          <a:p>
+            <a:pPr marL="457200" lvl="0" indent="0" algn="l" rtl="0">
+              <a:spcBef>
+                <a:spcPts val="0"/>
+              </a:spcBef>
+              <a:spcAft>
+                <a:spcPts val="0"/>
+              </a:spcAft>
+              <a:buNone/>
+            </a:pPr>
+            <a:r>
+              <a:rPr lang="ru" sz="2000" dirty="0" smtClean="0"/>
+              <a:t>Выбор </a:t>
+            </a:r>
+            <a:r>
+              <a:rPr lang="ru" sz="2000" smtClean="0"/>
+              <a:t>подходящей метрики</a:t>
+            </a:r>
+            <a:endParaRPr sz="2000" dirty="0" smtClean="0"/>
           </a:p>
         </p:txBody>
       </p:sp>
@@ -9279,11 +9377,11 @@
 </file>
 
 <file path=ppt/slides/slide6.xml><?xml version="1.0" encoding="utf-8"?>
-<p:sld xmlns:a="http://schemas.openxmlformats.org/drawingml/2006/main" xmlns:r="http://schemas.openxmlformats.org/officeDocument/2006/relationships" xmlns:mc="http://schemas.openxmlformats.org/markup-compatibility/2006" xmlns:mv="urn:schemas-microsoft-com:mac:vml" xmlns:p="http://schemas.openxmlformats.org/presentationml/2006/main" xmlns:c="http://schemas.openxmlformats.org/drawingml/2006/chart" xmlns:dgm="http://schemas.openxmlformats.org/drawingml/2006/diagram" xmlns:o="urn:schemas-microsoft-com:office:office" xmlns:v="urn:schemas-microsoft-com:vml" xmlns:pvml="urn:schemas-microsoft-com:office:powerpoint" xmlns:com="http://schemas.openxmlformats.org/drawingml/2006/compatibility" xmlns:p14="http://schemas.microsoft.com/office/powerpoint/2010/main" xmlns:p15="http://schemas.microsoft.com/office/powerpoint/2012/main" xmlns:ahyp="http://schemas.microsoft.com/office/drawing/2018/hyperlinkcolor">
+<p:sld xmlns:a="http://schemas.openxmlformats.org/drawingml/2006/main" xmlns:r="http://schemas.openxmlformats.org/officeDocument/2006/relationships" xmlns:p="http://schemas.openxmlformats.org/presentationml/2006/main">
   <p:cSld>
     <p:spTree>
       <p:nvGrpSpPr>
-        <p:cNvPr id="89" name="Shape 89"/>
+        <p:cNvPr id="1" name="Shape 89"/>
         <p:cNvGrpSpPr/>
         <p:nvPr/>
       </p:nvGrpSpPr>
@@ -9298,7 +9396,9 @@
       <p:sp>
         <p:nvSpPr>
           <p:cNvPr id="90" name="Google Shape;90;p18"/>
-          <p:cNvSpPr txBox="1"/>
+          <p:cNvSpPr txBox="1">
+            <a:spLocks noGrp="1"/>
+          </p:cNvSpPr>
           <p:nvPr>
             <p:ph type="title"/>
           </p:nvPr>
@@ -9313,22 +9413,22 @@
           </a:prstGeom>
         </p:spPr>
         <p:txBody>
-          <a:bodyPr anchorCtr="0" anchor="t" bIns="91425" lIns="91425" spcFirstLastPara="1" rIns="91425" wrap="square" tIns="91425">
+          <a:bodyPr spcFirstLastPara="1" wrap="square" lIns="91425" tIns="91425" rIns="91425" bIns="91425" anchor="t" anchorCtr="0">
             <a:normAutofit fontScale="90000"/>
           </a:bodyPr>
           <a:lstStyle/>
           <a:p>
-            <a:pPr indent="0" lvl="0" marL="0" rtl="0" algn="l">
-              <a:spcBef>
-                <a:spcPts val="0"/>
-              </a:spcBef>
-              <a:spcAft>
-                <a:spcPts val="0"/>
-              </a:spcAft>
-              <a:buNone/>
-            </a:pPr>
-            <a:r>
-              <a:rPr b="1" lang="ru" sz="2688">
+            <a:pPr marL="0" lvl="0" indent="0" algn="l" rtl="0">
+              <a:spcBef>
+                <a:spcPts val="0"/>
+              </a:spcBef>
+              <a:spcAft>
+                <a:spcPts val="0"/>
+              </a:spcAft>
+              <a:buNone/>
+            </a:pPr>
+            <a:r>
+              <a:rPr lang="ru" sz="2688" b="1">
                 <a:latin typeface="Comfortaa"/>
                 <a:ea typeface="Comfortaa"/>
                 <a:cs typeface="Comfortaa"/>
@@ -9343,18 +9443,15 @@
             <a:endParaRPr/>
           </a:p>
           <a:p>
-            <a:pPr indent="0" lvl="0" marL="0" rtl="0" algn="l">
-              <a:spcBef>
-                <a:spcPts val="0"/>
-              </a:spcBef>
-              <a:spcAft>
-                <a:spcPts val="0"/>
-              </a:spcAft>
-              <a:buNone/>
-            </a:pPr>
-            <a:r>
-              <a:t/>
-            </a:r>
+            <a:pPr marL="0" lvl="0" indent="0" algn="l" rtl="0">
+              <a:spcBef>
+                <a:spcPts val="0"/>
+              </a:spcBef>
+              <a:spcAft>
+                <a:spcPts val="0"/>
+              </a:spcAft>
+              <a:buNone/>
+            </a:pPr>
             <a:endParaRPr/>
           </a:p>
         </p:txBody>
@@ -9362,9 +9459,11 @@
       <p:sp>
         <p:nvSpPr>
           <p:cNvPr id="91" name="Google Shape;91;p18"/>
-          <p:cNvSpPr txBox="1"/>
+          <p:cNvSpPr txBox="1">
+            <a:spLocks noGrp="1"/>
+          </p:cNvSpPr>
           <p:nvPr>
-            <p:ph idx="1" type="body"/>
+            <p:ph type="body" idx="1"/>
           </p:nvPr>
         </p:nvSpPr>
         <p:spPr>
@@ -9377,12 +9476,12 @@
           </a:prstGeom>
         </p:spPr>
         <p:txBody>
-          <a:bodyPr anchorCtr="0" anchor="t" bIns="91425" lIns="91425" spcFirstLastPara="1" rIns="91425" wrap="square" tIns="91425">
+          <a:bodyPr spcFirstLastPara="1" wrap="square" lIns="91425" tIns="91425" rIns="91425" bIns="91425" anchor="t" anchorCtr="0">
             <a:normAutofit/>
           </a:bodyPr>
           <a:lstStyle/>
           <a:p>
-            <a:pPr indent="-342900" lvl="0" marL="457200" rtl="0" algn="l">
+            <a:pPr marL="457200" lvl="0" indent="-342900" algn="l" rtl="0">
               <a:spcBef>
                 <a:spcPts val="0"/>
               </a:spcBef>
@@ -9419,7 +9518,7 @@
             </a:endParaRPr>
           </a:p>
           <a:p>
-            <a:pPr indent="-342900" lvl="0" marL="457200" rtl="0" algn="l">
+            <a:pPr marL="457200" lvl="0" indent="-342900" algn="l" rtl="0">
               <a:spcBef>
                 <a:spcPts val="0"/>
               </a:spcBef>
@@ -9456,7 +9555,7 @@
             </a:endParaRPr>
           </a:p>
           <a:p>
-            <a:pPr indent="-342900" lvl="0" marL="457200" rtl="0" algn="l">
+            <a:pPr marL="457200" lvl="0" indent="-342900" algn="l" rtl="0">
               <a:spcBef>
                 <a:spcPts val="0"/>
               </a:spcBef>
@@ -9493,7 +9592,7 @@
             </a:endParaRPr>
           </a:p>
           <a:p>
-            <a:pPr indent="-342900" lvl="0" marL="457200" rtl="0" algn="l">
+            <a:pPr marL="457200" lvl="0" indent="-342900" algn="l" rtl="0">
               <a:spcBef>
                 <a:spcPts val="0"/>
               </a:spcBef>
@@ -9530,7 +9629,7 @@
             </a:endParaRPr>
           </a:p>
           <a:p>
-            <a:pPr indent="-342900" lvl="0" marL="457200" rtl="0" algn="l">
+            <a:pPr marL="457200" lvl="0" indent="-342900" algn="l" rtl="0">
               <a:spcBef>
                 <a:spcPts val="0"/>
               </a:spcBef>
@@ -9567,7 +9666,7 @@
             </a:endParaRPr>
           </a:p>
           <a:p>
-            <a:pPr indent="-342900" lvl="0" marL="457200" rtl="0" algn="l">
+            <a:pPr marL="457200" lvl="0" indent="-342900" algn="l" rtl="0">
               <a:spcBef>
                 <a:spcPts val="0"/>
               </a:spcBef>
@@ -9604,7 +9703,7 @@
             </a:endParaRPr>
           </a:p>
           <a:p>
-            <a:pPr indent="-342900" lvl="0" marL="457200" rtl="0" algn="l">
+            <a:pPr marL="457200" lvl="0" indent="-342900" algn="l" rtl="0">
               <a:spcBef>
                 <a:spcPts val="0"/>
               </a:spcBef>
@@ -9641,7 +9740,7 @@
             </a:endParaRPr>
           </a:p>
           <a:p>
-            <a:pPr indent="-342900" lvl="0" marL="457200" rtl="0" algn="l">
+            <a:pPr marL="457200" lvl="0" indent="-342900" algn="l" rtl="0">
               <a:spcBef>
                 <a:spcPts val="0"/>
               </a:spcBef>
@@ -9682,9 +9781,11 @@
       <p:sp>
         <p:nvSpPr>
           <p:cNvPr id="92" name="Google Shape;92;p18"/>
-          <p:cNvSpPr txBox="1"/>
+          <p:cNvSpPr txBox="1">
+            <a:spLocks noGrp="1"/>
+          </p:cNvSpPr>
           <p:nvPr>
-            <p:ph idx="1" type="body"/>
+            <p:ph type="body" idx="1"/>
           </p:nvPr>
         </p:nvSpPr>
         <p:spPr>
@@ -9697,12 +9798,12 @@
           </a:prstGeom>
         </p:spPr>
         <p:txBody>
-          <a:bodyPr anchorCtr="0" anchor="t" bIns="91425" lIns="91425" spcFirstLastPara="1" rIns="91425" wrap="square" tIns="91425">
+          <a:bodyPr spcFirstLastPara="1" wrap="square" lIns="91425" tIns="91425" rIns="91425" bIns="91425" anchor="t" anchorCtr="0">
             <a:noAutofit/>
           </a:bodyPr>
           <a:lstStyle/>
           <a:p>
-            <a:pPr indent="0" lvl="0" marL="0" rtl="0" algn="l">
+            <a:pPr marL="0" lvl="0" indent="0" algn="l" rtl="0">
               <a:lnSpc>
                 <a:spcPct val="95000"/>
               </a:lnSpc>
@@ -9715,7 +9816,7 @@
               <a:buNone/>
             </a:pPr>
             <a:r>
-              <a:rPr b="1" lang="ru" sz="2400">
+              <a:rPr lang="ru" sz="2400" b="1">
                 <a:solidFill>
                   <a:schemeClr val="dk1"/>
                 </a:solidFill>
@@ -9724,21 +9825,9 @@
                 <a:cs typeface="Comfortaa"/>
                 <a:sym typeface="Comfortaa"/>
               </a:rPr>
-              <a:t>4.	</a:t>
-            </a:r>
-            <a:r>
-              <a:rPr b="1" lang="ru" sz="2400">
-                <a:solidFill>
-                  <a:schemeClr val="dk1"/>
-                </a:solidFill>
-                <a:latin typeface="Comfortaa"/>
-                <a:ea typeface="Comfortaa"/>
-                <a:cs typeface="Comfortaa"/>
-                <a:sym typeface="Comfortaa"/>
-              </a:rPr>
-              <a:t>Baseline</a:t>
-            </a:r>
-            <a:endParaRPr b="1" sz="2400">
+              <a:t>4.	Baseline</a:t>
+            </a:r>
+            <a:endParaRPr sz="2400" b="1">
               <a:solidFill>
                 <a:schemeClr val="dk1"/>
               </a:solidFill>
@@ -9770,12 +9859,12 @@
           </a:ln>
         </p:spPr>
         <p:txBody>
-          <a:bodyPr anchorCtr="0" anchor="t" bIns="91425" lIns="91425" spcFirstLastPara="1" rIns="91425" wrap="square" tIns="91425">
+          <a:bodyPr spcFirstLastPara="1" wrap="square" lIns="91425" tIns="91425" rIns="91425" bIns="91425" anchor="t" anchorCtr="0">
             <a:spAutoFit/>
           </a:bodyPr>
           <a:lstStyle/>
           <a:p>
-            <a:pPr indent="-355600" lvl="0" marL="457200" rtl="0" algn="l">
+            <a:pPr marL="457200" lvl="0" indent="-355600" algn="l" rtl="0">
               <a:spcBef>
                 <a:spcPts val="0"/>
               </a:spcBef>
@@ -9786,13 +9875,13 @@
               <a:buChar char="-"/>
             </a:pPr>
             <a:r>
-              <a:rPr b="1" lang="ru" sz="2000"/>
+              <a:rPr lang="ru" sz="2000" b="1"/>
               <a:t>Обработка данных</a:t>
             </a:r>
             <a:endParaRPr sz="2000"/>
           </a:p>
           <a:p>
-            <a:pPr indent="0" lvl="0" marL="457200" rtl="0" algn="l">
+            <a:pPr marL="457200" lvl="0" indent="0" algn="l" rtl="0">
               <a:spcBef>
                 <a:spcPts val="0"/>
               </a:spcBef>
@@ -9808,7 +9897,7 @@
             <a:endParaRPr sz="2000"/>
           </a:p>
           <a:p>
-            <a:pPr indent="-355600" lvl="0" marL="457200" rtl="0" algn="l">
+            <a:pPr marL="457200" lvl="0" indent="-355600" algn="l" rtl="0">
               <a:spcBef>
                 <a:spcPts val="0"/>
               </a:spcBef>
@@ -9819,7 +9908,7 @@
               <a:buChar char="-"/>
             </a:pPr>
             <a:r>
-              <a:rPr b="1" lang="ru" sz="2000"/>
+              <a:rPr lang="ru" sz="2000" b="1"/>
               <a:t>EDA:</a:t>
             </a:r>
             <a:r>
@@ -9829,7 +9918,7 @@
             <a:endParaRPr sz="2000"/>
           </a:p>
           <a:p>
-            <a:pPr indent="0" lvl="0" marL="457200" rtl="0" algn="l">
+            <a:pPr marL="457200" lvl="0" indent="0" algn="l" rtl="0">
               <a:spcBef>
                 <a:spcPts val="0"/>
               </a:spcBef>
@@ -9845,7 +9934,7 @@
             <a:endParaRPr sz="2000"/>
           </a:p>
           <a:p>
-            <a:pPr indent="-355600" lvl="0" marL="457200" rtl="0" algn="l">
+            <a:pPr marL="457200" lvl="0" indent="-355600" algn="l" rtl="0">
               <a:spcBef>
                 <a:spcPts val="0"/>
               </a:spcBef>
@@ -9856,13 +9945,13 @@
               <a:buChar char="-"/>
             </a:pPr>
             <a:r>
-              <a:rPr b="1" lang="ru" sz="2000"/>
+              <a:rPr lang="ru" sz="2000" b="1"/>
               <a:t>Metric:</a:t>
             </a:r>
             <a:endParaRPr sz="2000"/>
           </a:p>
           <a:p>
-            <a:pPr indent="457200" lvl="0" marL="0" rtl="0" algn="l">
+            <a:pPr marL="0" lvl="0" indent="457200" algn="l" rtl="0">
               <a:spcBef>
                 <a:spcPts val="0"/>
               </a:spcBef>
@@ -9878,7 +9967,7 @@
             <a:endParaRPr sz="2000"/>
           </a:p>
           <a:p>
-            <a:pPr indent="-355600" lvl="0" marL="457200" rtl="0" algn="l">
+            <a:pPr marL="457200" lvl="0" indent="-355600" algn="l" rtl="0">
               <a:spcBef>
                 <a:spcPts val="0"/>
               </a:spcBef>
@@ -9889,7 +9978,7 @@
               <a:buChar char="-"/>
             </a:pPr>
             <a:r>
-              <a:rPr b="1" lang="ru" sz="2000"/>
+              <a:rPr lang="ru" sz="2000" b="1"/>
               <a:t>Baseline model</a:t>
             </a:r>
             <a:r>
@@ -9899,7 +9988,7 @@
             <a:endParaRPr sz="2000"/>
           </a:p>
           <a:p>
-            <a:pPr indent="0" lvl="0" marL="457200" rtl="0" algn="l">
+            <a:pPr marL="457200" lvl="0" indent="0" algn="l" rtl="0">
               <a:spcBef>
                 <a:spcPts val="0"/>
               </a:spcBef>
@@ -9925,11 +10014,11 @@
 </file>
 
 <file path=ppt/slides/slide7.xml><?xml version="1.0" encoding="utf-8"?>
-<p:sld xmlns:a="http://schemas.openxmlformats.org/drawingml/2006/main" xmlns:r="http://schemas.openxmlformats.org/officeDocument/2006/relationships" xmlns:mc="http://schemas.openxmlformats.org/markup-compatibility/2006" xmlns:mv="urn:schemas-microsoft-com:mac:vml" xmlns:p="http://schemas.openxmlformats.org/presentationml/2006/main" xmlns:c="http://schemas.openxmlformats.org/drawingml/2006/chart" xmlns:dgm="http://schemas.openxmlformats.org/drawingml/2006/diagram" xmlns:o="urn:schemas-microsoft-com:office:office" xmlns:v="urn:schemas-microsoft-com:vml" xmlns:pvml="urn:schemas-microsoft-com:office:powerpoint" xmlns:com="http://schemas.openxmlformats.org/drawingml/2006/compatibility" xmlns:p14="http://schemas.microsoft.com/office/powerpoint/2010/main" xmlns:p15="http://schemas.microsoft.com/office/powerpoint/2012/main" xmlns:ahyp="http://schemas.microsoft.com/office/drawing/2018/hyperlinkcolor">
+<p:sld xmlns:a="http://schemas.openxmlformats.org/drawingml/2006/main" xmlns:r="http://schemas.openxmlformats.org/officeDocument/2006/relationships" xmlns:p="http://schemas.openxmlformats.org/presentationml/2006/main">
   <p:cSld>
     <p:spTree>
       <p:nvGrpSpPr>
-        <p:cNvPr id="97" name="Shape 97"/>
+        <p:cNvPr id="1" name="Shape 97"/>
         <p:cNvGrpSpPr/>
         <p:nvPr/>
       </p:nvGrpSpPr>
@@ -9944,7 +10033,9 @@
       <p:sp>
         <p:nvSpPr>
           <p:cNvPr id="98" name="Google Shape;98;p19"/>
-          <p:cNvSpPr txBox="1"/>
+          <p:cNvSpPr txBox="1">
+            <a:spLocks noGrp="1"/>
+          </p:cNvSpPr>
           <p:nvPr>
             <p:ph type="title"/>
           </p:nvPr>
@@ -9959,22 +10050,22 @@
           </a:prstGeom>
         </p:spPr>
         <p:txBody>
-          <a:bodyPr anchorCtr="0" anchor="t" bIns="91425" lIns="91425" spcFirstLastPara="1" rIns="91425" wrap="square" tIns="91425">
+          <a:bodyPr spcFirstLastPara="1" wrap="square" lIns="91425" tIns="91425" rIns="91425" bIns="91425" anchor="t" anchorCtr="0">
             <a:normAutofit fontScale="90000"/>
           </a:bodyPr>
           <a:lstStyle/>
           <a:p>
-            <a:pPr indent="0" lvl="0" marL="0" rtl="0" algn="l">
-              <a:spcBef>
-                <a:spcPts val="0"/>
-              </a:spcBef>
-              <a:spcAft>
-                <a:spcPts val="0"/>
-              </a:spcAft>
-              <a:buNone/>
-            </a:pPr>
-            <a:r>
-              <a:rPr b="1" lang="ru" sz="2688">
+            <a:pPr marL="0" lvl="0" indent="0" algn="l" rtl="0">
+              <a:spcBef>
+                <a:spcPts val="0"/>
+              </a:spcBef>
+              <a:spcAft>
+                <a:spcPts val="0"/>
+              </a:spcAft>
+              <a:buNone/>
+            </a:pPr>
+            <a:r>
+              <a:rPr lang="ru" sz="2688" b="1">
                 <a:latin typeface="Comfortaa"/>
                 <a:ea typeface="Comfortaa"/>
                 <a:cs typeface="Comfortaa"/>
@@ -9989,18 +10080,15 @@
             <a:endParaRPr/>
           </a:p>
           <a:p>
-            <a:pPr indent="0" lvl="0" marL="0" rtl="0" algn="l">
-              <a:spcBef>
-                <a:spcPts val="0"/>
-              </a:spcBef>
-              <a:spcAft>
-                <a:spcPts val="0"/>
-              </a:spcAft>
-              <a:buNone/>
-            </a:pPr>
-            <a:r>
-              <a:t/>
-            </a:r>
+            <a:pPr marL="0" lvl="0" indent="0" algn="l" rtl="0">
+              <a:spcBef>
+                <a:spcPts val="0"/>
+              </a:spcBef>
+              <a:spcAft>
+                <a:spcPts val="0"/>
+              </a:spcAft>
+              <a:buNone/>
+            </a:pPr>
             <a:endParaRPr/>
           </a:p>
         </p:txBody>
@@ -10008,9 +10096,11 @@
       <p:sp>
         <p:nvSpPr>
           <p:cNvPr id="99" name="Google Shape;99;p19"/>
-          <p:cNvSpPr txBox="1"/>
+          <p:cNvSpPr txBox="1">
+            <a:spLocks noGrp="1"/>
+          </p:cNvSpPr>
           <p:nvPr>
-            <p:ph idx="1" type="body"/>
+            <p:ph type="body" idx="1"/>
           </p:nvPr>
         </p:nvSpPr>
         <p:spPr>
@@ -10023,12 +10113,12 @@
           </a:prstGeom>
         </p:spPr>
         <p:txBody>
-          <a:bodyPr anchorCtr="0" anchor="t" bIns="91425" lIns="91425" spcFirstLastPara="1" rIns="91425" wrap="square" tIns="91425">
+          <a:bodyPr spcFirstLastPara="1" wrap="square" lIns="91425" tIns="91425" rIns="91425" bIns="91425" anchor="t" anchorCtr="0">
             <a:normAutofit/>
           </a:bodyPr>
           <a:lstStyle/>
           <a:p>
-            <a:pPr indent="-342900" lvl="0" marL="457200" rtl="0" algn="l">
+            <a:pPr marL="457200" lvl="0" indent="-342900" algn="l" rtl="0">
               <a:spcBef>
                 <a:spcPts val="0"/>
               </a:spcBef>
@@ -10065,7 +10155,7 @@
             </a:endParaRPr>
           </a:p>
           <a:p>
-            <a:pPr indent="-342900" lvl="0" marL="457200" rtl="0" algn="l">
+            <a:pPr marL="457200" lvl="0" indent="-342900" algn="l" rtl="0">
               <a:spcBef>
                 <a:spcPts val="0"/>
               </a:spcBef>
@@ -10102,7 +10192,7 @@
             </a:endParaRPr>
           </a:p>
           <a:p>
-            <a:pPr indent="-342900" lvl="0" marL="457200" rtl="0" algn="l">
+            <a:pPr marL="457200" lvl="0" indent="-342900" algn="l" rtl="0">
               <a:spcBef>
                 <a:spcPts val="0"/>
               </a:spcBef>
@@ -10139,7 +10229,7 @@
             </a:endParaRPr>
           </a:p>
           <a:p>
-            <a:pPr indent="-342900" lvl="0" marL="457200" rtl="0" algn="l">
+            <a:pPr marL="457200" lvl="0" indent="-342900" algn="l" rtl="0">
               <a:spcBef>
                 <a:spcPts val="0"/>
               </a:spcBef>
@@ -10176,7 +10266,7 @@
             </a:endParaRPr>
           </a:p>
           <a:p>
-            <a:pPr indent="-342900" lvl="0" marL="457200" rtl="0" algn="l">
+            <a:pPr marL="457200" lvl="0" indent="-342900" algn="l" rtl="0">
               <a:spcBef>
                 <a:spcPts val="0"/>
               </a:spcBef>
@@ -10213,7 +10303,7 @@
             </a:endParaRPr>
           </a:p>
           <a:p>
-            <a:pPr indent="-342900" lvl="0" marL="457200" rtl="0" algn="l">
+            <a:pPr marL="457200" lvl="0" indent="-342900" algn="l" rtl="0">
               <a:spcBef>
                 <a:spcPts val="0"/>
               </a:spcBef>
@@ -10250,7 +10340,7 @@
             </a:endParaRPr>
           </a:p>
           <a:p>
-            <a:pPr indent="-342900" lvl="0" marL="457200" rtl="0" algn="l">
+            <a:pPr marL="457200" lvl="0" indent="-342900" algn="l" rtl="0">
               <a:spcBef>
                 <a:spcPts val="0"/>
               </a:spcBef>
@@ -10287,7 +10377,7 @@
             </a:endParaRPr>
           </a:p>
           <a:p>
-            <a:pPr indent="-342900" lvl="0" marL="457200" rtl="0" algn="l">
+            <a:pPr marL="457200" lvl="0" indent="-342900" algn="l" rtl="0">
               <a:spcBef>
                 <a:spcPts val="0"/>
               </a:spcBef>
@@ -10328,9 +10418,11 @@
       <p:sp>
         <p:nvSpPr>
           <p:cNvPr id="100" name="Google Shape;100;p19"/>
-          <p:cNvSpPr txBox="1"/>
+          <p:cNvSpPr txBox="1">
+            <a:spLocks noGrp="1"/>
+          </p:cNvSpPr>
           <p:nvPr>
-            <p:ph idx="1" type="body"/>
+            <p:ph type="body" idx="1"/>
           </p:nvPr>
         </p:nvSpPr>
         <p:spPr>
@@ -10343,12 +10435,12 @@
           </a:prstGeom>
         </p:spPr>
         <p:txBody>
-          <a:bodyPr anchorCtr="0" anchor="t" bIns="91425" lIns="91425" spcFirstLastPara="1" rIns="91425" wrap="square" tIns="91425">
+          <a:bodyPr spcFirstLastPara="1" wrap="square" lIns="91425" tIns="91425" rIns="91425" bIns="91425" anchor="t" anchorCtr="0">
             <a:noAutofit/>
           </a:bodyPr>
           <a:lstStyle/>
           <a:p>
-            <a:pPr indent="0" lvl="0" marL="0" rtl="0" algn="l">
+            <a:pPr marL="0" lvl="0" indent="0" algn="l" rtl="0">
               <a:lnSpc>
                 <a:spcPct val="95000"/>
               </a:lnSpc>
@@ -10361,7 +10453,7 @@
               <a:buNone/>
             </a:pPr>
             <a:r>
-              <a:rPr b="1" lang="ru" sz="2400">
+              <a:rPr lang="ru" sz="2400" b="1">
                 <a:solidFill>
                   <a:schemeClr val="dk1"/>
                 </a:solidFill>
@@ -10372,7 +10464,7 @@
               </a:rPr>
               <a:t>5. Model</a:t>
             </a:r>
-            <a:endParaRPr b="1" sz="2400">
+            <a:endParaRPr sz="2400" b="1">
               <a:solidFill>
                 <a:schemeClr val="dk1"/>
               </a:solidFill>
@@ -10404,12 +10496,12 @@
           </a:ln>
         </p:spPr>
         <p:txBody>
-          <a:bodyPr anchorCtr="0" anchor="t" bIns="91425" lIns="91425" spcFirstLastPara="1" rIns="91425" wrap="square" tIns="91425">
+          <a:bodyPr spcFirstLastPara="1" wrap="square" lIns="91425" tIns="91425" rIns="91425" bIns="91425" anchor="t" anchorCtr="0">
             <a:spAutoFit/>
           </a:bodyPr>
           <a:lstStyle/>
           <a:p>
-            <a:pPr indent="-355600" lvl="0" marL="457200" rtl="0" algn="l">
+            <a:pPr marL="457200" lvl="0" indent="-355600" algn="l" rtl="0">
               <a:spcBef>
                 <a:spcPts val="0"/>
               </a:spcBef>
@@ -10420,13 +10512,13 @@
               <a:buChar char="-"/>
             </a:pPr>
             <a:r>
-              <a:rPr b="1" lang="ru" sz="2000"/>
+              <a:rPr lang="ru" sz="2000" b="1"/>
               <a:t>Написание модели(ей)</a:t>
             </a:r>
             <a:endParaRPr sz="2000"/>
           </a:p>
           <a:p>
-            <a:pPr indent="0" lvl="0" marL="457200" rtl="0" algn="l">
+            <a:pPr marL="457200" lvl="0" indent="0" algn="l" rtl="0">
               <a:spcBef>
                 <a:spcPts val="0"/>
               </a:spcBef>
@@ -10442,7 +10534,7 @@
             <a:endParaRPr sz="2000"/>
           </a:p>
           <a:p>
-            <a:pPr indent="-355600" lvl="0" marL="457200" rtl="0" algn="l">
+            <a:pPr marL="457200" lvl="0" indent="-355600" algn="l" rtl="0">
               <a:spcBef>
                 <a:spcPts val="0"/>
               </a:spcBef>
@@ -10453,12 +10545,8 @@
               <a:buChar char="-"/>
             </a:pPr>
             <a:r>
-              <a:rPr b="1" lang="ru" sz="2000"/>
-              <a:t>Оценка и подбор гиперпараметров</a:t>
-            </a:r>
-            <a:r>
-              <a:rPr b="1" lang="ru" sz="2000"/>
-              <a:t>:</a:t>
+              <a:rPr lang="ru" sz="2000" b="1"/>
+              <a:t>Оценка и подбор гиперпараметров:</a:t>
             </a:r>
             <a:r>
               <a:rPr lang="ru" sz="2000"/>
@@ -10467,7 +10555,7 @@
             <a:endParaRPr sz="2000"/>
           </a:p>
           <a:p>
-            <a:pPr indent="0" lvl="0" marL="457200" rtl="0" algn="l">
+            <a:pPr marL="457200" lvl="0" indent="0" algn="l" rtl="0">
               <a:spcBef>
                 <a:spcPts val="0"/>
               </a:spcBef>
@@ -10483,7 +10571,7 @@
             <a:endParaRPr sz="2000"/>
           </a:p>
           <a:p>
-            <a:pPr indent="-355600" lvl="0" marL="457200" rtl="0" algn="l">
+            <a:pPr marL="457200" lvl="0" indent="-355600" algn="l" rtl="0">
               <a:spcBef>
                 <a:spcPts val="0"/>
               </a:spcBef>
@@ -10494,7 +10582,7 @@
               <a:buChar char="-"/>
             </a:pPr>
             <a:r>
-              <a:rPr b="1" lang="ru" sz="2000"/>
+              <a:rPr lang="ru" sz="2000" b="1"/>
               <a:t>Планерка</a:t>
             </a:r>
             <a:r>
@@ -10504,7 +10592,7 @@
             <a:endParaRPr sz="2000"/>
           </a:p>
           <a:p>
-            <a:pPr indent="0" lvl="0" marL="0" rtl="0" algn="l">
+            <a:pPr marL="0" lvl="0" indent="0" algn="l" rtl="0">
               <a:spcBef>
                 <a:spcPts val="0"/>
               </a:spcBef>
@@ -10530,11 +10618,11 @@
 </file>
 
 <file path=ppt/slides/slide8.xml><?xml version="1.0" encoding="utf-8"?>
-<p:sld xmlns:a="http://schemas.openxmlformats.org/drawingml/2006/main" xmlns:r="http://schemas.openxmlformats.org/officeDocument/2006/relationships" xmlns:mc="http://schemas.openxmlformats.org/markup-compatibility/2006" xmlns:mv="urn:schemas-microsoft-com:mac:vml" xmlns:p="http://schemas.openxmlformats.org/presentationml/2006/main" xmlns:c="http://schemas.openxmlformats.org/drawingml/2006/chart" xmlns:dgm="http://schemas.openxmlformats.org/drawingml/2006/diagram" xmlns:o="urn:schemas-microsoft-com:office:office" xmlns:v="urn:schemas-microsoft-com:vml" xmlns:pvml="urn:schemas-microsoft-com:office:powerpoint" xmlns:com="http://schemas.openxmlformats.org/drawingml/2006/compatibility" xmlns:p14="http://schemas.microsoft.com/office/powerpoint/2010/main" xmlns:p15="http://schemas.microsoft.com/office/powerpoint/2012/main" xmlns:ahyp="http://schemas.microsoft.com/office/drawing/2018/hyperlinkcolor">
+<p:sld xmlns:a="http://schemas.openxmlformats.org/drawingml/2006/main" xmlns:r="http://schemas.openxmlformats.org/officeDocument/2006/relationships" xmlns:p="http://schemas.openxmlformats.org/presentationml/2006/main">
   <p:cSld>
     <p:spTree>
       <p:nvGrpSpPr>
-        <p:cNvPr id="105" name="Shape 105"/>
+        <p:cNvPr id="1" name="Shape 105"/>
         <p:cNvGrpSpPr/>
         <p:nvPr/>
       </p:nvGrpSpPr>
@@ -10549,7 +10637,9 @@
       <p:sp>
         <p:nvSpPr>
           <p:cNvPr id="106" name="Google Shape;106;p20"/>
-          <p:cNvSpPr txBox="1"/>
+          <p:cNvSpPr txBox="1">
+            <a:spLocks noGrp="1"/>
+          </p:cNvSpPr>
           <p:nvPr>
             <p:ph type="title"/>
           </p:nvPr>
@@ -10564,22 +10654,22 @@
           </a:prstGeom>
         </p:spPr>
         <p:txBody>
-          <a:bodyPr anchorCtr="0" anchor="t" bIns="91425" lIns="91425" spcFirstLastPara="1" rIns="91425" wrap="square" tIns="91425">
+          <a:bodyPr spcFirstLastPara="1" wrap="square" lIns="91425" tIns="91425" rIns="91425" bIns="91425" anchor="t" anchorCtr="0">
             <a:normAutofit fontScale="90000"/>
           </a:bodyPr>
           <a:lstStyle/>
           <a:p>
-            <a:pPr indent="0" lvl="0" marL="0" rtl="0" algn="l">
-              <a:spcBef>
-                <a:spcPts val="0"/>
-              </a:spcBef>
-              <a:spcAft>
-                <a:spcPts val="0"/>
-              </a:spcAft>
-              <a:buNone/>
-            </a:pPr>
-            <a:r>
-              <a:rPr b="1" lang="ru" sz="2688">
+            <a:pPr marL="0" lvl="0" indent="0" algn="l" rtl="0">
+              <a:spcBef>
+                <a:spcPts val="0"/>
+              </a:spcBef>
+              <a:spcAft>
+                <a:spcPts val="0"/>
+              </a:spcAft>
+              <a:buNone/>
+            </a:pPr>
+            <a:r>
+              <a:rPr lang="ru" sz="2688" b="1">
                 <a:latin typeface="Comfortaa"/>
                 <a:ea typeface="Comfortaa"/>
                 <a:cs typeface="Comfortaa"/>
@@ -10594,18 +10684,15 @@
             <a:endParaRPr/>
           </a:p>
           <a:p>
-            <a:pPr indent="0" lvl="0" marL="0" rtl="0" algn="l">
-              <a:spcBef>
-                <a:spcPts val="0"/>
-              </a:spcBef>
-              <a:spcAft>
-                <a:spcPts val="0"/>
-              </a:spcAft>
-              <a:buNone/>
-            </a:pPr>
-            <a:r>
-              <a:t/>
-            </a:r>
+            <a:pPr marL="0" lvl="0" indent="0" algn="l" rtl="0">
+              <a:spcBef>
+                <a:spcPts val="0"/>
+              </a:spcBef>
+              <a:spcAft>
+                <a:spcPts val="0"/>
+              </a:spcAft>
+              <a:buNone/>
+            </a:pPr>
             <a:endParaRPr/>
           </a:p>
         </p:txBody>
@@ -10613,9 +10700,11 @@
       <p:sp>
         <p:nvSpPr>
           <p:cNvPr id="107" name="Google Shape;107;p20"/>
-          <p:cNvSpPr txBox="1"/>
+          <p:cNvSpPr txBox="1">
+            <a:spLocks noGrp="1"/>
+          </p:cNvSpPr>
           <p:nvPr>
-            <p:ph idx="1" type="body"/>
+            <p:ph type="body" idx="1"/>
           </p:nvPr>
         </p:nvSpPr>
         <p:spPr>
@@ -10628,12 +10717,12 @@
           </a:prstGeom>
         </p:spPr>
         <p:txBody>
-          <a:bodyPr anchorCtr="0" anchor="t" bIns="91425" lIns="91425" spcFirstLastPara="1" rIns="91425" wrap="square" tIns="91425">
+          <a:bodyPr spcFirstLastPara="1" wrap="square" lIns="91425" tIns="91425" rIns="91425" bIns="91425" anchor="t" anchorCtr="0">
             <a:normAutofit/>
           </a:bodyPr>
           <a:lstStyle/>
           <a:p>
-            <a:pPr indent="-342900" lvl="0" marL="457200" rtl="0" algn="l">
+            <a:pPr marL="457200" lvl="0" indent="-342900" algn="l" rtl="0">
               <a:spcBef>
                 <a:spcPts val="0"/>
               </a:spcBef>
@@ -10670,7 +10759,7 @@
             </a:endParaRPr>
           </a:p>
           <a:p>
-            <a:pPr indent="-342900" lvl="0" marL="457200" rtl="0" algn="l">
+            <a:pPr marL="457200" lvl="0" indent="-342900" algn="l" rtl="0">
               <a:spcBef>
                 <a:spcPts val="0"/>
               </a:spcBef>
@@ -10707,7 +10796,7 @@
             </a:endParaRPr>
           </a:p>
           <a:p>
-            <a:pPr indent="-342900" lvl="0" marL="457200" rtl="0" algn="l">
+            <a:pPr marL="457200" lvl="0" indent="-342900" algn="l" rtl="0">
               <a:spcBef>
                 <a:spcPts val="0"/>
               </a:spcBef>
@@ -10744,7 +10833,7 @@
             </a:endParaRPr>
           </a:p>
           <a:p>
-            <a:pPr indent="-342900" lvl="0" marL="457200" rtl="0" algn="l">
+            <a:pPr marL="457200" lvl="0" indent="-342900" algn="l" rtl="0">
               <a:spcBef>
                 <a:spcPts val="0"/>
               </a:spcBef>
@@ -10781,7 +10870,7 @@
             </a:endParaRPr>
           </a:p>
           <a:p>
-            <a:pPr indent="-342900" lvl="0" marL="457200" rtl="0" algn="l">
+            <a:pPr marL="457200" lvl="0" indent="-342900" algn="l" rtl="0">
               <a:spcBef>
                 <a:spcPts val="0"/>
               </a:spcBef>
@@ -10818,7 +10907,7 @@
             </a:endParaRPr>
           </a:p>
           <a:p>
-            <a:pPr indent="-342900" lvl="0" marL="457200" rtl="0" algn="l">
+            <a:pPr marL="457200" lvl="0" indent="-342900" algn="l" rtl="0">
               <a:spcBef>
                 <a:spcPts val="0"/>
               </a:spcBef>
@@ -10855,7 +10944,7 @@
             </a:endParaRPr>
           </a:p>
           <a:p>
-            <a:pPr indent="-342900" lvl="0" marL="457200" rtl="0" algn="l">
+            <a:pPr marL="457200" lvl="0" indent="-342900" algn="l" rtl="0">
               <a:spcBef>
                 <a:spcPts val="0"/>
               </a:spcBef>
@@ -10892,7 +10981,7 @@
             </a:endParaRPr>
           </a:p>
           <a:p>
-            <a:pPr indent="-342900" lvl="0" marL="457200" rtl="0" algn="l">
+            <a:pPr marL="457200" lvl="0" indent="-342900" algn="l" rtl="0">
               <a:spcBef>
                 <a:spcPts val="0"/>
               </a:spcBef>
@@ -10933,9 +11022,11 @@
       <p:sp>
         <p:nvSpPr>
           <p:cNvPr id="108" name="Google Shape;108;p20"/>
-          <p:cNvSpPr txBox="1"/>
+          <p:cNvSpPr txBox="1">
+            <a:spLocks noGrp="1"/>
+          </p:cNvSpPr>
           <p:nvPr>
-            <p:ph idx="1" type="body"/>
+            <p:ph type="body" idx="1"/>
           </p:nvPr>
         </p:nvSpPr>
         <p:spPr>
@@ -10948,12 +11039,12 @@
           </a:prstGeom>
         </p:spPr>
         <p:txBody>
-          <a:bodyPr anchorCtr="0" anchor="t" bIns="91425" lIns="91425" spcFirstLastPara="1" rIns="91425" wrap="square" tIns="91425">
+          <a:bodyPr spcFirstLastPara="1" wrap="square" lIns="91425" tIns="91425" rIns="91425" bIns="91425" anchor="t" anchorCtr="0">
             <a:noAutofit/>
           </a:bodyPr>
           <a:lstStyle/>
           <a:p>
-            <a:pPr indent="0" lvl="0" marL="0" rtl="0" algn="l">
+            <a:pPr marL="0" lvl="0" indent="0" algn="l" rtl="0">
               <a:lnSpc>
                 <a:spcPct val="95000"/>
               </a:lnSpc>
@@ -10966,7 +11057,7 @@
               <a:buNone/>
             </a:pPr>
             <a:r>
-              <a:rPr b="1" lang="ru" sz="2400">
+              <a:rPr lang="ru" sz="2400" b="1">
                 <a:solidFill>
                   <a:schemeClr val="dk1"/>
                 </a:solidFill>
@@ -10975,21 +11066,9 @@
                 <a:cs typeface="Comfortaa"/>
                 <a:sym typeface="Comfortaa"/>
               </a:rPr>
-              <a:t>6</a:t>
-            </a:r>
-            <a:r>
-              <a:rPr b="1" lang="ru" sz="2400">
-                <a:solidFill>
-                  <a:schemeClr val="dk1"/>
-                </a:solidFill>
-                <a:latin typeface="Comfortaa"/>
-                <a:ea typeface="Comfortaa"/>
-                <a:cs typeface="Comfortaa"/>
-                <a:sym typeface="Comfortaa"/>
-              </a:rPr>
-              <a:t>.	Validation</a:t>
-            </a:r>
-            <a:endParaRPr b="1" sz="2400">
+              <a:t>6.	Validation</a:t>
+            </a:r>
+            <a:endParaRPr sz="2400" b="1">
               <a:solidFill>
                 <a:schemeClr val="dk1"/>
               </a:solidFill>
@@ -11021,12 +11100,12 @@
           </a:ln>
         </p:spPr>
         <p:txBody>
-          <a:bodyPr anchorCtr="0" anchor="t" bIns="91425" lIns="91425" spcFirstLastPara="1" rIns="91425" wrap="square" tIns="91425">
+          <a:bodyPr spcFirstLastPara="1" wrap="square" lIns="91425" tIns="91425" rIns="91425" bIns="91425" anchor="t" anchorCtr="0">
             <a:spAutoFit/>
           </a:bodyPr>
           <a:lstStyle/>
           <a:p>
-            <a:pPr indent="-355600" lvl="0" marL="457200" rtl="0" algn="l">
+            <a:pPr marL="457200" lvl="0" indent="-355600" algn="l" rtl="0">
               <a:spcBef>
                 <a:spcPts val="0"/>
               </a:spcBef>
@@ -11037,13 +11116,13 @@
               <a:buChar char="-"/>
             </a:pPr>
             <a:r>
-              <a:rPr b="1" lang="ru" sz="2000"/>
+              <a:rPr lang="ru" sz="2000" b="1"/>
               <a:t>Оценка модели</a:t>
             </a:r>
             <a:endParaRPr sz="2000"/>
           </a:p>
           <a:p>
-            <a:pPr indent="0" lvl="0" marL="457200" rtl="0" algn="l">
+            <a:pPr marL="457200" lvl="0" indent="0" algn="l" rtl="0">
               <a:spcBef>
                 <a:spcPts val="0"/>
               </a:spcBef>
@@ -11069,11 +11148,11 @@
 </file>
 
 <file path=ppt/slides/slide9.xml><?xml version="1.0" encoding="utf-8"?>
-<p:sld xmlns:a="http://schemas.openxmlformats.org/drawingml/2006/main" xmlns:r="http://schemas.openxmlformats.org/officeDocument/2006/relationships" xmlns:mc="http://schemas.openxmlformats.org/markup-compatibility/2006" xmlns:mv="urn:schemas-microsoft-com:mac:vml" xmlns:p="http://schemas.openxmlformats.org/presentationml/2006/main" xmlns:c="http://schemas.openxmlformats.org/drawingml/2006/chart" xmlns:dgm="http://schemas.openxmlformats.org/drawingml/2006/diagram" xmlns:o="urn:schemas-microsoft-com:office:office" xmlns:v="urn:schemas-microsoft-com:vml" xmlns:pvml="urn:schemas-microsoft-com:office:powerpoint" xmlns:com="http://schemas.openxmlformats.org/drawingml/2006/compatibility" xmlns:p14="http://schemas.microsoft.com/office/powerpoint/2010/main" xmlns:p15="http://schemas.microsoft.com/office/powerpoint/2012/main" xmlns:ahyp="http://schemas.microsoft.com/office/drawing/2018/hyperlinkcolor">
+<p:sld xmlns:a="http://schemas.openxmlformats.org/drawingml/2006/main" xmlns:r="http://schemas.openxmlformats.org/officeDocument/2006/relationships" xmlns:p="http://schemas.openxmlformats.org/presentationml/2006/main">
   <p:cSld>
     <p:spTree>
       <p:nvGrpSpPr>
-        <p:cNvPr id="113" name="Shape 113"/>
+        <p:cNvPr id="1" name="Shape 113"/>
         <p:cNvGrpSpPr/>
         <p:nvPr/>
       </p:nvGrpSpPr>
@@ -11088,7 +11167,9 @@
       <p:sp>
         <p:nvSpPr>
           <p:cNvPr id="114" name="Google Shape;114;p21"/>
-          <p:cNvSpPr txBox="1"/>
+          <p:cNvSpPr txBox="1">
+            <a:spLocks noGrp="1"/>
+          </p:cNvSpPr>
           <p:nvPr>
             <p:ph type="title"/>
           </p:nvPr>
@@ -11103,22 +11184,22 @@
           </a:prstGeom>
         </p:spPr>
         <p:txBody>
-          <a:bodyPr anchorCtr="0" anchor="t" bIns="91425" lIns="91425" spcFirstLastPara="1" rIns="91425" wrap="square" tIns="91425">
+          <a:bodyPr spcFirstLastPara="1" wrap="square" lIns="91425" tIns="91425" rIns="91425" bIns="91425" anchor="t" anchorCtr="0">
             <a:normAutofit fontScale="90000"/>
           </a:bodyPr>
           <a:lstStyle/>
           <a:p>
-            <a:pPr indent="0" lvl="0" marL="0" rtl="0" algn="l">
-              <a:spcBef>
-                <a:spcPts val="0"/>
-              </a:spcBef>
-              <a:spcAft>
-                <a:spcPts val="0"/>
-              </a:spcAft>
-              <a:buNone/>
-            </a:pPr>
-            <a:r>
-              <a:rPr b="1" lang="ru" sz="2688">
+            <a:pPr marL="0" lvl="0" indent="0" algn="l" rtl="0">
+              <a:spcBef>
+                <a:spcPts val="0"/>
+              </a:spcBef>
+              <a:spcAft>
+                <a:spcPts val="0"/>
+              </a:spcAft>
+              <a:buNone/>
+            </a:pPr>
+            <a:r>
+              <a:rPr lang="ru" sz="2688" b="1">
                 <a:latin typeface="Comfortaa"/>
                 <a:ea typeface="Comfortaa"/>
                 <a:cs typeface="Comfortaa"/>
@@ -11133,18 +11214,15 @@
             <a:endParaRPr/>
           </a:p>
           <a:p>
-            <a:pPr indent="0" lvl="0" marL="0" rtl="0" algn="l">
-              <a:spcBef>
-                <a:spcPts val="0"/>
-              </a:spcBef>
-              <a:spcAft>
-                <a:spcPts val="0"/>
-              </a:spcAft>
-              <a:buNone/>
-            </a:pPr>
-            <a:r>
-              <a:t/>
-            </a:r>
+            <a:pPr marL="0" lvl="0" indent="0" algn="l" rtl="0">
+              <a:spcBef>
+                <a:spcPts val="0"/>
+              </a:spcBef>
+              <a:spcAft>
+                <a:spcPts val="0"/>
+              </a:spcAft>
+              <a:buNone/>
+            </a:pPr>
             <a:endParaRPr/>
           </a:p>
         </p:txBody>
@@ -11152,9 +11230,11 @@
       <p:sp>
         <p:nvSpPr>
           <p:cNvPr id="115" name="Google Shape;115;p21"/>
-          <p:cNvSpPr txBox="1"/>
+          <p:cNvSpPr txBox="1">
+            <a:spLocks noGrp="1"/>
+          </p:cNvSpPr>
           <p:nvPr>
-            <p:ph idx="1" type="body"/>
+            <p:ph type="body" idx="1"/>
           </p:nvPr>
         </p:nvSpPr>
         <p:spPr>
@@ -11167,12 +11247,12 @@
           </a:prstGeom>
         </p:spPr>
         <p:txBody>
-          <a:bodyPr anchorCtr="0" anchor="t" bIns="91425" lIns="91425" spcFirstLastPara="1" rIns="91425" wrap="square" tIns="91425">
+          <a:bodyPr spcFirstLastPara="1" wrap="square" lIns="91425" tIns="91425" rIns="91425" bIns="91425" anchor="t" anchorCtr="0">
             <a:normAutofit/>
           </a:bodyPr>
           <a:lstStyle/>
           <a:p>
-            <a:pPr indent="-342900" lvl="0" marL="457200" rtl="0" algn="l">
+            <a:pPr marL="457200" lvl="0" indent="-342900" algn="l" rtl="0">
               <a:spcBef>
                 <a:spcPts val="0"/>
               </a:spcBef>
@@ -11209,7 +11289,7 @@
             </a:endParaRPr>
           </a:p>
           <a:p>
-            <a:pPr indent="-342900" lvl="0" marL="457200" rtl="0" algn="l">
+            <a:pPr marL="457200" lvl="0" indent="-342900" algn="l" rtl="0">
               <a:spcBef>
                 <a:spcPts val="0"/>
               </a:spcBef>
@@ -11246,7 +11326,7 @@
             </a:endParaRPr>
           </a:p>
           <a:p>
-            <a:pPr indent="-342900" lvl="0" marL="457200" rtl="0" algn="l">
+            <a:pPr marL="457200" lvl="0" indent="-342900" algn="l" rtl="0">
               <a:spcBef>
                 <a:spcPts val="0"/>
               </a:spcBef>
@@ -11283,7 +11363,7 @@
             </a:endParaRPr>
           </a:p>
           <a:p>
-            <a:pPr indent="-342900" lvl="0" marL="457200" rtl="0" algn="l">
+            <a:pPr marL="457200" lvl="0" indent="-342900" algn="l" rtl="0">
               <a:spcBef>
                 <a:spcPts val="0"/>
               </a:spcBef>
@@ -11320,7 +11400,7 @@
             </a:endParaRPr>
           </a:p>
           <a:p>
-            <a:pPr indent="-342900" lvl="0" marL="457200" rtl="0" algn="l">
+            <a:pPr marL="457200" lvl="0" indent="-342900" algn="l" rtl="0">
               <a:spcBef>
                 <a:spcPts val="0"/>
               </a:spcBef>
@@ -11357,7 +11437,7 @@
             </a:endParaRPr>
           </a:p>
           <a:p>
-            <a:pPr indent="-342900" lvl="0" marL="457200" rtl="0" algn="l">
+            <a:pPr marL="457200" lvl="0" indent="-342900" algn="l" rtl="0">
               <a:spcBef>
                 <a:spcPts val="0"/>
               </a:spcBef>
@@ -11394,7 +11474,7 @@
             </a:endParaRPr>
           </a:p>
           <a:p>
-            <a:pPr indent="-342900" lvl="0" marL="457200" rtl="0" algn="l">
+            <a:pPr marL="457200" lvl="0" indent="-342900" algn="l" rtl="0">
               <a:spcBef>
                 <a:spcPts val="0"/>
               </a:spcBef>
@@ -11431,7 +11511,7 @@
             </a:endParaRPr>
           </a:p>
           <a:p>
-            <a:pPr indent="-342900" lvl="0" marL="457200" rtl="0" algn="l">
+            <a:pPr marL="457200" lvl="0" indent="-342900" algn="l" rtl="0">
               <a:spcBef>
                 <a:spcPts val="0"/>
               </a:spcBef>
@@ -11472,9 +11552,11 @@
       <p:sp>
         <p:nvSpPr>
           <p:cNvPr id="116" name="Google Shape;116;p21"/>
-          <p:cNvSpPr txBox="1"/>
+          <p:cNvSpPr txBox="1">
+            <a:spLocks noGrp="1"/>
+          </p:cNvSpPr>
           <p:nvPr>
-            <p:ph idx="1" type="body"/>
+            <p:ph type="body" idx="1"/>
           </p:nvPr>
         </p:nvSpPr>
         <p:spPr>
@@ -11487,12 +11569,12 @@
           </a:prstGeom>
         </p:spPr>
         <p:txBody>
-          <a:bodyPr anchorCtr="0" anchor="t" bIns="91425" lIns="91425" spcFirstLastPara="1" rIns="91425" wrap="square" tIns="91425">
+          <a:bodyPr spcFirstLastPara="1" wrap="square" lIns="91425" tIns="91425" rIns="91425" bIns="91425" anchor="t" anchorCtr="0">
             <a:noAutofit/>
           </a:bodyPr>
           <a:lstStyle/>
           <a:p>
-            <a:pPr indent="0" lvl="0" marL="0" rtl="0" algn="l">
+            <a:pPr marL="0" lvl="0" indent="0" algn="l" rtl="0">
               <a:lnSpc>
                 <a:spcPct val="95000"/>
               </a:lnSpc>
@@ -11505,7 +11587,7 @@
               <a:buNone/>
             </a:pPr>
             <a:r>
-              <a:rPr b="1" lang="ru" sz="2400">
+              <a:rPr lang="ru" sz="2400" b="1">
                 <a:solidFill>
                   <a:schemeClr val="dk1"/>
                 </a:solidFill>
@@ -11514,21 +11596,9 @@
                 <a:cs typeface="Comfortaa"/>
                 <a:sym typeface="Comfortaa"/>
               </a:rPr>
-              <a:t>7</a:t>
-            </a:r>
-            <a:r>
-              <a:rPr b="1" lang="ru" sz="2400">
-                <a:solidFill>
-                  <a:schemeClr val="dk1"/>
-                </a:solidFill>
-                <a:latin typeface="Comfortaa"/>
-                <a:ea typeface="Comfortaa"/>
-                <a:cs typeface="Comfortaa"/>
-                <a:sym typeface="Comfortaa"/>
-              </a:rPr>
-              <a:t>.	Summary</a:t>
-            </a:r>
-            <a:endParaRPr b="1" sz="2400">
+              <a:t>7.	Summary</a:t>
+            </a:r>
+            <a:endParaRPr sz="2400" b="1">
               <a:solidFill>
                 <a:schemeClr val="dk1"/>
               </a:solidFill>
@@ -11560,12 +11630,12 @@
           </a:ln>
         </p:spPr>
         <p:txBody>
-          <a:bodyPr anchorCtr="0" anchor="t" bIns="91425" lIns="91425" spcFirstLastPara="1" rIns="91425" wrap="square" tIns="91425">
+          <a:bodyPr spcFirstLastPara="1" wrap="square" lIns="91425" tIns="91425" rIns="91425" bIns="91425" anchor="t" anchorCtr="0">
             <a:spAutoFit/>
           </a:bodyPr>
           <a:lstStyle/>
           <a:p>
-            <a:pPr indent="-355600" lvl="0" marL="457200" rtl="0" algn="l">
+            <a:pPr marL="457200" lvl="0" indent="-355600" algn="l" rtl="0">
               <a:spcBef>
                 <a:spcPts val="0"/>
               </a:spcBef>
@@ -11576,13 +11646,13 @@
               <a:buChar char="-"/>
             </a:pPr>
             <a:r>
-              <a:rPr b="1" lang="ru" sz="2000"/>
+              <a:rPr lang="ru" sz="2000" b="1"/>
               <a:t>Оценка:</a:t>
             </a:r>
             <a:endParaRPr sz="2000"/>
           </a:p>
           <a:p>
-            <a:pPr indent="457200" lvl="0" marL="0" rtl="0" algn="l">
+            <a:pPr marL="0" lvl="0" indent="457200" algn="l" rtl="0">
               <a:spcBef>
                 <a:spcPts val="0"/>
               </a:spcBef>
@@ -11608,7 +11678,7 @@
 </file>
 
 <file path=ppt/theme/theme1.xml><?xml version="1.0" encoding="utf-8"?>
-<a:theme xmlns:a="http://schemas.openxmlformats.org/drawingml/2006/main" xmlns:r="http://schemas.openxmlformats.org/officeDocument/2006/relationships" name="Simple Light">
+<a:theme xmlns:a="http://schemas.openxmlformats.org/drawingml/2006/main" name="Simple Light">
   <a:themeElements>
     <a:clrScheme name="Simple Light">
       <a:dk1>
@@ -11883,11 +11953,13 @@
       </a:bgFillStyleLst>
     </a:fmtScheme>
   </a:themeElements>
+  <a:objectDefaults/>
+  <a:extraClrSchemeLst/>
 </a:theme>
 </file>
 
 <file path=ppt/theme/theme2.xml><?xml version="1.0" encoding="utf-8"?>
-<a:theme xmlns:a="http://schemas.openxmlformats.org/drawingml/2006/main" xmlns:r="http://schemas.openxmlformats.org/officeDocument/2006/relationships">
+<a:theme xmlns:a="http://schemas.openxmlformats.org/drawingml/2006/main">
   <a:themeElements>
     <a:clrScheme name="Default">
       <a:dk1>
@@ -12162,5 +12234,7 @@
       </a:bgFillStyleLst>
     </a:fmtScheme>
   </a:themeElements>
+  <a:objectDefaults/>
+  <a:extraClrSchemeLst/>
 </a:theme>
 </file>
--- a/RoadMap.pptx
+++ b/RoadMap.pptx
@@ -5,7 +5,7 @@
     <p:sldMasterId id="2147483659" r:id="rId1"/>
   </p:sldMasterIdLst>
   <p:notesMasterIdLst>
-    <p:notesMasterId r:id="rId12"/>
+    <p:notesMasterId r:id="rId15"/>
   </p:notesMasterIdLst>
   <p:sldIdLst>
     <p:sldId id="256" r:id="rId2"/>
@@ -18,21 +18,24 @@
     <p:sldId id="263" r:id="rId9"/>
     <p:sldId id="264" r:id="rId10"/>
     <p:sldId id="265" r:id="rId11"/>
+    <p:sldId id="266" r:id="rId12"/>
+    <p:sldId id="267" r:id="rId13"/>
+    <p:sldId id="268" r:id="rId14"/>
   </p:sldIdLst>
   <p:sldSz cx="9144000" cy="5143500" type="screen16x9"/>
   <p:notesSz cx="6858000" cy="9144000"/>
   <p:embeddedFontLst>
     <p:embeddedFont>
-      <p:font typeface="Roboto" panose="020B0604020202020204" charset="0"/>
-      <p:regular r:id="rId13"/>
-      <p:bold r:id="rId14"/>
-      <p:italic r:id="rId15"/>
-      <p:boldItalic r:id="rId16"/>
+      <p:font typeface="Comfortaa" panose="020B0604020202020204" charset="0"/>
+      <p:regular r:id="rId16"/>
+      <p:bold r:id="rId17"/>
     </p:embeddedFont>
     <p:embeddedFont>
-      <p:font typeface="Comfortaa" panose="020B0604020202020204" charset="0"/>
-      <p:regular r:id="rId17"/>
-      <p:bold r:id="rId18"/>
+      <p:font typeface="Roboto" panose="020B0604020202020204" charset="0"/>
+      <p:regular r:id="rId18"/>
+      <p:bold r:id="rId19"/>
+      <p:italic r:id="rId20"/>
+      <p:boldItalic r:id="rId21"/>
     </p:embeddedFont>
   </p:embeddedFontLst>
   <p:defaultTextStyle>
@@ -7202,6 +7205,1333 @@
 </p:sld>
 </file>
 
+<file path=ppt/slides/slide11.xml><?xml version="1.0" encoding="utf-8"?>
+<p:sld xmlns:a="http://schemas.openxmlformats.org/drawingml/2006/main" xmlns:r="http://schemas.openxmlformats.org/officeDocument/2006/relationships" xmlns:p="http://schemas.openxmlformats.org/presentationml/2006/main">
+  <p:cSld>
+    <p:spTree>
+      <p:nvGrpSpPr>
+        <p:cNvPr id="1" name=""/>
+        <p:cNvGrpSpPr/>
+        <p:nvPr/>
+      </p:nvGrpSpPr>
+      <p:grpSpPr>
+        <a:xfrm>
+          <a:off x="0" y="0"/>
+          <a:ext cx="0" cy="0"/>
+          <a:chOff x="0" y="0"/>
+          <a:chExt cx="0" cy="0"/>
+        </a:xfrm>
+      </p:grpSpPr>
+      <p:sp>
+        <p:nvSpPr>
+          <p:cNvPr id="2" name="Заголовок 1"/>
+          <p:cNvSpPr>
+            <a:spLocks noGrp="1"/>
+          </p:cNvSpPr>
+          <p:nvPr>
+            <p:ph type="title"/>
+          </p:nvPr>
+        </p:nvSpPr>
+        <p:spPr>
+          <a:xfrm>
+            <a:off x="311700" y="445025"/>
+            <a:ext cx="2073990" cy="572700"/>
+          </a:xfrm>
+        </p:spPr>
+        <p:txBody>
+          <a:bodyPr>
+            <a:normAutofit fontScale="90000"/>
+          </a:bodyPr>
+          <a:lstStyle/>
+          <a:p>
+            <a:r>
+              <a:rPr lang="en-US" dirty="0" smtClean="0">
+                <a:latin typeface="Comfortaa" panose="020B0604020202020204" charset="0"/>
+              </a:rPr>
+              <a:t>1. Planning</a:t>
+            </a:r>
+            <a:endParaRPr lang="ru-RU" dirty="0">
+              <a:latin typeface="Comfortaa" panose="020B0604020202020204" charset="0"/>
+            </a:endParaRPr>
+          </a:p>
+        </p:txBody>
+      </p:sp>
+      <p:sp>
+        <p:nvSpPr>
+          <p:cNvPr id="3" name="Текст 2"/>
+          <p:cNvSpPr>
+            <a:spLocks noGrp="1"/>
+          </p:cNvSpPr>
+          <p:nvPr>
+            <p:ph type="body" idx="1"/>
+          </p:nvPr>
+        </p:nvSpPr>
+        <p:spPr/>
+        <p:txBody>
+          <a:bodyPr/>
+          <a:lstStyle/>
+          <a:p>
+            <a:pPr>
+              <a:buFontTx/>
+              <a:buChar char="-"/>
+            </a:pPr>
+            <a:r>
+              <a:rPr lang="en-US" dirty="0" smtClean="0">
+                <a:solidFill>
+                  <a:schemeClr val="tx1"/>
+                </a:solidFill>
+                <a:latin typeface="Roboto" panose="020B0604020202020204" charset="0"/>
+                <a:ea typeface="Roboto" panose="020B0604020202020204" charset="0"/>
+              </a:rPr>
+              <a:t>Communication: Telegram+ Discord</a:t>
+            </a:r>
+          </a:p>
+          <a:p>
+            <a:pPr>
+              <a:buFontTx/>
+              <a:buChar char="-"/>
+            </a:pPr>
+            <a:r>
+              <a:rPr lang="en-US" dirty="0" smtClean="0">
+                <a:solidFill>
+                  <a:schemeClr val="tx1"/>
+                </a:solidFill>
+                <a:latin typeface="Roboto" panose="020B0604020202020204" charset="0"/>
+                <a:ea typeface="Roboto" panose="020B0604020202020204" charset="0"/>
+              </a:rPr>
+              <a:t>Planning: Trello, Notion</a:t>
+            </a:r>
+          </a:p>
+          <a:p>
+            <a:pPr>
+              <a:buFontTx/>
+              <a:buChar char="-"/>
+            </a:pPr>
+            <a:r>
+              <a:rPr lang="en-US" dirty="0" smtClean="0">
+                <a:solidFill>
+                  <a:schemeClr val="tx1"/>
+                </a:solidFill>
+                <a:latin typeface="Roboto" panose="020B0604020202020204" charset="0"/>
+                <a:ea typeface="Roboto" panose="020B0604020202020204" charset="0"/>
+              </a:rPr>
+              <a:t>GitHub Repo: </a:t>
+            </a:r>
+            <a:r>
+              <a:rPr lang="en-US" dirty="0" smtClean="0">
+                <a:solidFill>
+                  <a:schemeClr val="tx1"/>
+                </a:solidFill>
+                <a:latin typeface="Roboto" panose="020B0604020202020204" charset="0"/>
+                <a:ea typeface="Roboto" panose="020B0604020202020204" charset="0"/>
+                <a:hlinkClick r:id="rId2"/>
+              </a:rPr>
+              <a:t>https://github.com/PolukarovIvan/MTC.Teta_2PiK</a:t>
+            </a:r>
+            <a:endParaRPr lang="en-US" dirty="0" smtClean="0">
+              <a:solidFill>
+                <a:schemeClr val="tx1"/>
+              </a:solidFill>
+              <a:latin typeface="Roboto" panose="020B0604020202020204" charset="0"/>
+              <a:ea typeface="Roboto" panose="020B0604020202020204" charset="0"/>
+            </a:endParaRPr>
+          </a:p>
+          <a:p>
+            <a:pPr marL="114300" indent="0">
+              <a:buNone/>
+            </a:pPr>
+            <a:endParaRPr lang="ru-RU" dirty="0">
+              <a:solidFill>
+                <a:schemeClr val="tx1"/>
+              </a:solidFill>
+              <a:latin typeface="Roboto" panose="020B0604020202020204" charset="0"/>
+              <a:ea typeface="Roboto" panose="020B0604020202020204" charset="0"/>
+            </a:endParaRPr>
+          </a:p>
+        </p:txBody>
+      </p:sp>
+      <p:sp>
+        <p:nvSpPr>
+          <p:cNvPr id="4" name="Заголовок 1"/>
+          <p:cNvSpPr txBox="1">
+            <a:spLocks/>
+          </p:cNvSpPr>
+          <p:nvPr/>
+        </p:nvSpPr>
+        <p:spPr>
+          <a:xfrm>
+            <a:off x="6758310" y="445025"/>
+            <a:ext cx="2073990" cy="572700"/>
+          </a:xfrm>
+          <a:prstGeom prst="rect">
+            <a:avLst/>
+          </a:prstGeom>
+          <a:noFill/>
+          <a:ln>
+            <a:noFill/>
+          </a:ln>
+        </p:spPr>
+        <p:txBody>
+          <a:bodyPr spcFirstLastPara="1" wrap="square" lIns="91425" tIns="91425" rIns="91425" bIns="91425" anchor="t" anchorCtr="0">
+            <a:normAutofit fontScale="97500" lnSpcReduction="10000"/>
+          </a:bodyPr>
+          <a:lstStyle>
+            <a:defPPr marR="0" lvl="0" algn="l" rtl="0">
+              <a:lnSpc>
+                <a:spcPct val="100000"/>
+              </a:lnSpc>
+              <a:spcBef>
+                <a:spcPts val="0"/>
+              </a:spcBef>
+              <a:spcAft>
+                <a:spcPts val="0"/>
+              </a:spcAft>
+            </a:defPPr>
+            <a:lvl1pPr marR="0" lvl="0" algn="l" rtl="0">
+              <a:lnSpc>
+                <a:spcPct val="100000"/>
+              </a:lnSpc>
+              <a:spcBef>
+                <a:spcPts val="0"/>
+              </a:spcBef>
+              <a:spcAft>
+                <a:spcPts val="0"/>
+              </a:spcAft>
+              <a:buClr>
+                <a:schemeClr val="dk1"/>
+              </a:buClr>
+              <a:buSzPts val="2800"/>
+              <a:buFont typeface="Arial"/>
+              <a:buNone/>
+              <a:defRPr sz="2800" b="0" i="0" u="none" strike="noStrike" cap="none">
+                <a:solidFill>
+                  <a:schemeClr val="dk1"/>
+                </a:solidFill>
+                <a:latin typeface="Arial"/>
+                <a:ea typeface="Arial"/>
+                <a:cs typeface="Arial"/>
+                <a:sym typeface="Arial"/>
+              </a:defRPr>
+            </a:lvl1pPr>
+            <a:lvl2pPr marR="0" lvl="1" algn="l" rtl="0">
+              <a:lnSpc>
+                <a:spcPct val="100000"/>
+              </a:lnSpc>
+              <a:spcBef>
+                <a:spcPts val="0"/>
+              </a:spcBef>
+              <a:spcAft>
+                <a:spcPts val="0"/>
+              </a:spcAft>
+              <a:buClr>
+                <a:schemeClr val="dk1"/>
+              </a:buClr>
+              <a:buSzPts val="2800"/>
+              <a:buFont typeface="Arial"/>
+              <a:buNone/>
+              <a:defRPr sz="2800" b="0" i="0" u="none" strike="noStrike" cap="none">
+                <a:solidFill>
+                  <a:schemeClr val="dk1"/>
+                </a:solidFill>
+                <a:latin typeface="Arial"/>
+                <a:ea typeface="Arial"/>
+                <a:cs typeface="Arial"/>
+                <a:sym typeface="Arial"/>
+              </a:defRPr>
+            </a:lvl2pPr>
+            <a:lvl3pPr marR="0" lvl="2" algn="l" rtl="0">
+              <a:lnSpc>
+                <a:spcPct val="100000"/>
+              </a:lnSpc>
+              <a:spcBef>
+                <a:spcPts val="0"/>
+              </a:spcBef>
+              <a:spcAft>
+                <a:spcPts val="0"/>
+              </a:spcAft>
+              <a:buClr>
+                <a:schemeClr val="dk1"/>
+              </a:buClr>
+              <a:buSzPts val="2800"/>
+              <a:buFont typeface="Arial"/>
+              <a:buNone/>
+              <a:defRPr sz="2800" b="0" i="0" u="none" strike="noStrike" cap="none">
+                <a:solidFill>
+                  <a:schemeClr val="dk1"/>
+                </a:solidFill>
+                <a:latin typeface="Arial"/>
+                <a:ea typeface="Arial"/>
+                <a:cs typeface="Arial"/>
+                <a:sym typeface="Arial"/>
+              </a:defRPr>
+            </a:lvl3pPr>
+            <a:lvl4pPr marR="0" lvl="3" algn="l" rtl="0">
+              <a:lnSpc>
+                <a:spcPct val="100000"/>
+              </a:lnSpc>
+              <a:spcBef>
+                <a:spcPts val="0"/>
+              </a:spcBef>
+              <a:spcAft>
+                <a:spcPts val="0"/>
+              </a:spcAft>
+              <a:buClr>
+                <a:schemeClr val="dk1"/>
+              </a:buClr>
+              <a:buSzPts val="2800"/>
+              <a:buFont typeface="Arial"/>
+              <a:buNone/>
+              <a:defRPr sz="2800" b="0" i="0" u="none" strike="noStrike" cap="none">
+                <a:solidFill>
+                  <a:schemeClr val="dk1"/>
+                </a:solidFill>
+                <a:latin typeface="Arial"/>
+                <a:ea typeface="Arial"/>
+                <a:cs typeface="Arial"/>
+                <a:sym typeface="Arial"/>
+              </a:defRPr>
+            </a:lvl4pPr>
+            <a:lvl5pPr marR="0" lvl="4" algn="l" rtl="0">
+              <a:lnSpc>
+                <a:spcPct val="100000"/>
+              </a:lnSpc>
+              <a:spcBef>
+                <a:spcPts val="0"/>
+              </a:spcBef>
+              <a:spcAft>
+                <a:spcPts val="0"/>
+              </a:spcAft>
+              <a:buClr>
+                <a:schemeClr val="dk1"/>
+              </a:buClr>
+              <a:buSzPts val="2800"/>
+              <a:buFont typeface="Arial"/>
+              <a:buNone/>
+              <a:defRPr sz="2800" b="0" i="0" u="none" strike="noStrike" cap="none">
+                <a:solidFill>
+                  <a:schemeClr val="dk1"/>
+                </a:solidFill>
+                <a:latin typeface="Arial"/>
+                <a:ea typeface="Arial"/>
+                <a:cs typeface="Arial"/>
+                <a:sym typeface="Arial"/>
+              </a:defRPr>
+            </a:lvl5pPr>
+            <a:lvl6pPr marR="0" lvl="5" algn="l" rtl="0">
+              <a:lnSpc>
+                <a:spcPct val="100000"/>
+              </a:lnSpc>
+              <a:spcBef>
+                <a:spcPts val="0"/>
+              </a:spcBef>
+              <a:spcAft>
+                <a:spcPts val="0"/>
+              </a:spcAft>
+              <a:buClr>
+                <a:schemeClr val="dk1"/>
+              </a:buClr>
+              <a:buSzPts val="2800"/>
+              <a:buFont typeface="Arial"/>
+              <a:buNone/>
+              <a:defRPr sz="2800" b="0" i="0" u="none" strike="noStrike" cap="none">
+                <a:solidFill>
+                  <a:schemeClr val="dk1"/>
+                </a:solidFill>
+                <a:latin typeface="Arial"/>
+                <a:ea typeface="Arial"/>
+                <a:cs typeface="Arial"/>
+                <a:sym typeface="Arial"/>
+              </a:defRPr>
+            </a:lvl6pPr>
+            <a:lvl7pPr marR="0" lvl="6" algn="l" rtl="0">
+              <a:lnSpc>
+                <a:spcPct val="100000"/>
+              </a:lnSpc>
+              <a:spcBef>
+                <a:spcPts val="0"/>
+              </a:spcBef>
+              <a:spcAft>
+                <a:spcPts val="0"/>
+              </a:spcAft>
+              <a:buClr>
+                <a:schemeClr val="dk1"/>
+              </a:buClr>
+              <a:buSzPts val="2800"/>
+              <a:buFont typeface="Arial"/>
+              <a:buNone/>
+              <a:defRPr sz="2800" b="0" i="0" u="none" strike="noStrike" cap="none">
+                <a:solidFill>
+                  <a:schemeClr val="dk1"/>
+                </a:solidFill>
+                <a:latin typeface="Arial"/>
+                <a:ea typeface="Arial"/>
+                <a:cs typeface="Arial"/>
+                <a:sym typeface="Arial"/>
+              </a:defRPr>
+            </a:lvl7pPr>
+            <a:lvl8pPr marR="0" lvl="7" algn="l" rtl="0">
+              <a:lnSpc>
+                <a:spcPct val="100000"/>
+              </a:lnSpc>
+              <a:spcBef>
+                <a:spcPts val="0"/>
+              </a:spcBef>
+              <a:spcAft>
+                <a:spcPts val="0"/>
+              </a:spcAft>
+              <a:buClr>
+                <a:schemeClr val="dk1"/>
+              </a:buClr>
+              <a:buSzPts val="2800"/>
+              <a:buFont typeface="Arial"/>
+              <a:buNone/>
+              <a:defRPr sz="2800" b="0" i="0" u="none" strike="noStrike" cap="none">
+                <a:solidFill>
+                  <a:schemeClr val="dk1"/>
+                </a:solidFill>
+                <a:latin typeface="Arial"/>
+                <a:ea typeface="Arial"/>
+                <a:cs typeface="Arial"/>
+                <a:sym typeface="Arial"/>
+              </a:defRPr>
+            </a:lvl8pPr>
+            <a:lvl9pPr marR="0" lvl="8" algn="l" rtl="0">
+              <a:lnSpc>
+                <a:spcPct val="100000"/>
+              </a:lnSpc>
+              <a:spcBef>
+                <a:spcPts val="0"/>
+              </a:spcBef>
+              <a:spcAft>
+                <a:spcPts val="0"/>
+              </a:spcAft>
+              <a:buClr>
+                <a:schemeClr val="dk1"/>
+              </a:buClr>
+              <a:buSzPts val="2800"/>
+              <a:buFont typeface="Arial"/>
+              <a:buNone/>
+              <a:defRPr sz="2800" b="0" i="0" u="none" strike="noStrike" cap="none">
+                <a:solidFill>
+                  <a:schemeClr val="dk1"/>
+                </a:solidFill>
+                <a:latin typeface="Arial"/>
+                <a:ea typeface="Arial"/>
+                <a:cs typeface="Arial"/>
+                <a:sym typeface="Arial"/>
+              </a:defRPr>
+            </a:lvl9pPr>
+          </a:lstStyle>
+          <a:p>
+            <a:pPr algn="r"/>
+            <a:r>
+              <a:rPr lang="en-US" dirty="0" smtClean="0">
+                <a:latin typeface="Comfortaa" panose="020B0604020202020204" charset="0"/>
+              </a:rPr>
+              <a:t>30.07</a:t>
+            </a:r>
+            <a:endParaRPr lang="ru-RU" dirty="0">
+              <a:latin typeface="Comfortaa" panose="020B0604020202020204" charset="0"/>
+            </a:endParaRPr>
+          </a:p>
+        </p:txBody>
+      </p:sp>
+    </p:spTree>
+    <p:extLst>
+      <p:ext uri="{BB962C8B-B14F-4D97-AF65-F5344CB8AC3E}">
+        <p14:creationId xmlns:p14="http://schemas.microsoft.com/office/powerpoint/2010/main" val="871112610"/>
+      </p:ext>
+    </p:extLst>
+  </p:cSld>
+  <p:clrMapOvr>
+    <a:masterClrMapping/>
+  </p:clrMapOvr>
+</p:sld>
+</file>
+
+<file path=ppt/slides/slide12.xml><?xml version="1.0" encoding="utf-8"?>
+<p:sld xmlns:a="http://schemas.openxmlformats.org/drawingml/2006/main" xmlns:r="http://schemas.openxmlformats.org/officeDocument/2006/relationships" xmlns:p="http://schemas.openxmlformats.org/presentationml/2006/main">
+  <p:cSld>
+    <p:spTree>
+      <p:nvGrpSpPr>
+        <p:cNvPr id="1" name=""/>
+        <p:cNvGrpSpPr/>
+        <p:nvPr/>
+      </p:nvGrpSpPr>
+      <p:grpSpPr>
+        <a:xfrm>
+          <a:off x="0" y="0"/>
+          <a:ext cx="0" cy="0"/>
+          <a:chOff x="0" y="0"/>
+          <a:chExt cx="0" cy="0"/>
+        </a:xfrm>
+      </p:grpSpPr>
+      <p:sp>
+        <p:nvSpPr>
+          <p:cNvPr id="2" name="Заголовок 1"/>
+          <p:cNvSpPr>
+            <a:spLocks noGrp="1"/>
+          </p:cNvSpPr>
+          <p:nvPr>
+            <p:ph type="title"/>
+          </p:nvPr>
+        </p:nvSpPr>
+        <p:spPr>
+          <a:xfrm>
+            <a:off x="311700" y="445025"/>
+            <a:ext cx="2073990" cy="572700"/>
+          </a:xfrm>
+        </p:spPr>
+        <p:txBody>
+          <a:bodyPr>
+            <a:normAutofit fontScale="90000"/>
+          </a:bodyPr>
+          <a:lstStyle/>
+          <a:p>
+            <a:r>
+              <a:rPr lang="en-US" dirty="0">
+                <a:latin typeface="Comfortaa" panose="020B0604020202020204" charset="0"/>
+              </a:rPr>
+              <a:t>2</a:t>
+            </a:r>
+            <a:r>
+              <a:rPr lang="en-US" dirty="0" smtClean="0">
+                <a:latin typeface="Comfortaa" panose="020B0604020202020204" charset="0"/>
+              </a:rPr>
+              <a:t>. Data</a:t>
+            </a:r>
+            <a:endParaRPr lang="ru-RU" dirty="0">
+              <a:latin typeface="Comfortaa" panose="020B0604020202020204" charset="0"/>
+            </a:endParaRPr>
+          </a:p>
+        </p:txBody>
+      </p:sp>
+      <p:sp>
+        <p:nvSpPr>
+          <p:cNvPr id="3" name="Текст 2"/>
+          <p:cNvSpPr>
+            <a:spLocks noGrp="1"/>
+          </p:cNvSpPr>
+          <p:nvPr>
+            <p:ph type="body" idx="1"/>
+          </p:nvPr>
+        </p:nvSpPr>
+        <p:spPr/>
+        <p:txBody>
+          <a:bodyPr/>
+          <a:lstStyle/>
+          <a:p>
+            <a:pPr>
+              <a:buFontTx/>
+              <a:buChar char="-"/>
+            </a:pPr>
+            <a:r>
+              <a:rPr lang="en-US" dirty="0" smtClean="0">
+                <a:solidFill>
+                  <a:schemeClr val="tx1"/>
+                </a:solidFill>
+                <a:latin typeface="Roboto" panose="020B0604020202020204" charset="0"/>
+                <a:ea typeface="Roboto" panose="020B0604020202020204" charset="0"/>
+              </a:rPr>
+              <a:t>Candidates </a:t>
+            </a:r>
+            <a:r>
+              <a:rPr lang="en-US" dirty="0">
+                <a:solidFill>
+                  <a:schemeClr val="tx1"/>
+                </a:solidFill>
+                <a:latin typeface="Roboto" panose="020B0604020202020204" charset="0"/>
+                <a:ea typeface="Roboto" panose="020B0604020202020204" charset="0"/>
+              </a:rPr>
+              <a:t>&amp; Description: </a:t>
+            </a:r>
+            <a:r>
+              <a:rPr lang="en-US" dirty="0">
+                <a:solidFill>
+                  <a:schemeClr val="tx1"/>
+                </a:solidFill>
+                <a:latin typeface="Roboto" panose="020B0604020202020204" charset="0"/>
+                <a:ea typeface="Roboto" panose="020B0604020202020204" charset="0"/>
+                <a:hlinkClick r:id="rId2"/>
+              </a:rPr>
+              <a:t>https://</a:t>
+            </a:r>
+            <a:r>
+              <a:rPr lang="en-US" dirty="0" smtClean="0">
+                <a:solidFill>
+                  <a:schemeClr val="tx1"/>
+                </a:solidFill>
+                <a:latin typeface="Roboto" panose="020B0604020202020204" charset="0"/>
+                <a:ea typeface="Roboto" panose="020B0604020202020204" charset="0"/>
+                <a:hlinkClick r:id="rId2"/>
+              </a:rPr>
+              <a:t>www.notion.so/2ec43a57e8ca4d03bb355b8f26f4319e?v=35aacddee74c47f2babd97ba957bcd5d</a:t>
+            </a:r>
+            <a:endParaRPr lang="en-US" dirty="0" smtClean="0">
+              <a:solidFill>
+                <a:schemeClr val="tx1"/>
+              </a:solidFill>
+              <a:latin typeface="Roboto" panose="020B0604020202020204" charset="0"/>
+              <a:ea typeface="Roboto" panose="020B0604020202020204" charset="0"/>
+            </a:endParaRPr>
+          </a:p>
+          <a:p>
+            <a:pPr>
+              <a:buFontTx/>
+              <a:buChar char="-"/>
+            </a:pPr>
+            <a:r>
+              <a:rPr lang="en-US" dirty="0">
+                <a:solidFill>
+                  <a:schemeClr val="tx1"/>
+                </a:solidFill>
+                <a:latin typeface="Roboto" panose="020B0604020202020204" charset="0"/>
+                <a:ea typeface="Roboto" panose="020B0604020202020204" charset="0"/>
+              </a:rPr>
+              <a:t>Selected: </a:t>
+            </a:r>
+            <a:r>
+              <a:rPr lang="en-US" dirty="0">
+                <a:solidFill>
+                  <a:schemeClr val="tx1"/>
+                </a:solidFill>
+                <a:latin typeface="Roboto" panose="020B0604020202020204" charset="0"/>
+                <a:ea typeface="Roboto" panose="020B0604020202020204" charset="0"/>
+                <a:hlinkClick r:id="rId3"/>
+              </a:rPr>
+              <a:t>https://</a:t>
+            </a:r>
+            <a:r>
+              <a:rPr lang="en-US" dirty="0" smtClean="0">
+                <a:solidFill>
+                  <a:schemeClr val="tx1"/>
+                </a:solidFill>
+                <a:latin typeface="Roboto" panose="020B0604020202020204" charset="0"/>
+                <a:ea typeface="Roboto" panose="020B0604020202020204" charset="0"/>
+                <a:hlinkClick r:id="rId3"/>
+              </a:rPr>
+              <a:t>www.kaggle.com/teertha/personal-loan-modeling</a:t>
+            </a:r>
+            <a:endParaRPr lang="en-US" dirty="0">
+              <a:solidFill>
+                <a:schemeClr val="tx1"/>
+              </a:solidFill>
+              <a:latin typeface="Roboto" panose="020B0604020202020204" charset="0"/>
+              <a:ea typeface="Roboto" panose="020B0604020202020204" charset="0"/>
+            </a:endParaRPr>
+          </a:p>
+          <a:p>
+            <a:pPr>
+              <a:buFontTx/>
+              <a:buChar char="-"/>
+            </a:pPr>
+            <a:endParaRPr lang="ru-RU" dirty="0">
+              <a:solidFill>
+                <a:schemeClr val="tx1"/>
+              </a:solidFill>
+              <a:latin typeface="Roboto" panose="020B0604020202020204" charset="0"/>
+              <a:ea typeface="Roboto" panose="020B0604020202020204" charset="0"/>
+            </a:endParaRPr>
+          </a:p>
+        </p:txBody>
+      </p:sp>
+      <p:sp>
+        <p:nvSpPr>
+          <p:cNvPr id="4" name="Заголовок 1"/>
+          <p:cNvSpPr txBox="1">
+            <a:spLocks/>
+          </p:cNvSpPr>
+          <p:nvPr/>
+        </p:nvSpPr>
+        <p:spPr>
+          <a:xfrm>
+            <a:off x="6758310" y="445025"/>
+            <a:ext cx="2073990" cy="572700"/>
+          </a:xfrm>
+          <a:prstGeom prst="rect">
+            <a:avLst/>
+          </a:prstGeom>
+          <a:noFill/>
+          <a:ln>
+            <a:noFill/>
+          </a:ln>
+        </p:spPr>
+        <p:txBody>
+          <a:bodyPr spcFirstLastPara="1" wrap="square" lIns="91425" tIns="91425" rIns="91425" bIns="91425" anchor="t" anchorCtr="0">
+            <a:normAutofit fontScale="90000"/>
+          </a:bodyPr>
+          <a:lstStyle>
+            <a:defPPr marR="0" lvl="0" algn="l" rtl="0">
+              <a:lnSpc>
+                <a:spcPct val="100000"/>
+              </a:lnSpc>
+              <a:spcBef>
+                <a:spcPts val="0"/>
+              </a:spcBef>
+              <a:spcAft>
+                <a:spcPts val="0"/>
+              </a:spcAft>
+            </a:defPPr>
+            <a:lvl1pPr marR="0" lvl="0" algn="l" rtl="0">
+              <a:lnSpc>
+                <a:spcPct val="100000"/>
+              </a:lnSpc>
+              <a:spcBef>
+                <a:spcPts val="0"/>
+              </a:spcBef>
+              <a:spcAft>
+                <a:spcPts val="0"/>
+              </a:spcAft>
+              <a:buClr>
+                <a:schemeClr val="dk1"/>
+              </a:buClr>
+              <a:buSzPts val="2800"/>
+              <a:buFont typeface="Arial"/>
+              <a:buNone/>
+              <a:defRPr sz="2800" b="0" i="0" u="none" strike="noStrike" cap="none">
+                <a:solidFill>
+                  <a:schemeClr val="dk1"/>
+                </a:solidFill>
+                <a:latin typeface="Arial"/>
+                <a:ea typeface="Arial"/>
+                <a:cs typeface="Arial"/>
+                <a:sym typeface="Arial"/>
+              </a:defRPr>
+            </a:lvl1pPr>
+            <a:lvl2pPr marR="0" lvl="1" algn="l" rtl="0">
+              <a:lnSpc>
+                <a:spcPct val="100000"/>
+              </a:lnSpc>
+              <a:spcBef>
+                <a:spcPts val="0"/>
+              </a:spcBef>
+              <a:spcAft>
+                <a:spcPts val="0"/>
+              </a:spcAft>
+              <a:buClr>
+                <a:schemeClr val="dk1"/>
+              </a:buClr>
+              <a:buSzPts val="2800"/>
+              <a:buFont typeface="Arial"/>
+              <a:buNone/>
+              <a:defRPr sz="2800" b="0" i="0" u="none" strike="noStrike" cap="none">
+                <a:solidFill>
+                  <a:schemeClr val="dk1"/>
+                </a:solidFill>
+                <a:latin typeface="Arial"/>
+                <a:ea typeface="Arial"/>
+                <a:cs typeface="Arial"/>
+                <a:sym typeface="Arial"/>
+              </a:defRPr>
+            </a:lvl2pPr>
+            <a:lvl3pPr marR="0" lvl="2" algn="l" rtl="0">
+              <a:lnSpc>
+                <a:spcPct val="100000"/>
+              </a:lnSpc>
+              <a:spcBef>
+                <a:spcPts val="0"/>
+              </a:spcBef>
+              <a:spcAft>
+                <a:spcPts val="0"/>
+              </a:spcAft>
+              <a:buClr>
+                <a:schemeClr val="dk1"/>
+              </a:buClr>
+              <a:buSzPts val="2800"/>
+              <a:buFont typeface="Arial"/>
+              <a:buNone/>
+              <a:defRPr sz="2800" b="0" i="0" u="none" strike="noStrike" cap="none">
+                <a:solidFill>
+                  <a:schemeClr val="dk1"/>
+                </a:solidFill>
+                <a:latin typeface="Arial"/>
+                <a:ea typeface="Arial"/>
+                <a:cs typeface="Arial"/>
+                <a:sym typeface="Arial"/>
+              </a:defRPr>
+            </a:lvl3pPr>
+            <a:lvl4pPr marR="0" lvl="3" algn="l" rtl="0">
+              <a:lnSpc>
+                <a:spcPct val="100000"/>
+              </a:lnSpc>
+              <a:spcBef>
+                <a:spcPts val="0"/>
+              </a:spcBef>
+              <a:spcAft>
+                <a:spcPts val="0"/>
+              </a:spcAft>
+              <a:buClr>
+                <a:schemeClr val="dk1"/>
+              </a:buClr>
+              <a:buSzPts val="2800"/>
+              <a:buFont typeface="Arial"/>
+              <a:buNone/>
+              <a:defRPr sz="2800" b="0" i="0" u="none" strike="noStrike" cap="none">
+                <a:solidFill>
+                  <a:schemeClr val="dk1"/>
+                </a:solidFill>
+                <a:latin typeface="Arial"/>
+                <a:ea typeface="Arial"/>
+                <a:cs typeface="Arial"/>
+                <a:sym typeface="Arial"/>
+              </a:defRPr>
+            </a:lvl4pPr>
+            <a:lvl5pPr marR="0" lvl="4" algn="l" rtl="0">
+              <a:lnSpc>
+                <a:spcPct val="100000"/>
+              </a:lnSpc>
+              <a:spcBef>
+                <a:spcPts val="0"/>
+              </a:spcBef>
+              <a:spcAft>
+                <a:spcPts val="0"/>
+              </a:spcAft>
+              <a:buClr>
+                <a:schemeClr val="dk1"/>
+              </a:buClr>
+              <a:buSzPts val="2800"/>
+              <a:buFont typeface="Arial"/>
+              <a:buNone/>
+              <a:defRPr sz="2800" b="0" i="0" u="none" strike="noStrike" cap="none">
+                <a:solidFill>
+                  <a:schemeClr val="dk1"/>
+                </a:solidFill>
+                <a:latin typeface="Arial"/>
+                <a:ea typeface="Arial"/>
+                <a:cs typeface="Arial"/>
+                <a:sym typeface="Arial"/>
+              </a:defRPr>
+            </a:lvl5pPr>
+            <a:lvl6pPr marR="0" lvl="5" algn="l" rtl="0">
+              <a:lnSpc>
+                <a:spcPct val="100000"/>
+              </a:lnSpc>
+              <a:spcBef>
+                <a:spcPts val="0"/>
+              </a:spcBef>
+              <a:spcAft>
+                <a:spcPts val="0"/>
+              </a:spcAft>
+              <a:buClr>
+                <a:schemeClr val="dk1"/>
+              </a:buClr>
+              <a:buSzPts val="2800"/>
+              <a:buFont typeface="Arial"/>
+              <a:buNone/>
+              <a:defRPr sz="2800" b="0" i="0" u="none" strike="noStrike" cap="none">
+                <a:solidFill>
+                  <a:schemeClr val="dk1"/>
+                </a:solidFill>
+                <a:latin typeface="Arial"/>
+                <a:ea typeface="Arial"/>
+                <a:cs typeface="Arial"/>
+                <a:sym typeface="Arial"/>
+              </a:defRPr>
+            </a:lvl6pPr>
+            <a:lvl7pPr marR="0" lvl="6" algn="l" rtl="0">
+              <a:lnSpc>
+                <a:spcPct val="100000"/>
+              </a:lnSpc>
+              <a:spcBef>
+                <a:spcPts val="0"/>
+              </a:spcBef>
+              <a:spcAft>
+                <a:spcPts val="0"/>
+              </a:spcAft>
+              <a:buClr>
+                <a:schemeClr val="dk1"/>
+              </a:buClr>
+              <a:buSzPts val="2800"/>
+              <a:buFont typeface="Arial"/>
+              <a:buNone/>
+              <a:defRPr sz="2800" b="0" i="0" u="none" strike="noStrike" cap="none">
+                <a:solidFill>
+                  <a:schemeClr val="dk1"/>
+                </a:solidFill>
+                <a:latin typeface="Arial"/>
+                <a:ea typeface="Arial"/>
+                <a:cs typeface="Arial"/>
+                <a:sym typeface="Arial"/>
+              </a:defRPr>
+            </a:lvl7pPr>
+            <a:lvl8pPr marR="0" lvl="7" algn="l" rtl="0">
+              <a:lnSpc>
+                <a:spcPct val="100000"/>
+              </a:lnSpc>
+              <a:spcBef>
+                <a:spcPts val="0"/>
+              </a:spcBef>
+              <a:spcAft>
+                <a:spcPts val="0"/>
+              </a:spcAft>
+              <a:buClr>
+                <a:schemeClr val="dk1"/>
+              </a:buClr>
+              <a:buSzPts val="2800"/>
+              <a:buFont typeface="Arial"/>
+              <a:buNone/>
+              <a:defRPr sz="2800" b="0" i="0" u="none" strike="noStrike" cap="none">
+                <a:solidFill>
+                  <a:schemeClr val="dk1"/>
+                </a:solidFill>
+                <a:latin typeface="Arial"/>
+                <a:ea typeface="Arial"/>
+                <a:cs typeface="Arial"/>
+                <a:sym typeface="Arial"/>
+              </a:defRPr>
+            </a:lvl8pPr>
+            <a:lvl9pPr marR="0" lvl="8" algn="l" rtl="0">
+              <a:lnSpc>
+                <a:spcPct val="100000"/>
+              </a:lnSpc>
+              <a:spcBef>
+                <a:spcPts val="0"/>
+              </a:spcBef>
+              <a:spcAft>
+                <a:spcPts val="0"/>
+              </a:spcAft>
+              <a:buClr>
+                <a:schemeClr val="dk1"/>
+              </a:buClr>
+              <a:buSzPts val="2800"/>
+              <a:buFont typeface="Arial"/>
+              <a:buNone/>
+              <a:defRPr sz="2800" b="0" i="0" u="none" strike="noStrike" cap="none">
+                <a:solidFill>
+                  <a:schemeClr val="dk1"/>
+                </a:solidFill>
+                <a:latin typeface="Arial"/>
+                <a:ea typeface="Arial"/>
+                <a:cs typeface="Arial"/>
+                <a:sym typeface="Arial"/>
+              </a:defRPr>
+            </a:lvl9pPr>
+          </a:lstStyle>
+          <a:p>
+            <a:pPr algn="r"/>
+            <a:r>
+              <a:rPr lang="en-US" dirty="0" smtClean="0">
+                <a:latin typeface="Comfortaa" panose="020B0604020202020204" charset="0"/>
+              </a:rPr>
+              <a:t>31.07 - 04.08</a:t>
+            </a:r>
+            <a:endParaRPr lang="ru-RU" dirty="0">
+              <a:latin typeface="Comfortaa" panose="020B0604020202020204" charset="0"/>
+            </a:endParaRPr>
+          </a:p>
+        </p:txBody>
+      </p:sp>
+    </p:spTree>
+    <p:extLst>
+      <p:ext uri="{BB962C8B-B14F-4D97-AF65-F5344CB8AC3E}">
+        <p14:creationId xmlns:p14="http://schemas.microsoft.com/office/powerpoint/2010/main" val="4008281766"/>
+      </p:ext>
+    </p:extLst>
+  </p:cSld>
+  <p:clrMapOvr>
+    <a:masterClrMapping/>
+  </p:clrMapOvr>
+</p:sld>
+</file>
+
+<file path=ppt/slides/slide13.xml><?xml version="1.0" encoding="utf-8"?>
+<p:sld xmlns:a="http://schemas.openxmlformats.org/drawingml/2006/main" xmlns:r="http://schemas.openxmlformats.org/officeDocument/2006/relationships" xmlns:p="http://schemas.openxmlformats.org/presentationml/2006/main">
+  <p:cSld>
+    <p:spTree>
+      <p:nvGrpSpPr>
+        <p:cNvPr id="1" name=""/>
+        <p:cNvGrpSpPr/>
+        <p:nvPr/>
+      </p:nvGrpSpPr>
+      <p:grpSpPr>
+        <a:xfrm>
+          <a:off x="0" y="0"/>
+          <a:ext cx="0" cy="0"/>
+          <a:chOff x="0" y="0"/>
+          <a:chExt cx="0" cy="0"/>
+        </a:xfrm>
+      </p:grpSpPr>
+      <p:sp>
+        <p:nvSpPr>
+          <p:cNvPr id="2" name="Заголовок 1"/>
+          <p:cNvSpPr>
+            <a:spLocks noGrp="1"/>
+          </p:cNvSpPr>
+          <p:nvPr>
+            <p:ph type="title"/>
+          </p:nvPr>
+        </p:nvSpPr>
+        <p:spPr>
+          <a:xfrm>
+            <a:off x="311700" y="445025"/>
+            <a:ext cx="4609550" cy="572700"/>
+          </a:xfrm>
+        </p:spPr>
+        <p:txBody>
+          <a:bodyPr>
+            <a:normAutofit fontScale="90000"/>
+          </a:bodyPr>
+          <a:lstStyle/>
+          <a:p>
+            <a:r>
+              <a:rPr lang="en-US" dirty="0" smtClean="0">
+                <a:latin typeface="Comfortaa" panose="020B0604020202020204" charset="0"/>
+              </a:rPr>
+              <a:t>3-4. Goals &amp; baseline</a:t>
+            </a:r>
+            <a:endParaRPr lang="ru-RU" dirty="0">
+              <a:latin typeface="Comfortaa" panose="020B0604020202020204" charset="0"/>
+            </a:endParaRPr>
+          </a:p>
+        </p:txBody>
+      </p:sp>
+      <p:sp>
+        <p:nvSpPr>
+          <p:cNvPr id="3" name="Текст 2"/>
+          <p:cNvSpPr>
+            <a:spLocks noGrp="1"/>
+          </p:cNvSpPr>
+          <p:nvPr>
+            <p:ph type="body" idx="1"/>
+          </p:nvPr>
+        </p:nvSpPr>
+        <p:spPr/>
+        <p:txBody>
+          <a:bodyPr/>
+          <a:lstStyle/>
+          <a:p>
+            <a:pPr>
+              <a:buFontTx/>
+              <a:buChar char="-"/>
+            </a:pPr>
+            <a:r>
+              <a:rPr lang="en-US" dirty="0" smtClean="0">
+                <a:solidFill>
+                  <a:schemeClr val="tx1"/>
+                </a:solidFill>
+                <a:latin typeface="Roboto" panose="020B0604020202020204" charset="0"/>
+                <a:ea typeface="Roboto" panose="020B0604020202020204" charset="0"/>
+              </a:rPr>
+              <a:t>Baseline: KNN, All normalized features  - Id, ZIP Code ~ 0.95</a:t>
+            </a:r>
+          </a:p>
+          <a:p>
+            <a:pPr>
+              <a:buFontTx/>
+              <a:buChar char="-"/>
+            </a:pPr>
+            <a:r>
+              <a:rPr lang="en-US" dirty="0" smtClean="0">
+                <a:solidFill>
+                  <a:schemeClr val="tx1"/>
+                </a:solidFill>
+                <a:latin typeface="Roboto" panose="020B0604020202020204" charset="0"/>
+                <a:ea typeface="Roboto" panose="020B0604020202020204" charset="0"/>
+              </a:rPr>
+              <a:t>Metrics: F1, ROC_AUC</a:t>
+            </a:r>
+          </a:p>
+        </p:txBody>
+      </p:sp>
+      <p:sp>
+        <p:nvSpPr>
+          <p:cNvPr id="4" name="Заголовок 1"/>
+          <p:cNvSpPr txBox="1">
+            <a:spLocks/>
+          </p:cNvSpPr>
+          <p:nvPr/>
+        </p:nvSpPr>
+        <p:spPr>
+          <a:xfrm>
+            <a:off x="6642100" y="445025"/>
+            <a:ext cx="2190200" cy="572700"/>
+          </a:xfrm>
+          <a:prstGeom prst="rect">
+            <a:avLst/>
+          </a:prstGeom>
+          <a:noFill/>
+          <a:ln>
+            <a:noFill/>
+          </a:ln>
+        </p:spPr>
+        <p:txBody>
+          <a:bodyPr spcFirstLastPara="1" wrap="square" lIns="91425" tIns="91425" rIns="91425" bIns="91425" anchor="t" anchorCtr="0">
+            <a:normAutofit fontScale="90000"/>
+          </a:bodyPr>
+          <a:lstStyle>
+            <a:defPPr marR="0" lvl="0" algn="l" rtl="0">
+              <a:lnSpc>
+                <a:spcPct val="100000"/>
+              </a:lnSpc>
+              <a:spcBef>
+                <a:spcPts val="0"/>
+              </a:spcBef>
+              <a:spcAft>
+                <a:spcPts val="0"/>
+              </a:spcAft>
+            </a:defPPr>
+            <a:lvl1pPr marR="0" lvl="0" algn="l" rtl="0">
+              <a:lnSpc>
+                <a:spcPct val="100000"/>
+              </a:lnSpc>
+              <a:spcBef>
+                <a:spcPts val="0"/>
+              </a:spcBef>
+              <a:spcAft>
+                <a:spcPts val="0"/>
+              </a:spcAft>
+              <a:buClr>
+                <a:schemeClr val="dk1"/>
+              </a:buClr>
+              <a:buSzPts val="2800"/>
+              <a:buFont typeface="Arial"/>
+              <a:buNone/>
+              <a:defRPr sz="2800" b="0" i="0" u="none" strike="noStrike" cap="none">
+                <a:solidFill>
+                  <a:schemeClr val="dk1"/>
+                </a:solidFill>
+                <a:latin typeface="Arial"/>
+                <a:ea typeface="Arial"/>
+                <a:cs typeface="Arial"/>
+                <a:sym typeface="Arial"/>
+              </a:defRPr>
+            </a:lvl1pPr>
+            <a:lvl2pPr marR="0" lvl="1" algn="l" rtl="0">
+              <a:lnSpc>
+                <a:spcPct val="100000"/>
+              </a:lnSpc>
+              <a:spcBef>
+                <a:spcPts val="0"/>
+              </a:spcBef>
+              <a:spcAft>
+                <a:spcPts val="0"/>
+              </a:spcAft>
+              <a:buClr>
+                <a:schemeClr val="dk1"/>
+              </a:buClr>
+              <a:buSzPts val="2800"/>
+              <a:buFont typeface="Arial"/>
+              <a:buNone/>
+              <a:defRPr sz="2800" b="0" i="0" u="none" strike="noStrike" cap="none">
+                <a:solidFill>
+                  <a:schemeClr val="dk1"/>
+                </a:solidFill>
+                <a:latin typeface="Arial"/>
+                <a:ea typeface="Arial"/>
+                <a:cs typeface="Arial"/>
+                <a:sym typeface="Arial"/>
+              </a:defRPr>
+            </a:lvl2pPr>
+            <a:lvl3pPr marR="0" lvl="2" algn="l" rtl="0">
+              <a:lnSpc>
+                <a:spcPct val="100000"/>
+              </a:lnSpc>
+              <a:spcBef>
+                <a:spcPts val="0"/>
+              </a:spcBef>
+              <a:spcAft>
+                <a:spcPts val="0"/>
+              </a:spcAft>
+              <a:buClr>
+                <a:schemeClr val="dk1"/>
+              </a:buClr>
+              <a:buSzPts val="2800"/>
+              <a:buFont typeface="Arial"/>
+              <a:buNone/>
+              <a:defRPr sz="2800" b="0" i="0" u="none" strike="noStrike" cap="none">
+                <a:solidFill>
+                  <a:schemeClr val="dk1"/>
+                </a:solidFill>
+                <a:latin typeface="Arial"/>
+                <a:ea typeface="Arial"/>
+                <a:cs typeface="Arial"/>
+                <a:sym typeface="Arial"/>
+              </a:defRPr>
+            </a:lvl3pPr>
+            <a:lvl4pPr marR="0" lvl="3" algn="l" rtl="0">
+              <a:lnSpc>
+                <a:spcPct val="100000"/>
+              </a:lnSpc>
+              <a:spcBef>
+                <a:spcPts val="0"/>
+              </a:spcBef>
+              <a:spcAft>
+                <a:spcPts val="0"/>
+              </a:spcAft>
+              <a:buClr>
+                <a:schemeClr val="dk1"/>
+              </a:buClr>
+              <a:buSzPts val="2800"/>
+              <a:buFont typeface="Arial"/>
+              <a:buNone/>
+              <a:defRPr sz="2800" b="0" i="0" u="none" strike="noStrike" cap="none">
+                <a:solidFill>
+                  <a:schemeClr val="dk1"/>
+                </a:solidFill>
+                <a:latin typeface="Arial"/>
+                <a:ea typeface="Arial"/>
+                <a:cs typeface="Arial"/>
+                <a:sym typeface="Arial"/>
+              </a:defRPr>
+            </a:lvl4pPr>
+            <a:lvl5pPr marR="0" lvl="4" algn="l" rtl="0">
+              <a:lnSpc>
+                <a:spcPct val="100000"/>
+              </a:lnSpc>
+              <a:spcBef>
+                <a:spcPts val="0"/>
+              </a:spcBef>
+              <a:spcAft>
+                <a:spcPts val="0"/>
+              </a:spcAft>
+              <a:buClr>
+                <a:schemeClr val="dk1"/>
+              </a:buClr>
+              <a:buSzPts val="2800"/>
+              <a:buFont typeface="Arial"/>
+              <a:buNone/>
+              <a:defRPr sz="2800" b="0" i="0" u="none" strike="noStrike" cap="none">
+                <a:solidFill>
+                  <a:schemeClr val="dk1"/>
+                </a:solidFill>
+                <a:latin typeface="Arial"/>
+                <a:ea typeface="Arial"/>
+                <a:cs typeface="Arial"/>
+                <a:sym typeface="Arial"/>
+              </a:defRPr>
+            </a:lvl5pPr>
+            <a:lvl6pPr marR="0" lvl="5" algn="l" rtl="0">
+              <a:lnSpc>
+                <a:spcPct val="100000"/>
+              </a:lnSpc>
+              <a:spcBef>
+                <a:spcPts val="0"/>
+              </a:spcBef>
+              <a:spcAft>
+                <a:spcPts val="0"/>
+              </a:spcAft>
+              <a:buClr>
+                <a:schemeClr val="dk1"/>
+              </a:buClr>
+              <a:buSzPts val="2800"/>
+              <a:buFont typeface="Arial"/>
+              <a:buNone/>
+              <a:defRPr sz="2800" b="0" i="0" u="none" strike="noStrike" cap="none">
+                <a:solidFill>
+                  <a:schemeClr val="dk1"/>
+                </a:solidFill>
+                <a:latin typeface="Arial"/>
+                <a:ea typeface="Arial"/>
+                <a:cs typeface="Arial"/>
+                <a:sym typeface="Arial"/>
+              </a:defRPr>
+            </a:lvl6pPr>
+            <a:lvl7pPr marR="0" lvl="6" algn="l" rtl="0">
+              <a:lnSpc>
+                <a:spcPct val="100000"/>
+              </a:lnSpc>
+              <a:spcBef>
+                <a:spcPts val="0"/>
+              </a:spcBef>
+              <a:spcAft>
+                <a:spcPts val="0"/>
+              </a:spcAft>
+              <a:buClr>
+                <a:schemeClr val="dk1"/>
+              </a:buClr>
+              <a:buSzPts val="2800"/>
+              <a:buFont typeface="Arial"/>
+              <a:buNone/>
+              <a:defRPr sz="2800" b="0" i="0" u="none" strike="noStrike" cap="none">
+                <a:solidFill>
+                  <a:schemeClr val="dk1"/>
+                </a:solidFill>
+                <a:latin typeface="Arial"/>
+                <a:ea typeface="Arial"/>
+                <a:cs typeface="Arial"/>
+                <a:sym typeface="Arial"/>
+              </a:defRPr>
+            </a:lvl7pPr>
+            <a:lvl8pPr marR="0" lvl="7" algn="l" rtl="0">
+              <a:lnSpc>
+                <a:spcPct val="100000"/>
+              </a:lnSpc>
+              <a:spcBef>
+                <a:spcPts val="0"/>
+              </a:spcBef>
+              <a:spcAft>
+                <a:spcPts val="0"/>
+              </a:spcAft>
+              <a:buClr>
+                <a:schemeClr val="dk1"/>
+              </a:buClr>
+              <a:buSzPts val="2800"/>
+              <a:buFont typeface="Arial"/>
+              <a:buNone/>
+              <a:defRPr sz="2800" b="0" i="0" u="none" strike="noStrike" cap="none">
+                <a:solidFill>
+                  <a:schemeClr val="dk1"/>
+                </a:solidFill>
+                <a:latin typeface="Arial"/>
+                <a:ea typeface="Arial"/>
+                <a:cs typeface="Arial"/>
+                <a:sym typeface="Arial"/>
+              </a:defRPr>
+            </a:lvl8pPr>
+            <a:lvl9pPr marR="0" lvl="8" algn="l" rtl="0">
+              <a:lnSpc>
+                <a:spcPct val="100000"/>
+              </a:lnSpc>
+              <a:spcBef>
+                <a:spcPts val="0"/>
+              </a:spcBef>
+              <a:spcAft>
+                <a:spcPts val="0"/>
+              </a:spcAft>
+              <a:buClr>
+                <a:schemeClr val="dk1"/>
+              </a:buClr>
+              <a:buSzPts val="2800"/>
+              <a:buFont typeface="Arial"/>
+              <a:buNone/>
+              <a:defRPr sz="2800" b="0" i="0" u="none" strike="noStrike" cap="none">
+                <a:solidFill>
+                  <a:schemeClr val="dk1"/>
+                </a:solidFill>
+                <a:latin typeface="Arial"/>
+                <a:ea typeface="Arial"/>
+                <a:cs typeface="Arial"/>
+                <a:sym typeface="Arial"/>
+              </a:defRPr>
+            </a:lvl9pPr>
+          </a:lstStyle>
+          <a:p>
+            <a:pPr algn="r"/>
+            <a:r>
+              <a:rPr lang="en-US" dirty="0" smtClean="0">
+                <a:latin typeface="Comfortaa" panose="020B0604020202020204" charset="0"/>
+              </a:rPr>
+              <a:t>04.08 - 06.08</a:t>
+            </a:r>
+            <a:endParaRPr lang="ru-RU" dirty="0">
+              <a:latin typeface="Comfortaa" panose="020B0604020202020204" charset="0"/>
+            </a:endParaRPr>
+          </a:p>
+        </p:txBody>
+      </p:sp>
+    </p:spTree>
+    <p:extLst>
+      <p:ext uri="{BB962C8B-B14F-4D97-AF65-F5344CB8AC3E}">
+        <p14:creationId xmlns:p14="http://schemas.microsoft.com/office/powerpoint/2010/main" val="3665411903"/>
+      </p:ext>
+    </p:extLst>
+  </p:cSld>
+  <p:clrMapOvr>
+    <a:masterClrMapping/>
+  </p:clrMapOvr>
+</p:sld>
+</file>
+
 <file path=ppt/slides/slide2.xml><?xml version="1.0" encoding="utf-8"?>
 <p:sld xmlns:a="http://schemas.openxmlformats.org/drawingml/2006/main" xmlns:r="http://schemas.openxmlformats.org/officeDocument/2006/relationships" xmlns:p="http://schemas.openxmlformats.org/presentationml/2006/main">
   <p:cSld>
@@ -7650,7 +8980,7 @@
               <a:buAutoNum type="arabicPeriod"/>
             </a:pPr>
             <a:r>
-              <a:rPr lang="ru" sz="2400" b="1">
+              <a:rPr lang="ru" sz="2400" b="1" dirty="0" smtClean="0">
                 <a:solidFill>
                   <a:schemeClr val="dk1"/>
                 </a:solidFill>
@@ -7661,7 +8991,19 @@
               </a:rPr>
               <a:t>Planning</a:t>
             </a:r>
-            <a:endParaRPr sz="2400" b="1">
+            <a:r>
+              <a:rPr lang="en-US" sz="2400" b="1" dirty="0" smtClean="0">
+                <a:solidFill>
+                  <a:schemeClr val="dk1"/>
+                </a:solidFill>
+                <a:latin typeface="Comfortaa"/>
+                <a:ea typeface="Comfortaa"/>
+                <a:cs typeface="Comfortaa"/>
+                <a:sym typeface="Comfortaa"/>
+              </a:rPr>
+              <a:t> </a:t>
+            </a:r>
+            <a:endParaRPr sz="2400" b="1" dirty="0">
               <a:solidFill>
                 <a:schemeClr val="dk1"/>
               </a:solidFill>
